--- a/resource/template-dom.pptx
+++ b/resource/template-dom.pptx
@@ -7,6 +7,18 @@
   <p:sldIdLst>
     <p:sldId id="256" r:id="rId2"/>
     <p:sldId id="257" r:id="rId3"/>
+    <p:sldId id="258" r:id="rId4"/>
+    <p:sldId id="259" r:id="rId5"/>
+    <p:sldId id="260" r:id="rId6"/>
+    <p:sldId id="261" r:id="rId7"/>
+    <p:sldId id="262" r:id="rId8"/>
+    <p:sldId id="263" r:id="rId9"/>
+    <p:sldId id="264" r:id="rId10"/>
+    <p:sldId id="265" r:id="rId11"/>
+    <p:sldId id="266" r:id="rId12"/>
+    <p:sldId id="267" r:id="rId13"/>
+    <p:sldId id="269" r:id="rId14"/>
+    <p:sldId id="268" r:id="rId15"/>
   </p:sldIdLst>
   <p:sldSz cx="12192000" cy="6858000"/>
   <p:notesSz cx="6858000" cy="9144000"/>
@@ -105,6 +117,41 @@
       </a:defRPr>
     </a:lvl9pPr>
   </p:defaultTextStyle>
+  <p:extLst>
+    <p:ext uri="{521415D9-36F7-43E2-AB2F-B90AF26B5E84}">
+      <p14:sectionLst xmlns:p14="http://schemas.microsoft.com/office/powerpoint/2010/main">
+        <p14:section name="默认节" id="{151A8178-F193-44D8-82D9-9F976567AA62}">
+          <p14:sldIdLst>
+            <p14:sldId id="256"/>
+          </p14:sldIdLst>
+        </p14:section>
+        <p14:section name="parse html to ast" id="{F348ACE0-FADC-4C63-A8F0-97191A424B56}">
+          <p14:sldIdLst>
+            <p14:sldId id="257"/>
+            <p14:sldId id="258"/>
+            <p14:sldId id="259"/>
+            <p14:sldId id="260"/>
+            <p14:sldId id="261"/>
+            <p14:sldId id="262"/>
+            <p14:sldId id="263"/>
+            <p14:sldId id="264"/>
+            <p14:sldId id="265"/>
+            <p14:sldId id="266"/>
+            <p14:sldId id="267"/>
+          </p14:sldIdLst>
+        </p14:section>
+        <p14:section name="render" id="{71289DBE-F842-4693-84D5-8EA0E0E3888D}">
+          <p14:sldIdLst>
+            <p14:sldId id="269"/>
+            <p14:sldId id="268"/>
+          </p14:sldIdLst>
+        </p14:section>
+      </p14:sectionLst>
+    </p:ext>
+    <p:ext uri="{EFAFB233-063F-42B5-8137-9DF3F51BA10A}">
+      <p15:sldGuideLst xmlns:p15="http://schemas.microsoft.com/office/powerpoint/2012/main"/>
+    </p:ext>
+  </p:extLst>
 </p:presentation>
 </file>
 
@@ -267,7 +314,7 @@
           <a:p>
             <a:fld id="{A1632879-AF9F-4D77-8776-92B669FC986D}" type="datetimeFigureOut">
               <a:rPr lang="zh-CN" altLang="en-US" smtClean="0"/>
-              <a:t>2021-05-25</a:t>
+              <a:t>2021-05-27</a:t>
             </a:fld>
             <a:endParaRPr lang="zh-CN" altLang="en-US"/>
           </a:p>
@@ -465,7 +512,7 @@
           <a:p>
             <a:fld id="{A1632879-AF9F-4D77-8776-92B669FC986D}" type="datetimeFigureOut">
               <a:rPr lang="zh-CN" altLang="en-US" smtClean="0"/>
-              <a:t>2021-05-25</a:t>
+              <a:t>2021-05-27</a:t>
             </a:fld>
             <a:endParaRPr lang="zh-CN" altLang="en-US"/>
           </a:p>
@@ -673,7 +720,7 @@
           <a:p>
             <a:fld id="{A1632879-AF9F-4D77-8776-92B669FC986D}" type="datetimeFigureOut">
               <a:rPr lang="zh-CN" altLang="en-US" smtClean="0"/>
-              <a:t>2021-05-25</a:t>
+              <a:t>2021-05-27</a:t>
             </a:fld>
             <a:endParaRPr lang="zh-CN" altLang="en-US"/>
           </a:p>
@@ -871,7 +918,7 @@
           <a:p>
             <a:fld id="{A1632879-AF9F-4D77-8776-92B669FC986D}" type="datetimeFigureOut">
               <a:rPr lang="zh-CN" altLang="en-US" smtClean="0"/>
-              <a:t>2021-05-25</a:t>
+              <a:t>2021-05-27</a:t>
             </a:fld>
             <a:endParaRPr lang="zh-CN" altLang="en-US"/>
           </a:p>
@@ -1146,7 +1193,7 @@
           <a:p>
             <a:fld id="{A1632879-AF9F-4D77-8776-92B669FC986D}" type="datetimeFigureOut">
               <a:rPr lang="zh-CN" altLang="en-US" smtClean="0"/>
-              <a:t>2021-05-25</a:t>
+              <a:t>2021-05-27</a:t>
             </a:fld>
             <a:endParaRPr lang="zh-CN" altLang="en-US"/>
           </a:p>
@@ -1411,7 +1458,7 @@
           <a:p>
             <a:fld id="{A1632879-AF9F-4D77-8776-92B669FC986D}" type="datetimeFigureOut">
               <a:rPr lang="zh-CN" altLang="en-US" smtClean="0"/>
-              <a:t>2021-05-25</a:t>
+              <a:t>2021-05-27</a:t>
             </a:fld>
             <a:endParaRPr lang="zh-CN" altLang="en-US"/>
           </a:p>
@@ -1823,7 +1870,7 @@
           <a:p>
             <a:fld id="{A1632879-AF9F-4D77-8776-92B669FC986D}" type="datetimeFigureOut">
               <a:rPr lang="zh-CN" altLang="en-US" smtClean="0"/>
-              <a:t>2021-05-25</a:t>
+              <a:t>2021-05-27</a:t>
             </a:fld>
             <a:endParaRPr lang="zh-CN" altLang="en-US"/>
           </a:p>
@@ -1964,7 +2011,7 @@
           <a:p>
             <a:fld id="{A1632879-AF9F-4D77-8776-92B669FC986D}" type="datetimeFigureOut">
               <a:rPr lang="zh-CN" altLang="en-US" smtClean="0"/>
-              <a:t>2021-05-25</a:t>
+              <a:t>2021-05-27</a:t>
             </a:fld>
             <a:endParaRPr lang="zh-CN" altLang="en-US"/>
           </a:p>
@@ -2077,7 +2124,7 @@
           <a:p>
             <a:fld id="{A1632879-AF9F-4D77-8776-92B669FC986D}" type="datetimeFigureOut">
               <a:rPr lang="zh-CN" altLang="en-US" smtClean="0"/>
-              <a:t>2021-05-25</a:t>
+              <a:t>2021-05-27</a:t>
             </a:fld>
             <a:endParaRPr lang="zh-CN" altLang="en-US"/>
           </a:p>
@@ -2388,7 +2435,7 @@
           <a:p>
             <a:fld id="{A1632879-AF9F-4D77-8776-92B669FC986D}" type="datetimeFigureOut">
               <a:rPr lang="zh-CN" altLang="en-US" smtClean="0"/>
-              <a:t>2021-05-25</a:t>
+              <a:t>2021-05-27</a:t>
             </a:fld>
             <a:endParaRPr lang="zh-CN" altLang="en-US"/>
           </a:p>
@@ -2676,7 +2723,7 @@
           <a:p>
             <a:fld id="{A1632879-AF9F-4D77-8776-92B669FC986D}" type="datetimeFigureOut">
               <a:rPr lang="zh-CN" altLang="en-US" smtClean="0"/>
-              <a:t>2021-05-25</a:t>
+              <a:t>2021-05-27</a:t>
             </a:fld>
             <a:endParaRPr lang="zh-CN" altLang="en-US"/>
           </a:p>
@@ -2917,7 +2964,7 @@
           <a:p>
             <a:fld id="{A1632879-AF9F-4D77-8776-92B669FC986D}" type="datetimeFigureOut">
               <a:rPr lang="zh-CN" altLang="en-US" smtClean="0"/>
-              <a:t>2021-05-25</a:t>
+              <a:t>2021-05-27</a:t>
             </a:fld>
             <a:endParaRPr lang="zh-CN" altLang="en-US"/>
           </a:p>
@@ -3402,7 +3449,7 @@
         <p:spPr>
           <a:xfrm>
             <a:off x="127819" y="127819"/>
-            <a:ext cx="2977097" cy="369332"/>
+            <a:ext cx="3137397" cy="369332"/>
           </a:xfrm>
           <a:prstGeom prst="rect">
             <a:avLst/>
@@ -3416,22 +3463,22 @@
           <a:lstStyle/>
           <a:p>
             <a:r>
-              <a:rPr lang="en-US" altLang="zh-CN" dirty="0"/>
+              <a:rPr lang="en-US" altLang="zh-CN" b="1" dirty="0"/>
               <a:t>Vue</a:t>
             </a:r>
             <a:r>
-              <a:rPr lang="zh-CN" altLang="en-US" dirty="0"/>
+              <a:rPr lang="zh-CN" altLang="en-US" b="1" dirty="0"/>
               <a:t>：</a:t>
             </a:r>
             <a:r>
-              <a:rPr lang="en-US" altLang="zh-CN" dirty="0"/>
+              <a:rPr lang="en-US" altLang="zh-CN" b="1" dirty="0"/>
               <a:t>template to </a:t>
             </a:r>
             <a:r>
-              <a:rPr lang="en-US" altLang="zh-CN" dirty="0" err="1"/>
+              <a:rPr lang="en-US" altLang="zh-CN" b="1" dirty="0" err="1"/>
               <a:t>HtmlDom</a:t>
             </a:r>
-            <a:endParaRPr lang="en-US" altLang="zh-CN" dirty="0"/>
+            <a:endParaRPr lang="en-US" altLang="zh-CN" b="1" dirty="0"/>
           </a:p>
         </p:txBody>
       </p:sp>
@@ -3524,9 +3571,10 @@
           <a:p>
             <a:pPr algn="ctr"/>
             <a:r>
-              <a:rPr lang="en-US" altLang="zh-CN" dirty="0"/>
-              <a:t>render</a:t>
-            </a:r>
+              <a:rPr lang="en-US" altLang="zh-CN" dirty="0" err="1"/>
+              <a:t>ast</a:t>
+            </a:r>
+            <a:endParaRPr lang="en-US" altLang="zh-CN" dirty="0"/>
           </a:p>
         </p:txBody>
       </p:sp>
@@ -3613,10 +3661,9 @@
           <a:p>
             <a:pPr algn="ctr"/>
             <a:r>
-              <a:rPr lang="en-US" altLang="zh-CN" dirty="0" err="1"/>
-              <a:t>ast</a:t>
-            </a:r>
-            <a:endParaRPr lang="en-US" altLang="zh-CN" dirty="0"/>
+              <a:rPr lang="en-US" altLang="zh-CN" dirty="0"/>
+              <a:t>render</a:t>
+            </a:r>
           </a:p>
         </p:txBody>
       </p:sp>
@@ -3881,6 +3928,3314 @@
     <p:extLst>
       <p:ext uri="{BB962C8B-B14F-4D97-AF65-F5344CB8AC3E}">
         <p14:creationId xmlns:p14="http://schemas.microsoft.com/office/powerpoint/2010/main" val="353243953"/>
+      </p:ext>
+    </p:extLst>
+  </p:cSld>
+  <p:clrMapOvr>
+    <a:masterClrMapping/>
+  </p:clrMapOvr>
+</p:sld>
+</file>
+
+<file path=ppt/slides/slide10.xml><?xml version="1.0" encoding="utf-8"?>
+<p:sld xmlns:a="http://schemas.openxmlformats.org/drawingml/2006/main" xmlns:r="http://schemas.openxmlformats.org/officeDocument/2006/relationships" xmlns:p="http://schemas.openxmlformats.org/presentationml/2006/main">
+  <p:cSld>
+    <p:spTree>
+      <p:nvGrpSpPr>
+        <p:cNvPr id="1" name=""/>
+        <p:cNvGrpSpPr/>
+        <p:nvPr/>
+      </p:nvGrpSpPr>
+      <p:grpSpPr>
+        <a:xfrm>
+          <a:off x="0" y="0"/>
+          <a:ext cx="0" cy="0"/>
+          <a:chOff x="0" y="0"/>
+          <a:chExt cx="0" cy="0"/>
+        </a:xfrm>
+      </p:grpSpPr>
+      <p:sp>
+        <p:nvSpPr>
+          <p:cNvPr id="4" name="文本框 3">
+            <a:extLst>
+              <a:ext uri="{FF2B5EF4-FFF2-40B4-BE49-F238E27FC236}">
+                <a16:creationId xmlns:a16="http://schemas.microsoft.com/office/drawing/2014/main" id="{B15BAD18-D13C-46A5-9C84-AC685D764DFD}"/>
+              </a:ext>
+            </a:extLst>
+          </p:cNvPr>
+          <p:cNvSpPr txBox="1"/>
+          <p:nvPr/>
+        </p:nvSpPr>
+        <p:spPr>
+          <a:xfrm>
+            <a:off x="213360" y="193040"/>
+            <a:ext cx="1947969" cy="646331"/>
+          </a:xfrm>
+          <a:prstGeom prst="rect">
+            <a:avLst/>
+          </a:prstGeom>
+          <a:noFill/>
+        </p:spPr>
+        <p:txBody>
+          <a:bodyPr wrap="none" rtlCol="0">
+            <a:spAutoFit/>
+          </a:bodyPr>
+          <a:lstStyle/>
+          <a:p>
+            <a:r>
+              <a:rPr lang="en-US" altLang="zh-CN" b="1" dirty="0"/>
+              <a:t>Parse html to </a:t>
+            </a:r>
+            <a:r>
+              <a:rPr lang="en-US" altLang="zh-CN" b="1" dirty="0" err="1"/>
+              <a:t>ast</a:t>
+            </a:r>
+            <a:endParaRPr lang="en-US" altLang="zh-CN" b="1" dirty="0"/>
+          </a:p>
+          <a:p>
+            <a:endParaRPr lang="zh-CN" altLang="en-US" dirty="0"/>
+          </a:p>
+        </p:txBody>
+      </p:sp>
+      <p:sp>
+        <p:nvSpPr>
+          <p:cNvPr id="30" name="文本框 29">
+            <a:extLst>
+              <a:ext uri="{FF2B5EF4-FFF2-40B4-BE49-F238E27FC236}">
+                <a16:creationId xmlns:a16="http://schemas.microsoft.com/office/drawing/2014/main" id="{1A2BEBED-A289-47B7-A7AC-0228CD2FC4DC}"/>
+              </a:ext>
+            </a:extLst>
+          </p:cNvPr>
+          <p:cNvSpPr txBox="1"/>
+          <p:nvPr/>
+        </p:nvSpPr>
+        <p:spPr>
+          <a:xfrm>
+            <a:off x="213360" y="626325"/>
+            <a:ext cx="6096000" cy="923330"/>
+          </a:xfrm>
+          <a:prstGeom prst="rect">
+            <a:avLst/>
+          </a:prstGeom>
+          <a:noFill/>
+        </p:spPr>
+        <p:txBody>
+          <a:bodyPr wrap="square">
+            <a:spAutoFit/>
+          </a:bodyPr>
+          <a:lstStyle/>
+          <a:p>
+            <a:endParaRPr lang="en-US" altLang="zh-CN" b="0" dirty="0">
+              <a:solidFill>
+                <a:srgbClr val="333333"/>
+              </a:solidFill>
+              <a:effectLst/>
+              <a:latin typeface="Consolas" panose="020B0609020204030204" pitchFamily="49" charset="0"/>
+            </a:endParaRPr>
+          </a:p>
+          <a:p>
+            <a:r>
+              <a:rPr lang="en-US" altLang="zh-CN" b="0" dirty="0">
+                <a:solidFill>
+                  <a:srgbClr val="333333"/>
+                </a:solidFill>
+                <a:effectLst/>
+                <a:latin typeface="Consolas" panose="020B0609020204030204" pitchFamily="49" charset="0"/>
+              </a:rPr>
+              <a:t>    </a:t>
+            </a:r>
+            <a:r>
+              <a:rPr lang="en-US" altLang="zh-CN" b="0" dirty="0">
+                <a:solidFill>
+                  <a:srgbClr val="93A1A1"/>
+                </a:solidFill>
+                <a:effectLst/>
+                <a:latin typeface="Consolas" panose="020B0609020204030204" pitchFamily="49" charset="0"/>
+              </a:rPr>
+              <a:t>&lt;/</a:t>
+            </a:r>
+            <a:r>
+              <a:rPr lang="en-US" altLang="zh-CN" b="0" dirty="0">
+                <a:solidFill>
+                  <a:srgbClr val="268BD2"/>
+                </a:solidFill>
+                <a:effectLst/>
+                <a:latin typeface="Consolas" panose="020B0609020204030204" pitchFamily="49" charset="0"/>
+              </a:rPr>
+              <a:t>p</a:t>
+            </a:r>
+            <a:r>
+              <a:rPr lang="en-US" altLang="zh-CN" b="0" dirty="0">
+                <a:solidFill>
+                  <a:srgbClr val="93A1A1"/>
+                </a:solidFill>
+                <a:effectLst/>
+                <a:latin typeface="Consolas" panose="020B0609020204030204" pitchFamily="49" charset="0"/>
+              </a:rPr>
+              <a:t>&gt;</a:t>
+            </a:r>
+            <a:endParaRPr lang="en-US" altLang="zh-CN" b="0" dirty="0">
+              <a:solidFill>
+                <a:srgbClr val="333333"/>
+              </a:solidFill>
+              <a:effectLst/>
+              <a:latin typeface="Consolas" panose="020B0609020204030204" pitchFamily="49" charset="0"/>
+            </a:endParaRPr>
+          </a:p>
+          <a:p>
+            <a:r>
+              <a:rPr lang="en-US" altLang="zh-CN" b="0" dirty="0">
+                <a:solidFill>
+                  <a:srgbClr val="333333"/>
+                </a:solidFill>
+                <a:effectLst/>
+                <a:latin typeface="Consolas" panose="020B0609020204030204" pitchFamily="49" charset="0"/>
+              </a:rPr>
+              <a:t>  </a:t>
+            </a:r>
+            <a:r>
+              <a:rPr lang="en-US" altLang="zh-CN" b="0" dirty="0">
+                <a:solidFill>
+                  <a:srgbClr val="93A1A1"/>
+                </a:solidFill>
+                <a:effectLst/>
+                <a:latin typeface="Consolas" panose="020B0609020204030204" pitchFamily="49" charset="0"/>
+              </a:rPr>
+              <a:t>&lt;/</a:t>
+            </a:r>
+            <a:r>
+              <a:rPr lang="en-US" altLang="zh-CN" b="0" dirty="0">
+                <a:solidFill>
+                  <a:srgbClr val="268BD2"/>
+                </a:solidFill>
+                <a:effectLst/>
+                <a:latin typeface="Consolas" panose="020B0609020204030204" pitchFamily="49" charset="0"/>
+              </a:rPr>
+              <a:t>div</a:t>
+            </a:r>
+            <a:r>
+              <a:rPr lang="en-US" altLang="zh-CN" b="0" dirty="0">
+                <a:solidFill>
+                  <a:srgbClr val="93A1A1"/>
+                </a:solidFill>
+                <a:effectLst/>
+                <a:latin typeface="Consolas" panose="020B0609020204030204" pitchFamily="49" charset="0"/>
+              </a:rPr>
+              <a:t>&gt;</a:t>
+            </a:r>
+            <a:endParaRPr lang="en-US" altLang="zh-CN" b="0" dirty="0">
+              <a:solidFill>
+                <a:srgbClr val="333333"/>
+              </a:solidFill>
+              <a:effectLst/>
+              <a:latin typeface="Consolas" panose="020B0609020204030204" pitchFamily="49" charset="0"/>
+            </a:endParaRPr>
+          </a:p>
+        </p:txBody>
+      </p:sp>
+      <p:sp>
+        <p:nvSpPr>
+          <p:cNvPr id="3" name="矩形 2">
+            <a:extLst>
+              <a:ext uri="{FF2B5EF4-FFF2-40B4-BE49-F238E27FC236}">
+                <a16:creationId xmlns:a16="http://schemas.microsoft.com/office/drawing/2014/main" id="{2825D9CD-4572-4FD3-9CCF-293370656FB3}"/>
+              </a:ext>
+            </a:extLst>
+          </p:cNvPr>
+          <p:cNvSpPr/>
+          <p:nvPr/>
+        </p:nvSpPr>
+        <p:spPr>
+          <a:xfrm>
+            <a:off x="4355690" y="839371"/>
+            <a:ext cx="1553497" cy="5620423"/>
+          </a:xfrm>
+          <a:prstGeom prst="rect">
+            <a:avLst/>
+          </a:prstGeom>
+        </p:spPr>
+        <p:style>
+          <a:lnRef idx="2">
+            <a:schemeClr val="accent6"/>
+          </a:lnRef>
+          <a:fillRef idx="1">
+            <a:schemeClr val="lt1"/>
+          </a:fillRef>
+          <a:effectRef idx="0">
+            <a:schemeClr val="accent6"/>
+          </a:effectRef>
+          <a:fontRef idx="minor">
+            <a:schemeClr val="dk1"/>
+          </a:fontRef>
+        </p:style>
+        <p:txBody>
+          <a:bodyPr rtlCol="0" anchor="ctr"/>
+          <a:lstStyle/>
+          <a:p>
+            <a:pPr algn="ctr"/>
+            <a:endParaRPr lang="zh-CN" altLang="en-US" dirty="0"/>
+          </a:p>
+        </p:txBody>
+      </p:sp>
+      <p:sp>
+        <p:nvSpPr>
+          <p:cNvPr id="7" name="文本框 6">
+            <a:extLst>
+              <a:ext uri="{FF2B5EF4-FFF2-40B4-BE49-F238E27FC236}">
+                <a16:creationId xmlns:a16="http://schemas.microsoft.com/office/drawing/2014/main" id="{932D0C44-58B0-4956-9B20-895262106932}"/>
+              </a:ext>
+            </a:extLst>
+          </p:cNvPr>
+          <p:cNvSpPr txBox="1"/>
+          <p:nvPr/>
+        </p:nvSpPr>
+        <p:spPr>
+          <a:xfrm>
+            <a:off x="4786723" y="6459794"/>
+            <a:ext cx="681597" cy="369332"/>
+          </a:xfrm>
+          <a:prstGeom prst="rect">
+            <a:avLst/>
+          </a:prstGeom>
+          <a:noFill/>
+        </p:spPr>
+        <p:txBody>
+          <a:bodyPr wrap="none" rtlCol="0">
+            <a:spAutoFit/>
+          </a:bodyPr>
+          <a:lstStyle/>
+          <a:p>
+            <a:r>
+              <a:rPr lang="en-US" altLang="zh-CN" dirty="0"/>
+              <a:t>stack</a:t>
+            </a:r>
+            <a:endParaRPr lang="zh-CN" altLang="en-US" dirty="0"/>
+          </a:p>
+        </p:txBody>
+      </p:sp>
+      <p:sp>
+        <p:nvSpPr>
+          <p:cNvPr id="11" name="文本框 10">
+            <a:extLst>
+              <a:ext uri="{FF2B5EF4-FFF2-40B4-BE49-F238E27FC236}">
+                <a16:creationId xmlns:a16="http://schemas.microsoft.com/office/drawing/2014/main" id="{06734D3B-F8C0-4C53-9E02-303802F20AD9}"/>
+              </a:ext>
+            </a:extLst>
+          </p:cNvPr>
+          <p:cNvSpPr txBox="1"/>
+          <p:nvPr/>
+        </p:nvSpPr>
+        <p:spPr>
+          <a:xfrm>
+            <a:off x="6591897" y="3429001"/>
+            <a:ext cx="2784737" cy="646331"/>
+          </a:xfrm>
+          <a:prstGeom prst="rect">
+            <a:avLst/>
+          </a:prstGeom>
+          <a:noFill/>
+        </p:spPr>
+        <p:txBody>
+          <a:bodyPr wrap="none" rtlCol="0">
+            <a:spAutoFit/>
+          </a:bodyPr>
+          <a:lstStyle/>
+          <a:p>
+            <a:r>
+              <a:rPr lang="en-US" altLang="zh-CN" dirty="0" err="1"/>
+              <a:t>currentParent</a:t>
+            </a:r>
+            <a:r>
+              <a:rPr lang="en-US" altLang="zh-CN" dirty="0"/>
+              <a:t> = </a:t>
+            </a:r>
+            <a:r>
+              <a:rPr lang="en-US" altLang="zh-CN" dirty="0" err="1"/>
+              <a:t>element2</a:t>
+            </a:r>
+            <a:r>
+              <a:rPr lang="en-US" altLang="zh-CN" dirty="0"/>
+              <a:t>;</a:t>
+            </a:r>
+          </a:p>
+          <a:p>
+            <a:r>
+              <a:rPr lang="en-US" altLang="zh-CN" dirty="0"/>
+              <a:t>root = </a:t>
+            </a:r>
+            <a:r>
+              <a:rPr lang="en-US" altLang="zh-CN" dirty="0" err="1"/>
+              <a:t>element1</a:t>
+            </a:r>
+            <a:r>
+              <a:rPr lang="en-US" altLang="zh-CN" dirty="0"/>
+              <a:t>;</a:t>
+            </a:r>
+          </a:p>
+        </p:txBody>
+      </p:sp>
+      <p:sp>
+        <p:nvSpPr>
+          <p:cNvPr id="2" name="文本框 1">
+            <a:extLst>
+              <a:ext uri="{FF2B5EF4-FFF2-40B4-BE49-F238E27FC236}">
+                <a16:creationId xmlns:a16="http://schemas.microsoft.com/office/drawing/2014/main" id="{CEDBF7B9-C8B5-4829-929E-81A6AEED4C81}"/>
+              </a:ext>
+            </a:extLst>
+          </p:cNvPr>
+          <p:cNvSpPr txBox="1"/>
+          <p:nvPr/>
+        </p:nvSpPr>
+        <p:spPr>
+          <a:xfrm>
+            <a:off x="4889315" y="5939973"/>
+            <a:ext cx="476412" cy="369332"/>
+          </a:xfrm>
+          <a:prstGeom prst="rect">
+            <a:avLst/>
+          </a:prstGeom>
+          <a:noFill/>
+          <a:ln>
+            <a:solidFill>
+              <a:schemeClr val="accent1"/>
+            </a:solidFill>
+          </a:ln>
+        </p:spPr>
+        <p:txBody>
+          <a:bodyPr wrap="none" rtlCol="0">
+            <a:spAutoFit/>
+          </a:bodyPr>
+          <a:lstStyle/>
+          <a:p>
+            <a:r>
+              <a:rPr lang="en-US" altLang="zh-CN" dirty="0"/>
+              <a:t>div</a:t>
+            </a:r>
+            <a:endParaRPr lang="zh-CN" altLang="en-US" dirty="0"/>
+          </a:p>
+        </p:txBody>
+      </p:sp>
+      <p:cxnSp>
+        <p:nvCxnSpPr>
+          <p:cNvPr id="6" name="直接连接符 5">
+            <a:extLst>
+              <a:ext uri="{FF2B5EF4-FFF2-40B4-BE49-F238E27FC236}">
+                <a16:creationId xmlns:a16="http://schemas.microsoft.com/office/drawing/2014/main" id="{1D77ABAE-EAD5-4438-9B7F-6D9C8DAD981D}"/>
+              </a:ext>
+            </a:extLst>
+          </p:cNvPr>
+          <p:cNvCxnSpPr/>
+          <p:nvPr/>
+        </p:nvCxnSpPr>
+        <p:spPr>
+          <a:xfrm>
+            <a:off x="4355690" y="5781369"/>
+            <a:ext cx="1553497" cy="0"/>
+          </a:xfrm>
+          <a:prstGeom prst="line">
+            <a:avLst/>
+          </a:prstGeom>
+        </p:spPr>
+        <p:style>
+          <a:lnRef idx="1">
+            <a:schemeClr val="dk1"/>
+          </a:lnRef>
+          <a:fillRef idx="0">
+            <a:schemeClr val="dk1"/>
+          </a:fillRef>
+          <a:effectRef idx="0">
+            <a:schemeClr val="dk1"/>
+          </a:effectRef>
+          <a:fontRef idx="minor">
+            <a:schemeClr val="tx1"/>
+          </a:fontRef>
+        </p:style>
+      </p:cxnSp>
+      <p:sp>
+        <p:nvSpPr>
+          <p:cNvPr id="8" name="文本框 7">
+            <a:extLst>
+              <a:ext uri="{FF2B5EF4-FFF2-40B4-BE49-F238E27FC236}">
+                <a16:creationId xmlns:a16="http://schemas.microsoft.com/office/drawing/2014/main" id="{D621D075-0EC7-47DD-93E8-279A3048776F}"/>
+              </a:ext>
+            </a:extLst>
+          </p:cNvPr>
+          <p:cNvSpPr txBox="1"/>
+          <p:nvPr/>
+        </p:nvSpPr>
+        <p:spPr>
+          <a:xfrm>
+            <a:off x="6157943" y="5939973"/>
+            <a:ext cx="1107996" cy="369332"/>
+          </a:xfrm>
+          <a:prstGeom prst="rect">
+            <a:avLst/>
+          </a:prstGeom>
+          <a:noFill/>
+        </p:spPr>
+        <p:txBody>
+          <a:bodyPr wrap="none" rtlCol="0">
+            <a:spAutoFit/>
+          </a:bodyPr>
+          <a:lstStyle/>
+          <a:p>
+            <a:r>
+              <a:rPr lang="en-US" altLang="zh-CN" dirty="0" err="1"/>
+              <a:t>element1</a:t>
+            </a:r>
+            <a:endParaRPr lang="zh-CN" altLang="en-US" dirty="0"/>
+          </a:p>
+        </p:txBody>
+      </p:sp>
+      <p:sp>
+        <p:nvSpPr>
+          <p:cNvPr id="12" name="文本框 11">
+            <a:extLst>
+              <a:ext uri="{FF2B5EF4-FFF2-40B4-BE49-F238E27FC236}">
+                <a16:creationId xmlns:a16="http://schemas.microsoft.com/office/drawing/2014/main" id="{3EAAEE6D-E1E9-4F43-98FA-507B3702CC15}"/>
+              </a:ext>
+            </a:extLst>
+          </p:cNvPr>
+          <p:cNvSpPr txBox="1"/>
+          <p:nvPr/>
+        </p:nvSpPr>
+        <p:spPr>
+          <a:xfrm>
+            <a:off x="4889315" y="5232095"/>
+            <a:ext cx="317716" cy="369332"/>
+          </a:xfrm>
+          <a:prstGeom prst="rect">
+            <a:avLst/>
+          </a:prstGeom>
+          <a:noFill/>
+          <a:ln>
+            <a:solidFill>
+              <a:schemeClr val="accent1"/>
+            </a:solidFill>
+          </a:ln>
+        </p:spPr>
+        <p:txBody>
+          <a:bodyPr wrap="none" rtlCol="0">
+            <a:spAutoFit/>
+          </a:bodyPr>
+          <a:lstStyle/>
+          <a:p>
+            <a:r>
+              <a:rPr lang="en-US" altLang="zh-CN" dirty="0"/>
+              <a:t>p</a:t>
+            </a:r>
+            <a:endParaRPr lang="zh-CN" altLang="en-US" dirty="0"/>
+          </a:p>
+        </p:txBody>
+      </p:sp>
+      <p:sp>
+        <p:nvSpPr>
+          <p:cNvPr id="13" name="文本框 12">
+            <a:extLst>
+              <a:ext uri="{FF2B5EF4-FFF2-40B4-BE49-F238E27FC236}">
+                <a16:creationId xmlns:a16="http://schemas.microsoft.com/office/drawing/2014/main" id="{C8716B65-AC42-46E6-802F-49BA9538781A}"/>
+              </a:ext>
+            </a:extLst>
+          </p:cNvPr>
+          <p:cNvSpPr txBox="1"/>
+          <p:nvPr/>
+        </p:nvSpPr>
+        <p:spPr>
+          <a:xfrm>
+            <a:off x="6157943" y="5232095"/>
+            <a:ext cx="1107996" cy="369332"/>
+          </a:xfrm>
+          <a:prstGeom prst="rect">
+            <a:avLst/>
+          </a:prstGeom>
+          <a:noFill/>
+        </p:spPr>
+        <p:txBody>
+          <a:bodyPr wrap="none" rtlCol="0">
+            <a:spAutoFit/>
+          </a:bodyPr>
+          <a:lstStyle/>
+          <a:p>
+            <a:r>
+              <a:rPr lang="en-US" altLang="zh-CN" dirty="0" err="1"/>
+              <a:t>element2</a:t>
+            </a:r>
+            <a:endParaRPr lang="zh-CN" altLang="en-US" dirty="0"/>
+          </a:p>
+        </p:txBody>
+      </p:sp>
+      <p:sp>
+        <p:nvSpPr>
+          <p:cNvPr id="5" name="矩形 4">
+            <a:extLst>
+              <a:ext uri="{FF2B5EF4-FFF2-40B4-BE49-F238E27FC236}">
+                <a16:creationId xmlns:a16="http://schemas.microsoft.com/office/drawing/2014/main" id="{117B6540-C5E0-4E0E-BCCB-74FC7F7D67FC}"/>
+              </a:ext>
+            </a:extLst>
+          </p:cNvPr>
+          <p:cNvSpPr/>
+          <p:nvPr/>
+        </p:nvSpPr>
+        <p:spPr>
+          <a:xfrm>
+            <a:off x="7610167" y="4768645"/>
+            <a:ext cx="3587841" cy="646331"/>
+          </a:xfrm>
+          <a:prstGeom prst="rect">
+            <a:avLst/>
+          </a:prstGeom>
+        </p:spPr>
+        <p:style>
+          <a:lnRef idx="2">
+            <a:schemeClr val="accent6"/>
+          </a:lnRef>
+          <a:fillRef idx="1">
+            <a:schemeClr val="lt1"/>
+          </a:fillRef>
+          <a:effectRef idx="0">
+            <a:schemeClr val="accent6"/>
+          </a:effectRef>
+          <a:fontRef idx="minor">
+            <a:schemeClr val="dk1"/>
+          </a:fontRef>
+        </p:style>
+        <p:txBody>
+          <a:bodyPr rtlCol="0" anchor="ctr"/>
+          <a:lstStyle/>
+          <a:p>
+            <a:pPr algn="ctr"/>
+            <a:endParaRPr lang="zh-CN" altLang="en-US" dirty="0"/>
+          </a:p>
+        </p:txBody>
+      </p:sp>
+      <p:sp>
+        <p:nvSpPr>
+          <p:cNvPr id="10" name="文本框 9">
+            <a:extLst>
+              <a:ext uri="{FF2B5EF4-FFF2-40B4-BE49-F238E27FC236}">
+                <a16:creationId xmlns:a16="http://schemas.microsoft.com/office/drawing/2014/main" id="{E324FAAE-F790-49B5-B280-9849F48B8FA4}"/>
+              </a:ext>
+            </a:extLst>
+          </p:cNvPr>
+          <p:cNvSpPr txBox="1"/>
+          <p:nvPr/>
+        </p:nvSpPr>
+        <p:spPr>
+          <a:xfrm>
+            <a:off x="7610168" y="4907144"/>
+            <a:ext cx="3587842" cy="369332"/>
+          </a:xfrm>
+          <a:prstGeom prst="rect">
+            <a:avLst/>
+          </a:prstGeom>
+          <a:noFill/>
+        </p:spPr>
+        <p:txBody>
+          <a:bodyPr wrap="none" rtlCol="0">
+            <a:spAutoFit/>
+          </a:bodyPr>
+          <a:lstStyle/>
+          <a:p>
+            <a:r>
+              <a:rPr lang="en-US" altLang="zh-CN" dirty="0" err="1"/>
+              <a:t>element2.children.push</a:t>
+            </a:r>
+            <a:r>
+              <a:rPr lang="en-US" altLang="zh-CN" dirty="0"/>
+              <a:t>(</a:t>
+            </a:r>
+            <a:r>
+              <a:rPr lang="en-US" altLang="zh-CN" dirty="0" err="1"/>
+              <a:t>textNode</a:t>
+            </a:r>
+            <a:r>
+              <a:rPr lang="en-US" altLang="zh-CN" dirty="0"/>
+              <a:t>);</a:t>
+            </a:r>
+            <a:endParaRPr lang="zh-CN" altLang="en-US" dirty="0"/>
+          </a:p>
+        </p:txBody>
+      </p:sp>
+    </p:spTree>
+    <p:extLst>
+      <p:ext uri="{BB962C8B-B14F-4D97-AF65-F5344CB8AC3E}">
+        <p14:creationId xmlns:p14="http://schemas.microsoft.com/office/powerpoint/2010/main" val="454324438"/>
+      </p:ext>
+    </p:extLst>
+  </p:cSld>
+  <p:clrMapOvr>
+    <a:masterClrMapping/>
+  </p:clrMapOvr>
+</p:sld>
+</file>
+
+<file path=ppt/slides/slide11.xml><?xml version="1.0" encoding="utf-8"?>
+<p:sld xmlns:a="http://schemas.openxmlformats.org/drawingml/2006/main" xmlns:r="http://schemas.openxmlformats.org/officeDocument/2006/relationships" xmlns:p="http://schemas.openxmlformats.org/presentationml/2006/main">
+  <p:cSld>
+    <p:spTree>
+      <p:nvGrpSpPr>
+        <p:cNvPr id="1" name=""/>
+        <p:cNvGrpSpPr/>
+        <p:nvPr/>
+      </p:nvGrpSpPr>
+      <p:grpSpPr>
+        <a:xfrm>
+          <a:off x="0" y="0"/>
+          <a:ext cx="0" cy="0"/>
+          <a:chOff x="0" y="0"/>
+          <a:chExt cx="0" cy="0"/>
+        </a:xfrm>
+      </p:grpSpPr>
+      <p:sp>
+        <p:nvSpPr>
+          <p:cNvPr id="4" name="文本框 3">
+            <a:extLst>
+              <a:ext uri="{FF2B5EF4-FFF2-40B4-BE49-F238E27FC236}">
+                <a16:creationId xmlns:a16="http://schemas.microsoft.com/office/drawing/2014/main" id="{B15BAD18-D13C-46A5-9C84-AC685D764DFD}"/>
+              </a:ext>
+            </a:extLst>
+          </p:cNvPr>
+          <p:cNvSpPr txBox="1"/>
+          <p:nvPr/>
+        </p:nvSpPr>
+        <p:spPr>
+          <a:xfrm>
+            <a:off x="213360" y="193040"/>
+            <a:ext cx="1947969" cy="646331"/>
+          </a:xfrm>
+          <a:prstGeom prst="rect">
+            <a:avLst/>
+          </a:prstGeom>
+          <a:noFill/>
+        </p:spPr>
+        <p:txBody>
+          <a:bodyPr wrap="none" rtlCol="0">
+            <a:spAutoFit/>
+          </a:bodyPr>
+          <a:lstStyle/>
+          <a:p>
+            <a:r>
+              <a:rPr lang="en-US" altLang="zh-CN" b="1" dirty="0"/>
+              <a:t>Parse html to </a:t>
+            </a:r>
+            <a:r>
+              <a:rPr lang="en-US" altLang="zh-CN" b="1" dirty="0" err="1"/>
+              <a:t>ast</a:t>
+            </a:r>
+            <a:endParaRPr lang="en-US" altLang="zh-CN" b="1" dirty="0"/>
+          </a:p>
+          <a:p>
+            <a:endParaRPr lang="zh-CN" altLang="en-US" dirty="0"/>
+          </a:p>
+        </p:txBody>
+      </p:sp>
+      <p:sp>
+        <p:nvSpPr>
+          <p:cNvPr id="30" name="文本框 29">
+            <a:extLst>
+              <a:ext uri="{FF2B5EF4-FFF2-40B4-BE49-F238E27FC236}">
+                <a16:creationId xmlns:a16="http://schemas.microsoft.com/office/drawing/2014/main" id="{1A2BEBED-A289-47B7-A7AC-0228CD2FC4DC}"/>
+              </a:ext>
+            </a:extLst>
+          </p:cNvPr>
+          <p:cNvSpPr txBox="1"/>
+          <p:nvPr/>
+        </p:nvSpPr>
+        <p:spPr>
+          <a:xfrm>
+            <a:off x="213360" y="626325"/>
+            <a:ext cx="6096000" cy="646331"/>
+          </a:xfrm>
+          <a:prstGeom prst="rect">
+            <a:avLst/>
+          </a:prstGeom>
+          <a:noFill/>
+        </p:spPr>
+        <p:txBody>
+          <a:bodyPr wrap="square">
+            <a:spAutoFit/>
+          </a:bodyPr>
+          <a:lstStyle/>
+          <a:p>
+            <a:endParaRPr lang="en-US" altLang="zh-CN" b="0" dirty="0">
+              <a:solidFill>
+                <a:srgbClr val="333333"/>
+              </a:solidFill>
+              <a:effectLst/>
+              <a:latin typeface="Consolas" panose="020B0609020204030204" pitchFamily="49" charset="0"/>
+            </a:endParaRPr>
+          </a:p>
+          <a:p>
+            <a:r>
+              <a:rPr lang="en-US" altLang="zh-CN" b="0" dirty="0">
+                <a:solidFill>
+                  <a:srgbClr val="333333"/>
+                </a:solidFill>
+                <a:effectLst/>
+                <a:latin typeface="Consolas" panose="020B0609020204030204" pitchFamily="49" charset="0"/>
+              </a:rPr>
+              <a:t>    </a:t>
+            </a:r>
+            <a:r>
+              <a:rPr lang="en-US" altLang="zh-CN" b="0" dirty="0">
+                <a:solidFill>
+                  <a:srgbClr val="93A1A1"/>
+                </a:solidFill>
+                <a:effectLst/>
+                <a:latin typeface="Consolas" panose="020B0609020204030204" pitchFamily="49" charset="0"/>
+              </a:rPr>
+              <a:t>&lt;/</a:t>
+            </a:r>
+            <a:r>
+              <a:rPr lang="en-US" altLang="zh-CN" b="0" dirty="0">
+                <a:solidFill>
+                  <a:srgbClr val="268BD2"/>
+                </a:solidFill>
+                <a:effectLst/>
+                <a:latin typeface="Consolas" panose="020B0609020204030204" pitchFamily="49" charset="0"/>
+              </a:rPr>
+              <a:t>div</a:t>
+            </a:r>
+            <a:r>
+              <a:rPr lang="en-US" altLang="zh-CN" b="0" dirty="0">
+                <a:solidFill>
+                  <a:srgbClr val="93A1A1"/>
+                </a:solidFill>
+                <a:effectLst/>
+                <a:latin typeface="Consolas" panose="020B0609020204030204" pitchFamily="49" charset="0"/>
+              </a:rPr>
+              <a:t>&gt;</a:t>
+            </a:r>
+            <a:endParaRPr lang="en-US" altLang="zh-CN" b="0" dirty="0">
+              <a:solidFill>
+                <a:srgbClr val="333333"/>
+              </a:solidFill>
+              <a:effectLst/>
+              <a:latin typeface="Consolas" panose="020B0609020204030204" pitchFamily="49" charset="0"/>
+            </a:endParaRPr>
+          </a:p>
+        </p:txBody>
+      </p:sp>
+      <p:sp>
+        <p:nvSpPr>
+          <p:cNvPr id="3" name="矩形 2">
+            <a:extLst>
+              <a:ext uri="{FF2B5EF4-FFF2-40B4-BE49-F238E27FC236}">
+                <a16:creationId xmlns:a16="http://schemas.microsoft.com/office/drawing/2014/main" id="{2825D9CD-4572-4FD3-9CCF-293370656FB3}"/>
+              </a:ext>
+            </a:extLst>
+          </p:cNvPr>
+          <p:cNvSpPr/>
+          <p:nvPr/>
+        </p:nvSpPr>
+        <p:spPr>
+          <a:xfrm>
+            <a:off x="4355690" y="839371"/>
+            <a:ext cx="1553497" cy="5620423"/>
+          </a:xfrm>
+          <a:prstGeom prst="rect">
+            <a:avLst/>
+          </a:prstGeom>
+        </p:spPr>
+        <p:style>
+          <a:lnRef idx="2">
+            <a:schemeClr val="accent6"/>
+          </a:lnRef>
+          <a:fillRef idx="1">
+            <a:schemeClr val="lt1"/>
+          </a:fillRef>
+          <a:effectRef idx="0">
+            <a:schemeClr val="accent6"/>
+          </a:effectRef>
+          <a:fontRef idx="minor">
+            <a:schemeClr val="dk1"/>
+          </a:fontRef>
+        </p:style>
+        <p:txBody>
+          <a:bodyPr rtlCol="0" anchor="ctr"/>
+          <a:lstStyle/>
+          <a:p>
+            <a:pPr algn="ctr"/>
+            <a:endParaRPr lang="zh-CN" altLang="en-US" dirty="0"/>
+          </a:p>
+        </p:txBody>
+      </p:sp>
+      <p:sp>
+        <p:nvSpPr>
+          <p:cNvPr id="7" name="文本框 6">
+            <a:extLst>
+              <a:ext uri="{FF2B5EF4-FFF2-40B4-BE49-F238E27FC236}">
+                <a16:creationId xmlns:a16="http://schemas.microsoft.com/office/drawing/2014/main" id="{932D0C44-58B0-4956-9B20-895262106932}"/>
+              </a:ext>
+            </a:extLst>
+          </p:cNvPr>
+          <p:cNvSpPr txBox="1"/>
+          <p:nvPr/>
+        </p:nvSpPr>
+        <p:spPr>
+          <a:xfrm>
+            <a:off x="4786723" y="6459794"/>
+            <a:ext cx="681597" cy="369332"/>
+          </a:xfrm>
+          <a:prstGeom prst="rect">
+            <a:avLst/>
+          </a:prstGeom>
+          <a:noFill/>
+        </p:spPr>
+        <p:txBody>
+          <a:bodyPr wrap="none" rtlCol="0">
+            <a:spAutoFit/>
+          </a:bodyPr>
+          <a:lstStyle/>
+          <a:p>
+            <a:r>
+              <a:rPr lang="en-US" altLang="zh-CN" dirty="0"/>
+              <a:t>stack</a:t>
+            </a:r>
+            <a:endParaRPr lang="zh-CN" altLang="en-US" dirty="0"/>
+          </a:p>
+        </p:txBody>
+      </p:sp>
+      <p:sp>
+        <p:nvSpPr>
+          <p:cNvPr id="11" name="文本框 10">
+            <a:extLst>
+              <a:ext uri="{FF2B5EF4-FFF2-40B4-BE49-F238E27FC236}">
+                <a16:creationId xmlns:a16="http://schemas.microsoft.com/office/drawing/2014/main" id="{06734D3B-F8C0-4C53-9E02-303802F20AD9}"/>
+              </a:ext>
+            </a:extLst>
+          </p:cNvPr>
+          <p:cNvSpPr txBox="1"/>
+          <p:nvPr/>
+        </p:nvSpPr>
+        <p:spPr>
+          <a:xfrm>
+            <a:off x="6591897" y="3429001"/>
+            <a:ext cx="2784737" cy="646331"/>
+          </a:xfrm>
+          <a:prstGeom prst="rect">
+            <a:avLst/>
+          </a:prstGeom>
+          <a:noFill/>
+        </p:spPr>
+        <p:txBody>
+          <a:bodyPr wrap="none" rtlCol="0">
+            <a:spAutoFit/>
+          </a:bodyPr>
+          <a:lstStyle/>
+          <a:p>
+            <a:r>
+              <a:rPr lang="en-US" altLang="zh-CN" dirty="0" err="1"/>
+              <a:t>currentParent</a:t>
+            </a:r>
+            <a:r>
+              <a:rPr lang="en-US" altLang="zh-CN" dirty="0"/>
+              <a:t> = </a:t>
+            </a:r>
+            <a:r>
+              <a:rPr lang="en-US" altLang="zh-CN" dirty="0" err="1"/>
+              <a:t>element1</a:t>
+            </a:r>
+            <a:r>
+              <a:rPr lang="en-US" altLang="zh-CN" dirty="0"/>
+              <a:t>;</a:t>
+            </a:r>
+          </a:p>
+          <a:p>
+            <a:r>
+              <a:rPr lang="en-US" altLang="zh-CN" dirty="0"/>
+              <a:t>root = </a:t>
+            </a:r>
+            <a:r>
+              <a:rPr lang="en-US" altLang="zh-CN" dirty="0" err="1"/>
+              <a:t>element1</a:t>
+            </a:r>
+            <a:r>
+              <a:rPr lang="en-US" altLang="zh-CN" dirty="0"/>
+              <a:t>;</a:t>
+            </a:r>
+          </a:p>
+        </p:txBody>
+      </p:sp>
+      <p:sp>
+        <p:nvSpPr>
+          <p:cNvPr id="2" name="文本框 1">
+            <a:extLst>
+              <a:ext uri="{FF2B5EF4-FFF2-40B4-BE49-F238E27FC236}">
+                <a16:creationId xmlns:a16="http://schemas.microsoft.com/office/drawing/2014/main" id="{CEDBF7B9-C8B5-4829-929E-81A6AEED4C81}"/>
+              </a:ext>
+            </a:extLst>
+          </p:cNvPr>
+          <p:cNvSpPr txBox="1"/>
+          <p:nvPr/>
+        </p:nvSpPr>
+        <p:spPr>
+          <a:xfrm>
+            <a:off x="4889315" y="5939973"/>
+            <a:ext cx="476412" cy="369332"/>
+          </a:xfrm>
+          <a:prstGeom prst="rect">
+            <a:avLst/>
+          </a:prstGeom>
+          <a:noFill/>
+          <a:ln>
+            <a:solidFill>
+              <a:schemeClr val="accent1"/>
+            </a:solidFill>
+          </a:ln>
+        </p:spPr>
+        <p:txBody>
+          <a:bodyPr wrap="none" rtlCol="0">
+            <a:spAutoFit/>
+          </a:bodyPr>
+          <a:lstStyle/>
+          <a:p>
+            <a:r>
+              <a:rPr lang="en-US" altLang="zh-CN" dirty="0"/>
+              <a:t>div</a:t>
+            </a:r>
+            <a:endParaRPr lang="zh-CN" altLang="en-US" dirty="0"/>
+          </a:p>
+        </p:txBody>
+      </p:sp>
+      <p:cxnSp>
+        <p:nvCxnSpPr>
+          <p:cNvPr id="6" name="直接连接符 5">
+            <a:extLst>
+              <a:ext uri="{FF2B5EF4-FFF2-40B4-BE49-F238E27FC236}">
+                <a16:creationId xmlns:a16="http://schemas.microsoft.com/office/drawing/2014/main" id="{1D77ABAE-EAD5-4438-9B7F-6D9C8DAD981D}"/>
+              </a:ext>
+            </a:extLst>
+          </p:cNvPr>
+          <p:cNvCxnSpPr/>
+          <p:nvPr/>
+        </p:nvCxnSpPr>
+        <p:spPr>
+          <a:xfrm>
+            <a:off x="4355690" y="5781369"/>
+            <a:ext cx="1553497" cy="0"/>
+          </a:xfrm>
+          <a:prstGeom prst="line">
+            <a:avLst/>
+          </a:prstGeom>
+        </p:spPr>
+        <p:style>
+          <a:lnRef idx="1">
+            <a:schemeClr val="dk1"/>
+          </a:lnRef>
+          <a:fillRef idx="0">
+            <a:schemeClr val="dk1"/>
+          </a:fillRef>
+          <a:effectRef idx="0">
+            <a:schemeClr val="dk1"/>
+          </a:effectRef>
+          <a:fontRef idx="minor">
+            <a:schemeClr val="tx1"/>
+          </a:fontRef>
+        </p:style>
+      </p:cxnSp>
+      <p:sp>
+        <p:nvSpPr>
+          <p:cNvPr id="8" name="文本框 7">
+            <a:extLst>
+              <a:ext uri="{FF2B5EF4-FFF2-40B4-BE49-F238E27FC236}">
+                <a16:creationId xmlns:a16="http://schemas.microsoft.com/office/drawing/2014/main" id="{D621D075-0EC7-47DD-93E8-279A3048776F}"/>
+              </a:ext>
+            </a:extLst>
+          </p:cNvPr>
+          <p:cNvSpPr txBox="1"/>
+          <p:nvPr/>
+        </p:nvSpPr>
+        <p:spPr>
+          <a:xfrm>
+            <a:off x="6157943" y="5939973"/>
+            <a:ext cx="1107996" cy="369332"/>
+          </a:xfrm>
+          <a:prstGeom prst="rect">
+            <a:avLst/>
+          </a:prstGeom>
+          <a:noFill/>
+        </p:spPr>
+        <p:txBody>
+          <a:bodyPr wrap="none" rtlCol="0">
+            <a:spAutoFit/>
+          </a:bodyPr>
+          <a:lstStyle/>
+          <a:p>
+            <a:r>
+              <a:rPr lang="en-US" altLang="zh-CN" dirty="0" err="1"/>
+              <a:t>element1</a:t>
+            </a:r>
+            <a:endParaRPr lang="zh-CN" altLang="en-US" dirty="0"/>
+          </a:p>
+        </p:txBody>
+      </p:sp>
+      <p:sp>
+        <p:nvSpPr>
+          <p:cNvPr id="9" name="矩形 8">
+            <a:extLst>
+              <a:ext uri="{FF2B5EF4-FFF2-40B4-BE49-F238E27FC236}">
+                <a16:creationId xmlns:a16="http://schemas.microsoft.com/office/drawing/2014/main" id="{0E9FF1C2-D09F-4929-82EC-F9B093DE855C}"/>
+              </a:ext>
+            </a:extLst>
+          </p:cNvPr>
+          <p:cNvSpPr/>
+          <p:nvPr/>
+        </p:nvSpPr>
+        <p:spPr>
+          <a:xfrm>
+            <a:off x="7619998" y="4630994"/>
+            <a:ext cx="3569111" cy="983225"/>
+          </a:xfrm>
+          <a:prstGeom prst="rect">
+            <a:avLst/>
+          </a:prstGeom>
+        </p:spPr>
+        <p:style>
+          <a:lnRef idx="2">
+            <a:schemeClr val="accent6"/>
+          </a:lnRef>
+          <a:fillRef idx="1">
+            <a:schemeClr val="lt1"/>
+          </a:fillRef>
+          <a:effectRef idx="0">
+            <a:schemeClr val="accent6"/>
+          </a:effectRef>
+          <a:fontRef idx="minor">
+            <a:schemeClr val="dk1"/>
+          </a:fontRef>
+        </p:style>
+        <p:txBody>
+          <a:bodyPr rtlCol="0" anchor="ctr"/>
+          <a:lstStyle/>
+          <a:p>
+            <a:pPr algn="ctr"/>
+            <a:endParaRPr lang="zh-CN" altLang="en-US"/>
+          </a:p>
+        </p:txBody>
+      </p:sp>
+      <p:sp>
+        <p:nvSpPr>
+          <p:cNvPr id="14" name="文本框 13">
+            <a:extLst>
+              <a:ext uri="{FF2B5EF4-FFF2-40B4-BE49-F238E27FC236}">
+                <a16:creationId xmlns:a16="http://schemas.microsoft.com/office/drawing/2014/main" id="{2F0503F6-3631-4353-B9D6-B543454BE87E}"/>
+              </a:ext>
+            </a:extLst>
+          </p:cNvPr>
+          <p:cNvSpPr txBox="1"/>
+          <p:nvPr/>
+        </p:nvSpPr>
+        <p:spPr>
+          <a:xfrm>
+            <a:off x="7619998" y="4799440"/>
+            <a:ext cx="3482043" cy="646331"/>
+          </a:xfrm>
+          <a:prstGeom prst="rect">
+            <a:avLst/>
+          </a:prstGeom>
+          <a:noFill/>
+        </p:spPr>
+        <p:txBody>
+          <a:bodyPr wrap="none" rtlCol="0">
+            <a:spAutoFit/>
+          </a:bodyPr>
+          <a:lstStyle/>
+          <a:p>
+            <a:r>
+              <a:rPr lang="en-US" altLang="zh-CN" dirty="0" err="1"/>
+              <a:t>currentParent.push</a:t>
+            </a:r>
+            <a:r>
+              <a:rPr lang="en-US" altLang="zh-CN" dirty="0"/>
+              <a:t>(</a:t>
+            </a:r>
+            <a:r>
+              <a:rPr lang="en-US" altLang="zh-CN" dirty="0" err="1"/>
+              <a:t>element2</a:t>
+            </a:r>
+            <a:r>
+              <a:rPr lang="en-US" altLang="zh-CN" dirty="0"/>
+              <a:t>);</a:t>
+            </a:r>
+          </a:p>
+          <a:p>
+            <a:r>
+              <a:rPr lang="en-US" altLang="zh-CN" dirty="0" err="1"/>
+              <a:t>element2.parent</a:t>
+            </a:r>
+            <a:r>
+              <a:rPr lang="en-US" altLang="zh-CN" dirty="0"/>
+              <a:t> = </a:t>
+            </a:r>
+            <a:r>
+              <a:rPr lang="en-US" altLang="zh-CN" dirty="0" err="1"/>
+              <a:t>currentParent</a:t>
+            </a:r>
+            <a:r>
+              <a:rPr lang="en-US" altLang="zh-CN" dirty="0"/>
+              <a:t>;</a:t>
+            </a:r>
+            <a:endParaRPr lang="zh-CN" altLang="en-US" dirty="0"/>
+          </a:p>
+        </p:txBody>
+      </p:sp>
+    </p:spTree>
+    <p:extLst>
+      <p:ext uri="{BB962C8B-B14F-4D97-AF65-F5344CB8AC3E}">
+        <p14:creationId xmlns:p14="http://schemas.microsoft.com/office/powerpoint/2010/main" val="2530311569"/>
+      </p:ext>
+    </p:extLst>
+  </p:cSld>
+  <p:clrMapOvr>
+    <a:masterClrMapping/>
+  </p:clrMapOvr>
+</p:sld>
+</file>
+
+<file path=ppt/slides/slide12.xml><?xml version="1.0" encoding="utf-8"?>
+<p:sld xmlns:a="http://schemas.openxmlformats.org/drawingml/2006/main" xmlns:r="http://schemas.openxmlformats.org/officeDocument/2006/relationships" xmlns:p="http://schemas.openxmlformats.org/presentationml/2006/main">
+  <p:cSld>
+    <p:spTree>
+      <p:nvGrpSpPr>
+        <p:cNvPr id="1" name=""/>
+        <p:cNvGrpSpPr/>
+        <p:nvPr/>
+      </p:nvGrpSpPr>
+      <p:grpSpPr>
+        <a:xfrm>
+          <a:off x="0" y="0"/>
+          <a:ext cx="0" cy="0"/>
+          <a:chOff x="0" y="0"/>
+          <a:chExt cx="0" cy="0"/>
+        </a:xfrm>
+      </p:grpSpPr>
+      <p:sp>
+        <p:nvSpPr>
+          <p:cNvPr id="4" name="文本框 3">
+            <a:extLst>
+              <a:ext uri="{FF2B5EF4-FFF2-40B4-BE49-F238E27FC236}">
+                <a16:creationId xmlns:a16="http://schemas.microsoft.com/office/drawing/2014/main" id="{B15BAD18-D13C-46A5-9C84-AC685D764DFD}"/>
+              </a:ext>
+            </a:extLst>
+          </p:cNvPr>
+          <p:cNvSpPr txBox="1"/>
+          <p:nvPr/>
+        </p:nvSpPr>
+        <p:spPr>
+          <a:xfrm>
+            <a:off x="213360" y="193040"/>
+            <a:ext cx="1947969" cy="646331"/>
+          </a:xfrm>
+          <a:prstGeom prst="rect">
+            <a:avLst/>
+          </a:prstGeom>
+          <a:noFill/>
+        </p:spPr>
+        <p:txBody>
+          <a:bodyPr wrap="none" rtlCol="0">
+            <a:spAutoFit/>
+          </a:bodyPr>
+          <a:lstStyle/>
+          <a:p>
+            <a:r>
+              <a:rPr lang="en-US" altLang="zh-CN" b="1" dirty="0"/>
+              <a:t>Parse html to </a:t>
+            </a:r>
+            <a:r>
+              <a:rPr lang="en-US" altLang="zh-CN" b="1" dirty="0" err="1"/>
+              <a:t>ast</a:t>
+            </a:r>
+            <a:endParaRPr lang="en-US" altLang="zh-CN" b="1" dirty="0"/>
+          </a:p>
+          <a:p>
+            <a:endParaRPr lang="zh-CN" altLang="en-US" dirty="0"/>
+          </a:p>
+        </p:txBody>
+      </p:sp>
+      <p:sp>
+        <p:nvSpPr>
+          <p:cNvPr id="3" name="矩形 2">
+            <a:extLst>
+              <a:ext uri="{FF2B5EF4-FFF2-40B4-BE49-F238E27FC236}">
+                <a16:creationId xmlns:a16="http://schemas.microsoft.com/office/drawing/2014/main" id="{2825D9CD-4572-4FD3-9CCF-293370656FB3}"/>
+              </a:ext>
+            </a:extLst>
+          </p:cNvPr>
+          <p:cNvSpPr/>
+          <p:nvPr/>
+        </p:nvSpPr>
+        <p:spPr>
+          <a:xfrm>
+            <a:off x="4355690" y="839371"/>
+            <a:ext cx="1553497" cy="5620423"/>
+          </a:xfrm>
+          <a:prstGeom prst="rect">
+            <a:avLst/>
+          </a:prstGeom>
+        </p:spPr>
+        <p:style>
+          <a:lnRef idx="2">
+            <a:schemeClr val="accent6"/>
+          </a:lnRef>
+          <a:fillRef idx="1">
+            <a:schemeClr val="lt1"/>
+          </a:fillRef>
+          <a:effectRef idx="0">
+            <a:schemeClr val="accent6"/>
+          </a:effectRef>
+          <a:fontRef idx="minor">
+            <a:schemeClr val="dk1"/>
+          </a:fontRef>
+        </p:style>
+        <p:txBody>
+          <a:bodyPr rtlCol="0" anchor="ctr"/>
+          <a:lstStyle/>
+          <a:p>
+            <a:pPr algn="ctr"/>
+            <a:endParaRPr lang="zh-CN" altLang="en-US" dirty="0"/>
+          </a:p>
+        </p:txBody>
+      </p:sp>
+      <p:sp>
+        <p:nvSpPr>
+          <p:cNvPr id="7" name="文本框 6">
+            <a:extLst>
+              <a:ext uri="{FF2B5EF4-FFF2-40B4-BE49-F238E27FC236}">
+                <a16:creationId xmlns:a16="http://schemas.microsoft.com/office/drawing/2014/main" id="{932D0C44-58B0-4956-9B20-895262106932}"/>
+              </a:ext>
+            </a:extLst>
+          </p:cNvPr>
+          <p:cNvSpPr txBox="1"/>
+          <p:nvPr/>
+        </p:nvSpPr>
+        <p:spPr>
+          <a:xfrm>
+            <a:off x="4786723" y="6459794"/>
+            <a:ext cx="681597" cy="369332"/>
+          </a:xfrm>
+          <a:prstGeom prst="rect">
+            <a:avLst/>
+          </a:prstGeom>
+          <a:noFill/>
+        </p:spPr>
+        <p:txBody>
+          <a:bodyPr wrap="none" rtlCol="0">
+            <a:spAutoFit/>
+          </a:bodyPr>
+          <a:lstStyle/>
+          <a:p>
+            <a:r>
+              <a:rPr lang="en-US" altLang="zh-CN" dirty="0"/>
+              <a:t>stack</a:t>
+            </a:r>
+            <a:endParaRPr lang="zh-CN" altLang="en-US" dirty="0"/>
+          </a:p>
+        </p:txBody>
+      </p:sp>
+      <p:sp>
+        <p:nvSpPr>
+          <p:cNvPr id="11" name="文本框 10">
+            <a:extLst>
+              <a:ext uri="{FF2B5EF4-FFF2-40B4-BE49-F238E27FC236}">
+                <a16:creationId xmlns:a16="http://schemas.microsoft.com/office/drawing/2014/main" id="{06734D3B-F8C0-4C53-9E02-303802F20AD9}"/>
+              </a:ext>
+            </a:extLst>
+          </p:cNvPr>
+          <p:cNvSpPr txBox="1"/>
+          <p:nvPr/>
+        </p:nvSpPr>
+        <p:spPr>
+          <a:xfrm>
+            <a:off x="6591897" y="3429001"/>
+            <a:ext cx="2863284" cy="646331"/>
+          </a:xfrm>
+          <a:prstGeom prst="rect">
+            <a:avLst/>
+          </a:prstGeom>
+          <a:noFill/>
+        </p:spPr>
+        <p:txBody>
+          <a:bodyPr wrap="none" rtlCol="0">
+            <a:spAutoFit/>
+          </a:bodyPr>
+          <a:lstStyle/>
+          <a:p>
+            <a:r>
+              <a:rPr lang="en-US" altLang="zh-CN" dirty="0" err="1"/>
+              <a:t>currentParent</a:t>
+            </a:r>
+            <a:r>
+              <a:rPr lang="en-US" altLang="zh-CN" dirty="0"/>
+              <a:t> = undefined;</a:t>
+            </a:r>
+          </a:p>
+          <a:p>
+            <a:r>
+              <a:rPr lang="en-US" altLang="zh-CN" dirty="0"/>
+              <a:t>root = </a:t>
+            </a:r>
+            <a:r>
+              <a:rPr lang="en-US" altLang="zh-CN" dirty="0" err="1"/>
+              <a:t>element1</a:t>
+            </a:r>
+            <a:r>
+              <a:rPr lang="en-US" altLang="zh-CN" dirty="0"/>
+              <a:t>;</a:t>
+            </a:r>
+          </a:p>
+        </p:txBody>
+      </p:sp>
+    </p:spTree>
+    <p:extLst>
+      <p:ext uri="{BB962C8B-B14F-4D97-AF65-F5344CB8AC3E}">
+        <p14:creationId xmlns:p14="http://schemas.microsoft.com/office/powerpoint/2010/main" val="3885318173"/>
+      </p:ext>
+    </p:extLst>
+  </p:cSld>
+  <p:clrMapOvr>
+    <a:masterClrMapping/>
+  </p:clrMapOvr>
+</p:sld>
+</file>
+
+<file path=ppt/slides/slide13.xml><?xml version="1.0" encoding="utf-8"?>
+<p:sld xmlns:a="http://schemas.openxmlformats.org/drawingml/2006/main" xmlns:r="http://schemas.openxmlformats.org/officeDocument/2006/relationships" xmlns:p="http://schemas.openxmlformats.org/presentationml/2006/main">
+  <p:cSld>
+    <p:spTree>
+      <p:nvGrpSpPr>
+        <p:cNvPr id="1" name=""/>
+        <p:cNvGrpSpPr/>
+        <p:nvPr/>
+      </p:nvGrpSpPr>
+      <p:grpSpPr>
+        <a:xfrm>
+          <a:off x="0" y="0"/>
+          <a:ext cx="0" cy="0"/>
+          <a:chOff x="0" y="0"/>
+          <a:chExt cx="0" cy="0"/>
+        </a:xfrm>
+      </p:grpSpPr>
+      <p:sp>
+        <p:nvSpPr>
+          <p:cNvPr id="2" name="标题 1">
+            <a:extLst>
+              <a:ext uri="{FF2B5EF4-FFF2-40B4-BE49-F238E27FC236}">
+                <a16:creationId xmlns:a16="http://schemas.microsoft.com/office/drawing/2014/main" id="{6E07EDBE-50CE-4541-9311-8EDD12C9F65F}"/>
+              </a:ext>
+            </a:extLst>
+          </p:cNvPr>
+          <p:cNvSpPr>
+            <a:spLocks noGrp="1"/>
+          </p:cNvSpPr>
+          <p:nvPr>
+            <p:ph type="title"/>
+          </p:nvPr>
+        </p:nvSpPr>
+        <p:spPr>
+          <a:xfrm>
+            <a:off x="0" y="0"/>
+            <a:ext cx="10515600" cy="1325563"/>
+          </a:xfrm>
+        </p:spPr>
+        <p:txBody>
+          <a:bodyPr>
+            <a:normAutofit/>
+          </a:bodyPr>
+          <a:lstStyle/>
+          <a:p>
+            <a:r>
+              <a:rPr lang="en-US" altLang="zh-CN" sz="3600" b="1" dirty="0" err="1"/>
+              <a:t>Ast</a:t>
+            </a:r>
+            <a:r>
+              <a:rPr lang="en-US" altLang="zh-CN" sz="3600" b="1" dirty="0"/>
+              <a:t> to render</a:t>
+            </a:r>
+            <a:endParaRPr lang="zh-CN" altLang="en-US" sz="3600" b="1" dirty="0"/>
+          </a:p>
+        </p:txBody>
+      </p:sp>
+      <p:sp>
+        <p:nvSpPr>
+          <p:cNvPr id="7" name="文本框 6">
+            <a:extLst>
+              <a:ext uri="{FF2B5EF4-FFF2-40B4-BE49-F238E27FC236}">
+                <a16:creationId xmlns:a16="http://schemas.microsoft.com/office/drawing/2014/main" id="{0CC5E2FA-197B-4D26-9A1E-D52A885D16A6}"/>
+              </a:ext>
+            </a:extLst>
+          </p:cNvPr>
+          <p:cNvSpPr txBox="1"/>
+          <p:nvPr/>
+        </p:nvSpPr>
+        <p:spPr>
+          <a:xfrm>
+            <a:off x="206478" y="1199986"/>
+            <a:ext cx="6189406" cy="923330"/>
+          </a:xfrm>
+          <a:prstGeom prst="rect">
+            <a:avLst/>
+          </a:prstGeom>
+          <a:noFill/>
+        </p:spPr>
+        <p:txBody>
+          <a:bodyPr wrap="square">
+            <a:spAutoFit/>
+          </a:bodyPr>
+          <a:lstStyle/>
+          <a:p>
+            <a:r>
+              <a:rPr lang="en-US" altLang="zh-CN" b="0" dirty="0">
+                <a:solidFill>
+                  <a:srgbClr val="6E9BFC"/>
+                </a:solidFill>
+                <a:effectLst/>
+                <a:latin typeface="Consolas" panose="020B0609020204030204" pitchFamily="49" charset="0"/>
+              </a:rPr>
+              <a:t>_c</a:t>
+            </a:r>
+            <a:r>
+              <a:rPr lang="en-US" altLang="zh-CN" b="0" dirty="0">
+                <a:solidFill>
+                  <a:srgbClr val="333333"/>
+                </a:solidFill>
+                <a:effectLst/>
+                <a:latin typeface="Consolas" panose="020B0609020204030204" pitchFamily="49" charset="0"/>
+              </a:rPr>
+              <a:t>() </a:t>
+            </a:r>
+            <a:r>
+              <a:rPr lang="en-US" altLang="zh-CN" b="1" dirty="0">
+                <a:solidFill>
+                  <a:srgbClr val="A626A4"/>
+                </a:solidFill>
+                <a:effectLst/>
+                <a:latin typeface="Consolas" panose="020B0609020204030204" pitchFamily="49" charset="0"/>
+              </a:rPr>
+              <a:t>=&gt;</a:t>
+            </a:r>
+            <a:r>
+              <a:rPr lang="en-US" altLang="zh-CN" b="0" dirty="0">
+                <a:solidFill>
+                  <a:srgbClr val="333333"/>
+                </a:solidFill>
+                <a:effectLst/>
+                <a:latin typeface="Consolas" panose="020B0609020204030204" pitchFamily="49" charset="0"/>
+              </a:rPr>
+              <a:t> </a:t>
+            </a:r>
+            <a:r>
+              <a:rPr lang="en-US" altLang="zh-CN" b="0" dirty="0" err="1">
+                <a:solidFill>
+                  <a:srgbClr val="6E9BFC"/>
+                </a:solidFill>
+                <a:effectLst/>
+                <a:latin typeface="Consolas" panose="020B0609020204030204" pitchFamily="49" charset="0"/>
+              </a:rPr>
+              <a:t>createElement</a:t>
+            </a:r>
+            <a:r>
+              <a:rPr lang="en-US" altLang="zh-CN" b="0" dirty="0">
+                <a:solidFill>
+                  <a:srgbClr val="333333"/>
+                </a:solidFill>
+                <a:effectLst/>
+                <a:latin typeface="Consolas" panose="020B0609020204030204" pitchFamily="49" charset="0"/>
+              </a:rPr>
+              <a:t>();       : </a:t>
+            </a:r>
+            <a:r>
+              <a:rPr lang="zh-CN" altLang="en-US" b="0" dirty="0">
+                <a:solidFill>
+                  <a:srgbClr val="268BD2"/>
+                </a:solidFill>
+                <a:effectLst/>
+                <a:latin typeface="Consolas" panose="020B0609020204030204" pitchFamily="49" charset="0"/>
+              </a:rPr>
+              <a:t>解析元素</a:t>
+            </a:r>
+            <a:r>
+              <a:rPr lang="zh-CN" altLang="en-US" b="0" dirty="0">
+                <a:solidFill>
+                  <a:srgbClr val="333333"/>
+                </a:solidFill>
+                <a:effectLst/>
+                <a:latin typeface="Consolas" panose="020B0609020204030204" pitchFamily="49" charset="0"/>
+              </a:rPr>
+              <a:t>。</a:t>
+            </a:r>
+          </a:p>
+          <a:p>
+            <a:r>
+              <a:rPr lang="en-US" altLang="zh-CN" b="0" dirty="0">
+                <a:solidFill>
+                  <a:srgbClr val="6E9BFC"/>
+                </a:solidFill>
+                <a:effectLst/>
+                <a:latin typeface="Consolas" panose="020B0609020204030204" pitchFamily="49" charset="0"/>
+              </a:rPr>
+              <a:t>_v</a:t>
+            </a:r>
+            <a:r>
+              <a:rPr lang="en-US" altLang="zh-CN" b="0" dirty="0">
+                <a:solidFill>
+                  <a:srgbClr val="333333"/>
+                </a:solidFill>
+                <a:effectLst/>
+                <a:latin typeface="Consolas" panose="020B0609020204030204" pitchFamily="49" charset="0"/>
+              </a:rPr>
+              <a:t>() </a:t>
+            </a:r>
+            <a:r>
+              <a:rPr lang="en-US" altLang="zh-CN" b="1" dirty="0">
+                <a:solidFill>
+                  <a:srgbClr val="A626A4"/>
+                </a:solidFill>
+                <a:effectLst/>
+                <a:latin typeface="Consolas" panose="020B0609020204030204" pitchFamily="49" charset="0"/>
+              </a:rPr>
+              <a:t>=&gt;</a:t>
+            </a:r>
+            <a:r>
+              <a:rPr lang="en-US" altLang="zh-CN" b="0" dirty="0">
+                <a:solidFill>
+                  <a:srgbClr val="333333"/>
+                </a:solidFill>
+                <a:effectLst/>
+                <a:latin typeface="Consolas" panose="020B0609020204030204" pitchFamily="49" charset="0"/>
+              </a:rPr>
+              <a:t> </a:t>
+            </a:r>
+            <a:r>
+              <a:rPr lang="en-US" altLang="zh-CN" b="0" dirty="0" err="1">
+                <a:solidFill>
+                  <a:srgbClr val="6E9BFC"/>
+                </a:solidFill>
+                <a:effectLst/>
+                <a:latin typeface="Consolas" panose="020B0609020204030204" pitchFamily="49" charset="0"/>
+              </a:rPr>
+              <a:t>createTextNode</a:t>
+            </a:r>
+            <a:r>
+              <a:rPr lang="en-US" altLang="zh-CN" b="0" dirty="0">
+                <a:solidFill>
+                  <a:srgbClr val="333333"/>
+                </a:solidFill>
+                <a:effectLst/>
+                <a:latin typeface="Consolas" panose="020B0609020204030204" pitchFamily="49" charset="0"/>
+              </a:rPr>
+              <a:t>();      : </a:t>
+            </a:r>
+            <a:r>
+              <a:rPr lang="zh-CN" altLang="en-US" b="0" dirty="0">
+                <a:solidFill>
+                  <a:srgbClr val="268BD2"/>
+                </a:solidFill>
+                <a:effectLst/>
+                <a:latin typeface="Consolas" panose="020B0609020204030204" pitchFamily="49" charset="0"/>
+              </a:rPr>
+              <a:t>解析文本</a:t>
+            </a:r>
+            <a:r>
+              <a:rPr lang="zh-CN" altLang="en-US" b="0" dirty="0">
+                <a:solidFill>
+                  <a:srgbClr val="333333"/>
+                </a:solidFill>
+                <a:effectLst/>
+                <a:latin typeface="Consolas" panose="020B0609020204030204" pitchFamily="49" charset="0"/>
+              </a:rPr>
+              <a:t>。</a:t>
+            </a:r>
+          </a:p>
+          <a:p>
+            <a:r>
+              <a:rPr lang="en-US" altLang="zh-CN" b="0" dirty="0">
+                <a:solidFill>
+                  <a:srgbClr val="6E9BFC"/>
+                </a:solidFill>
+                <a:effectLst/>
+                <a:latin typeface="Consolas" panose="020B0609020204030204" pitchFamily="49" charset="0"/>
+              </a:rPr>
+              <a:t>_s</a:t>
+            </a:r>
+            <a:r>
+              <a:rPr lang="en-US" altLang="zh-CN" b="0" dirty="0">
+                <a:solidFill>
+                  <a:srgbClr val="333333"/>
+                </a:solidFill>
+                <a:effectLst/>
+                <a:latin typeface="Consolas" panose="020B0609020204030204" pitchFamily="49" charset="0"/>
+              </a:rPr>
+              <a:t>() </a:t>
+            </a:r>
+            <a:r>
+              <a:rPr lang="en-US" altLang="zh-CN" b="1" dirty="0">
+                <a:solidFill>
+                  <a:srgbClr val="A626A4"/>
+                </a:solidFill>
+                <a:effectLst/>
+                <a:latin typeface="Consolas" panose="020B0609020204030204" pitchFamily="49" charset="0"/>
+              </a:rPr>
+              <a:t>=&gt;</a:t>
+            </a:r>
+            <a:r>
+              <a:rPr lang="en-US" altLang="zh-CN" b="0" dirty="0">
+                <a:solidFill>
+                  <a:srgbClr val="333333"/>
+                </a:solidFill>
+                <a:effectLst/>
+                <a:latin typeface="Consolas" panose="020B0609020204030204" pitchFamily="49" charset="0"/>
+              </a:rPr>
+              <a:t> {{ </a:t>
+            </a:r>
+            <a:r>
+              <a:rPr lang="en-US" altLang="zh-CN" b="0" dirty="0">
+                <a:solidFill>
+                  <a:srgbClr val="268BD2"/>
+                </a:solidFill>
+                <a:effectLst/>
+                <a:latin typeface="Consolas" panose="020B0609020204030204" pitchFamily="49" charset="0"/>
+              </a:rPr>
+              <a:t>name</a:t>
+            </a:r>
+            <a:r>
+              <a:rPr lang="en-US" altLang="zh-CN" b="0" dirty="0">
+                <a:solidFill>
+                  <a:srgbClr val="333333"/>
+                </a:solidFill>
+                <a:effectLst/>
+                <a:latin typeface="Consolas" panose="020B0609020204030204" pitchFamily="49" charset="0"/>
+              </a:rPr>
+              <a:t> }} </a:t>
+            </a:r>
+            <a:r>
+              <a:rPr lang="en-US" altLang="zh-CN" b="1" dirty="0">
+                <a:solidFill>
+                  <a:srgbClr val="A626A4"/>
+                </a:solidFill>
+                <a:effectLst/>
+                <a:latin typeface="Consolas" panose="020B0609020204030204" pitchFamily="49" charset="0"/>
+              </a:rPr>
+              <a:t>=&gt;</a:t>
+            </a:r>
+            <a:r>
+              <a:rPr lang="en-US" altLang="zh-CN" b="0" dirty="0">
+                <a:solidFill>
+                  <a:srgbClr val="333333"/>
+                </a:solidFill>
+                <a:effectLst/>
+                <a:latin typeface="Consolas" panose="020B0609020204030204" pitchFamily="49" charset="0"/>
+              </a:rPr>
+              <a:t> </a:t>
+            </a:r>
+            <a:r>
+              <a:rPr lang="en-US" altLang="zh-CN" b="0" dirty="0">
+                <a:solidFill>
+                  <a:srgbClr val="6E9BFC"/>
+                </a:solidFill>
+                <a:effectLst/>
+                <a:latin typeface="Consolas" panose="020B0609020204030204" pitchFamily="49" charset="0"/>
+              </a:rPr>
+              <a:t>_s</a:t>
+            </a:r>
+            <a:r>
+              <a:rPr lang="en-US" altLang="zh-CN" b="0" dirty="0">
+                <a:solidFill>
+                  <a:srgbClr val="333333"/>
+                </a:solidFill>
+                <a:effectLst/>
+                <a:latin typeface="Consolas" panose="020B0609020204030204" pitchFamily="49" charset="0"/>
+              </a:rPr>
+              <a:t>(</a:t>
+            </a:r>
+            <a:r>
+              <a:rPr lang="en-US" altLang="zh-CN" b="0" dirty="0">
+                <a:solidFill>
+                  <a:srgbClr val="268BD2"/>
+                </a:solidFill>
+                <a:effectLst/>
+                <a:latin typeface="Consolas" panose="020B0609020204030204" pitchFamily="49" charset="0"/>
+              </a:rPr>
+              <a:t>name</a:t>
+            </a:r>
+            <a:r>
+              <a:rPr lang="en-US" altLang="zh-CN" b="0" dirty="0">
+                <a:solidFill>
+                  <a:srgbClr val="333333"/>
+                </a:solidFill>
+                <a:effectLst/>
+                <a:latin typeface="Consolas" panose="020B0609020204030204" pitchFamily="49" charset="0"/>
+              </a:rPr>
+              <a:t>) : </a:t>
+            </a:r>
+            <a:r>
+              <a:rPr lang="zh-CN" altLang="en-US" b="0" dirty="0">
+                <a:solidFill>
+                  <a:srgbClr val="268BD2"/>
+                </a:solidFill>
+                <a:effectLst/>
+                <a:latin typeface="Consolas" panose="020B0609020204030204" pitchFamily="49" charset="0"/>
+              </a:rPr>
+              <a:t>解析插值表达式</a:t>
+            </a:r>
+            <a:r>
+              <a:rPr lang="zh-CN" altLang="en-US" b="0" dirty="0">
+                <a:solidFill>
+                  <a:srgbClr val="333333"/>
+                </a:solidFill>
+                <a:effectLst/>
+                <a:latin typeface="Consolas" panose="020B0609020204030204" pitchFamily="49" charset="0"/>
+              </a:rPr>
+              <a:t>。</a:t>
+            </a:r>
+          </a:p>
+        </p:txBody>
+      </p:sp>
+    </p:spTree>
+    <p:extLst>
+      <p:ext uri="{BB962C8B-B14F-4D97-AF65-F5344CB8AC3E}">
+        <p14:creationId xmlns:p14="http://schemas.microsoft.com/office/powerpoint/2010/main" val="1985087006"/>
+      </p:ext>
+    </p:extLst>
+  </p:cSld>
+  <p:clrMapOvr>
+    <a:masterClrMapping/>
+  </p:clrMapOvr>
+</p:sld>
+</file>
+
+<file path=ppt/slides/slide14.xml><?xml version="1.0" encoding="utf-8"?>
+<p:sld xmlns:a="http://schemas.openxmlformats.org/drawingml/2006/main" xmlns:r="http://schemas.openxmlformats.org/officeDocument/2006/relationships" xmlns:p="http://schemas.openxmlformats.org/presentationml/2006/main">
+  <p:cSld>
+    <p:spTree>
+      <p:nvGrpSpPr>
+        <p:cNvPr id="1" name=""/>
+        <p:cNvGrpSpPr/>
+        <p:nvPr/>
+      </p:nvGrpSpPr>
+      <p:grpSpPr>
+        <a:xfrm>
+          <a:off x="0" y="0"/>
+          <a:ext cx="0" cy="0"/>
+          <a:chOff x="0" y="0"/>
+          <a:chExt cx="0" cy="0"/>
+        </a:xfrm>
+      </p:grpSpPr>
+      <p:sp>
+        <p:nvSpPr>
+          <p:cNvPr id="2" name="标题 1">
+            <a:extLst>
+              <a:ext uri="{FF2B5EF4-FFF2-40B4-BE49-F238E27FC236}">
+                <a16:creationId xmlns:a16="http://schemas.microsoft.com/office/drawing/2014/main" id="{6E07EDBE-50CE-4541-9311-8EDD12C9F65F}"/>
+              </a:ext>
+            </a:extLst>
+          </p:cNvPr>
+          <p:cNvSpPr>
+            <a:spLocks noGrp="1"/>
+          </p:cNvSpPr>
+          <p:nvPr>
+            <p:ph type="title"/>
+          </p:nvPr>
+        </p:nvSpPr>
+        <p:spPr>
+          <a:xfrm>
+            <a:off x="0" y="0"/>
+            <a:ext cx="10515600" cy="1325563"/>
+          </a:xfrm>
+        </p:spPr>
+        <p:txBody>
+          <a:bodyPr>
+            <a:normAutofit/>
+          </a:bodyPr>
+          <a:lstStyle/>
+          <a:p>
+            <a:r>
+              <a:rPr lang="en-US" altLang="zh-CN" sz="3600" b="1" dirty="0" err="1"/>
+              <a:t>Ast</a:t>
+            </a:r>
+            <a:r>
+              <a:rPr lang="en-US" altLang="zh-CN" sz="3600" b="1" dirty="0"/>
+              <a:t> to render</a:t>
+            </a:r>
+            <a:endParaRPr lang="zh-CN" altLang="en-US" sz="3600" b="1" dirty="0"/>
+          </a:p>
+        </p:txBody>
+      </p:sp>
+      <p:sp>
+        <p:nvSpPr>
+          <p:cNvPr id="8" name="文本框 7">
+            <a:extLst>
+              <a:ext uri="{FF2B5EF4-FFF2-40B4-BE49-F238E27FC236}">
+                <a16:creationId xmlns:a16="http://schemas.microsoft.com/office/drawing/2014/main" id="{F368FBDE-250E-446E-88F7-768B672A882E}"/>
+              </a:ext>
+            </a:extLst>
+          </p:cNvPr>
+          <p:cNvSpPr txBox="1"/>
+          <p:nvPr/>
+        </p:nvSpPr>
+        <p:spPr>
+          <a:xfrm>
+            <a:off x="75708" y="1226374"/>
+            <a:ext cx="8999465" cy="1477328"/>
+          </a:xfrm>
+          <a:prstGeom prst="rect">
+            <a:avLst/>
+          </a:prstGeom>
+          <a:noFill/>
+        </p:spPr>
+        <p:txBody>
+          <a:bodyPr wrap="square">
+            <a:spAutoFit/>
+          </a:bodyPr>
+          <a:lstStyle/>
+          <a:p>
+            <a:r>
+              <a:rPr lang="en-US" altLang="zh-CN" b="0" dirty="0">
+                <a:solidFill>
+                  <a:srgbClr val="93A1A1"/>
+                </a:solidFill>
+                <a:effectLst/>
+                <a:latin typeface="Consolas" panose="020B0609020204030204" pitchFamily="49" charset="0"/>
+              </a:rPr>
+              <a:t>&lt;</a:t>
+            </a:r>
+            <a:r>
+              <a:rPr lang="en-US" altLang="zh-CN" b="0" dirty="0">
+                <a:solidFill>
+                  <a:srgbClr val="268BD2"/>
+                </a:solidFill>
+                <a:effectLst/>
+                <a:latin typeface="Consolas" panose="020B0609020204030204" pitchFamily="49" charset="0"/>
+              </a:rPr>
+              <a:t>div</a:t>
+            </a:r>
+            <a:r>
+              <a:rPr lang="en-US" altLang="zh-CN" b="0" dirty="0">
+                <a:solidFill>
+                  <a:srgbClr val="333333"/>
+                </a:solidFill>
+                <a:effectLst/>
+                <a:latin typeface="Consolas" panose="020B0609020204030204" pitchFamily="49" charset="0"/>
+              </a:rPr>
+              <a:t> </a:t>
+            </a:r>
+            <a:r>
+              <a:rPr lang="en-US" altLang="zh-CN" b="0" dirty="0">
+                <a:solidFill>
+                  <a:srgbClr val="93A1A1"/>
+                </a:solidFill>
+                <a:effectLst/>
+                <a:latin typeface="Consolas" panose="020B0609020204030204" pitchFamily="49" charset="0"/>
+              </a:rPr>
+              <a:t>id</a:t>
+            </a:r>
+            <a:r>
+              <a:rPr lang="en-US" altLang="zh-CN" b="0" dirty="0">
+                <a:solidFill>
+                  <a:srgbClr val="333333"/>
+                </a:solidFill>
+                <a:effectLst/>
+                <a:latin typeface="Consolas" panose="020B0609020204030204" pitchFamily="49" charset="0"/>
+              </a:rPr>
+              <a:t>=</a:t>
+            </a:r>
+            <a:r>
+              <a:rPr lang="en-US" altLang="zh-CN" b="0" dirty="0">
+                <a:solidFill>
+                  <a:srgbClr val="519657"/>
+                </a:solidFill>
+                <a:effectLst/>
+                <a:latin typeface="Consolas" panose="020B0609020204030204" pitchFamily="49" charset="0"/>
+              </a:rPr>
+              <a:t>"app"</a:t>
+            </a:r>
+            <a:r>
+              <a:rPr lang="en-US" altLang="zh-CN" b="0" dirty="0">
+                <a:solidFill>
+                  <a:srgbClr val="333333"/>
+                </a:solidFill>
+                <a:effectLst/>
+                <a:latin typeface="Consolas" panose="020B0609020204030204" pitchFamily="49" charset="0"/>
+              </a:rPr>
+              <a:t> </a:t>
+            </a:r>
+            <a:r>
+              <a:rPr lang="en-US" altLang="zh-CN" b="0" dirty="0">
+                <a:solidFill>
+                  <a:srgbClr val="93A1A1"/>
+                </a:solidFill>
+                <a:effectLst/>
+                <a:latin typeface="Consolas" panose="020B0609020204030204" pitchFamily="49" charset="0"/>
+              </a:rPr>
+              <a:t>style</a:t>
+            </a:r>
+            <a:r>
+              <a:rPr lang="en-US" altLang="zh-CN" b="0" dirty="0">
+                <a:solidFill>
+                  <a:srgbClr val="333333"/>
+                </a:solidFill>
+                <a:effectLst/>
+                <a:latin typeface="Consolas" panose="020B0609020204030204" pitchFamily="49" charset="0"/>
+              </a:rPr>
+              <a:t>=</a:t>
+            </a:r>
+            <a:r>
+              <a:rPr lang="en-US" altLang="zh-CN" b="0" dirty="0">
+                <a:solidFill>
+                  <a:srgbClr val="519657"/>
+                </a:solidFill>
+                <a:effectLst/>
+                <a:latin typeface="Consolas" panose="020B0609020204030204" pitchFamily="49" charset="0"/>
+              </a:rPr>
+              <a:t>"color: red; font-size: </a:t>
+            </a:r>
+            <a:r>
+              <a:rPr lang="en-US" altLang="zh-CN" b="0" dirty="0" err="1">
+                <a:solidFill>
+                  <a:srgbClr val="519657"/>
+                </a:solidFill>
+                <a:effectLst/>
+                <a:latin typeface="Consolas" panose="020B0609020204030204" pitchFamily="49" charset="0"/>
+              </a:rPr>
+              <a:t>20px</a:t>
+            </a:r>
+            <a:r>
+              <a:rPr lang="en-US" altLang="zh-CN" b="0" dirty="0">
+                <a:solidFill>
+                  <a:srgbClr val="519657"/>
+                </a:solidFill>
+                <a:effectLst/>
+                <a:latin typeface="Consolas" panose="020B0609020204030204" pitchFamily="49" charset="0"/>
+              </a:rPr>
+              <a:t>"</a:t>
+            </a:r>
+            <a:r>
+              <a:rPr lang="en-US" altLang="zh-CN" b="0" dirty="0">
+                <a:solidFill>
+                  <a:srgbClr val="93A1A1"/>
+                </a:solidFill>
+                <a:effectLst/>
+                <a:latin typeface="Consolas" panose="020B0609020204030204" pitchFamily="49" charset="0"/>
+              </a:rPr>
+              <a:t>&gt;</a:t>
+            </a:r>
+            <a:endParaRPr lang="en-US" altLang="zh-CN" b="0" dirty="0">
+              <a:solidFill>
+                <a:srgbClr val="333333"/>
+              </a:solidFill>
+              <a:effectLst/>
+              <a:latin typeface="Consolas" panose="020B0609020204030204" pitchFamily="49" charset="0"/>
+            </a:endParaRPr>
+          </a:p>
+          <a:p>
+            <a:r>
+              <a:rPr lang="en-US" altLang="zh-CN" b="0" dirty="0">
+                <a:solidFill>
+                  <a:srgbClr val="333333"/>
+                </a:solidFill>
+                <a:effectLst/>
+                <a:latin typeface="Consolas" panose="020B0609020204030204" pitchFamily="49" charset="0"/>
+              </a:rPr>
+              <a:t>    </a:t>
+            </a:r>
+            <a:r>
+              <a:rPr lang="zh-CN" altLang="en-US" b="0" dirty="0">
+                <a:solidFill>
+                  <a:srgbClr val="333333"/>
+                </a:solidFill>
+                <a:effectLst/>
+                <a:latin typeface="Consolas" panose="020B0609020204030204" pitchFamily="49" charset="0"/>
+              </a:rPr>
+              <a:t>你好 </a:t>
+            </a:r>
+            <a:r>
+              <a:rPr lang="en-US" altLang="zh-CN" b="0" dirty="0">
+                <a:solidFill>
+                  <a:srgbClr val="333333"/>
+                </a:solidFill>
+                <a:effectLst/>
+                <a:latin typeface="Consolas" panose="020B0609020204030204" pitchFamily="49" charset="0"/>
+              </a:rPr>
+              <a:t>{{name}} {{</a:t>
+            </a:r>
+            <a:r>
+              <a:rPr lang="en-US" altLang="zh-CN" b="0" dirty="0" err="1">
+                <a:solidFill>
+                  <a:srgbClr val="333333"/>
+                </a:solidFill>
+                <a:effectLst/>
+                <a:latin typeface="Consolas" panose="020B0609020204030204" pitchFamily="49" charset="0"/>
+              </a:rPr>
+              <a:t>info.students</a:t>
+            </a:r>
+            <a:r>
+              <a:rPr lang="en-US" altLang="zh-CN" b="0" dirty="0">
+                <a:solidFill>
+                  <a:srgbClr val="333333"/>
+                </a:solidFill>
+                <a:effectLst/>
+                <a:latin typeface="Consolas" panose="020B0609020204030204" pitchFamily="49" charset="0"/>
+              </a:rPr>
+              <a:t>[0].name}}</a:t>
+            </a:r>
+          </a:p>
+          <a:p>
+            <a:r>
+              <a:rPr lang="en-US" altLang="zh-CN" b="0" dirty="0">
+                <a:solidFill>
+                  <a:srgbClr val="333333"/>
+                </a:solidFill>
+                <a:effectLst/>
+                <a:latin typeface="Consolas" panose="020B0609020204030204" pitchFamily="49" charset="0"/>
+              </a:rPr>
+              <a:t>    </a:t>
+            </a:r>
+            <a:r>
+              <a:rPr lang="en-US" altLang="zh-CN" b="0" dirty="0">
+                <a:solidFill>
+                  <a:srgbClr val="93A1A1"/>
+                </a:solidFill>
+                <a:effectLst/>
+                <a:latin typeface="Consolas" panose="020B0609020204030204" pitchFamily="49" charset="0"/>
+              </a:rPr>
+              <a:t>&lt;</a:t>
+            </a:r>
+            <a:r>
+              <a:rPr lang="en-US" altLang="zh-CN" b="0" dirty="0">
+                <a:solidFill>
+                  <a:srgbClr val="268BD2"/>
+                </a:solidFill>
+                <a:effectLst/>
+                <a:latin typeface="Consolas" panose="020B0609020204030204" pitchFamily="49" charset="0"/>
+              </a:rPr>
+              <a:t>span</a:t>
+            </a:r>
+            <a:r>
+              <a:rPr lang="en-US" altLang="zh-CN" b="0" dirty="0">
+                <a:solidFill>
+                  <a:srgbClr val="333333"/>
+                </a:solidFill>
+                <a:effectLst/>
+                <a:latin typeface="Consolas" panose="020B0609020204030204" pitchFamily="49" charset="0"/>
+              </a:rPr>
+              <a:t> </a:t>
+            </a:r>
+            <a:r>
+              <a:rPr lang="en-US" altLang="zh-CN" b="0" dirty="0">
+                <a:solidFill>
+                  <a:srgbClr val="93A1A1"/>
+                </a:solidFill>
+                <a:effectLst/>
+                <a:latin typeface="Consolas" panose="020B0609020204030204" pitchFamily="49" charset="0"/>
+              </a:rPr>
+              <a:t>class</a:t>
+            </a:r>
+            <a:r>
+              <a:rPr lang="en-US" altLang="zh-CN" b="0" dirty="0">
+                <a:solidFill>
+                  <a:srgbClr val="333333"/>
+                </a:solidFill>
+                <a:effectLst/>
+                <a:latin typeface="Consolas" panose="020B0609020204030204" pitchFamily="49" charset="0"/>
+              </a:rPr>
+              <a:t>=</a:t>
+            </a:r>
+            <a:r>
+              <a:rPr lang="en-US" altLang="zh-CN" b="0" dirty="0">
+                <a:solidFill>
+                  <a:srgbClr val="519657"/>
+                </a:solidFill>
+                <a:effectLst/>
+                <a:latin typeface="Consolas" panose="020B0609020204030204" pitchFamily="49" charset="0"/>
+              </a:rPr>
+              <a:t>"text"</a:t>
+            </a:r>
+            <a:r>
+              <a:rPr lang="en-US" altLang="zh-CN" b="0" dirty="0">
+                <a:solidFill>
+                  <a:srgbClr val="333333"/>
+                </a:solidFill>
+                <a:effectLst/>
+                <a:latin typeface="Consolas" panose="020B0609020204030204" pitchFamily="49" charset="0"/>
+              </a:rPr>
+              <a:t> </a:t>
+            </a:r>
+            <a:r>
+              <a:rPr lang="en-US" altLang="zh-CN" b="0" dirty="0">
+                <a:solidFill>
+                  <a:srgbClr val="93A1A1"/>
+                </a:solidFill>
+                <a:effectLst/>
+                <a:latin typeface="Consolas" panose="020B0609020204030204" pitchFamily="49" charset="0"/>
+              </a:rPr>
+              <a:t>style</a:t>
+            </a:r>
+            <a:r>
+              <a:rPr lang="en-US" altLang="zh-CN" b="0" dirty="0">
+                <a:solidFill>
+                  <a:srgbClr val="333333"/>
+                </a:solidFill>
+                <a:effectLst/>
+                <a:latin typeface="Consolas" panose="020B0609020204030204" pitchFamily="49" charset="0"/>
+              </a:rPr>
+              <a:t>=</a:t>
+            </a:r>
+            <a:r>
+              <a:rPr lang="en-US" altLang="zh-CN" b="0" dirty="0">
+                <a:solidFill>
+                  <a:srgbClr val="519657"/>
+                </a:solidFill>
+                <a:effectLst/>
+                <a:latin typeface="Consolas" panose="020B0609020204030204" pitchFamily="49" charset="0"/>
+              </a:rPr>
+              <a:t>"color: green"</a:t>
+            </a:r>
+            <a:r>
+              <a:rPr lang="en-US" altLang="zh-CN" b="0" dirty="0">
+                <a:solidFill>
+                  <a:srgbClr val="93A1A1"/>
+                </a:solidFill>
+                <a:effectLst/>
+                <a:latin typeface="Consolas" panose="020B0609020204030204" pitchFamily="49" charset="0"/>
+              </a:rPr>
+              <a:t>&gt;</a:t>
+            </a:r>
+            <a:r>
+              <a:rPr lang="en-US" altLang="zh-CN" b="0" dirty="0">
+                <a:solidFill>
+                  <a:srgbClr val="333333"/>
+                </a:solidFill>
+                <a:effectLst/>
+                <a:latin typeface="Consolas" panose="020B0609020204030204" pitchFamily="49" charset="0"/>
+              </a:rPr>
+              <a:t>{{</a:t>
+            </a:r>
+            <a:r>
+              <a:rPr lang="en-US" altLang="zh-CN" b="0" dirty="0" err="1">
+                <a:solidFill>
+                  <a:srgbClr val="333333"/>
+                </a:solidFill>
+                <a:effectLst/>
+                <a:latin typeface="Consolas" panose="020B0609020204030204" pitchFamily="49" charset="0"/>
+              </a:rPr>
+              <a:t>info.job</a:t>
+            </a:r>
+            <a:r>
+              <a:rPr lang="en-US" altLang="zh-CN" b="0" dirty="0">
+                <a:solidFill>
+                  <a:srgbClr val="333333"/>
+                </a:solidFill>
+                <a:effectLst/>
+                <a:latin typeface="Consolas" panose="020B0609020204030204" pitchFamily="49" charset="0"/>
+              </a:rPr>
+              <a:t>}}</a:t>
+            </a:r>
+            <a:r>
+              <a:rPr lang="en-US" altLang="zh-CN" b="0" dirty="0">
+                <a:solidFill>
+                  <a:srgbClr val="93A1A1"/>
+                </a:solidFill>
+                <a:effectLst/>
+                <a:latin typeface="Consolas" panose="020B0609020204030204" pitchFamily="49" charset="0"/>
+              </a:rPr>
+              <a:t>&lt;/</a:t>
+            </a:r>
+            <a:r>
+              <a:rPr lang="en-US" altLang="zh-CN" b="0" dirty="0">
+                <a:solidFill>
+                  <a:srgbClr val="268BD2"/>
+                </a:solidFill>
+                <a:effectLst/>
+                <a:latin typeface="Consolas" panose="020B0609020204030204" pitchFamily="49" charset="0"/>
+              </a:rPr>
+              <a:t>span</a:t>
+            </a:r>
+            <a:r>
+              <a:rPr lang="en-US" altLang="zh-CN" b="0" dirty="0">
+                <a:solidFill>
+                  <a:srgbClr val="93A1A1"/>
+                </a:solidFill>
+                <a:effectLst/>
+                <a:latin typeface="Consolas" panose="020B0609020204030204" pitchFamily="49" charset="0"/>
+              </a:rPr>
+              <a:t>&gt;</a:t>
+            </a:r>
+            <a:endParaRPr lang="en-US" altLang="zh-CN" b="0" dirty="0">
+              <a:solidFill>
+                <a:srgbClr val="333333"/>
+              </a:solidFill>
+              <a:effectLst/>
+              <a:latin typeface="Consolas" panose="020B0609020204030204" pitchFamily="49" charset="0"/>
+            </a:endParaRPr>
+          </a:p>
+          <a:p>
+            <a:r>
+              <a:rPr lang="en-US" altLang="zh-CN" b="0" dirty="0">
+                <a:solidFill>
+                  <a:srgbClr val="333333"/>
+                </a:solidFill>
+                <a:effectLst/>
+                <a:latin typeface="Consolas" panose="020B0609020204030204" pitchFamily="49" charset="0"/>
+              </a:rPr>
+              <a:t>    </a:t>
+            </a:r>
+            <a:r>
+              <a:rPr lang="en-US" altLang="zh-CN" b="0" dirty="0">
+                <a:solidFill>
+                  <a:srgbClr val="93A1A1"/>
+                </a:solidFill>
+                <a:effectLst/>
+                <a:latin typeface="Consolas" panose="020B0609020204030204" pitchFamily="49" charset="0"/>
+              </a:rPr>
+              <a:t>&lt;</a:t>
+            </a:r>
+            <a:r>
+              <a:rPr lang="en-US" altLang="zh-CN" b="0" dirty="0">
+                <a:solidFill>
+                  <a:srgbClr val="268BD2"/>
+                </a:solidFill>
+                <a:effectLst/>
+                <a:latin typeface="Consolas" panose="020B0609020204030204" pitchFamily="49" charset="0"/>
+              </a:rPr>
+              <a:t>p</a:t>
+            </a:r>
+            <a:r>
+              <a:rPr lang="en-US" altLang="zh-CN" b="0" dirty="0">
+                <a:solidFill>
+                  <a:srgbClr val="93A1A1"/>
+                </a:solidFill>
+                <a:effectLst/>
+                <a:latin typeface="Consolas" panose="020B0609020204030204" pitchFamily="49" charset="0"/>
+              </a:rPr>
+              <a:t>&gt;</a:t>
+            </a:r>
+            <a:r>
+              <a:rPr lang="zh-CN" altLang="en-US" b="0" dirty="0">
+                <a:solidFill>
+                  <a:srgbClr val="333333"/>
+                </a:solidFill>
+                <a:effectLst/>
+                <a:latin typeface="Consolas" panose="020B0609020204030204" pitchFamily="49" charset="0"/>
+              </a:rPr>
+              <a:t>学习</a:t>
+            </a:r>
+            <a:r>
+              <a:rPr lang="en-US" altLang="zh-CN" b="0" dirty="0">
+                <a:solidFill>
+                  <a:srgbClr val="93A1A1"/>
+                </a:solidFill>
+                <a:effectLst/>
+                <a:latin typeface="Consolas" panose="020B0609020204030204" pitchFamily="49" charset="0"/>
+              </a:rPr>
+              <a:t>&lt;/</a:t>
+            </a:r>
+            <a:r>
+              <a:rPr lang="en-US" altLang="zh-CN" b="0" dirty="0">
+                <a:solidFill>
+                  <a:srgbClr val="268BD2"/>
+                </a:solidFill>
+                <a:effectLst/>
+                <a:latin typeface="Consolas" panose="020B0609020204030204" pitchFamily="49" charset="0"/>
+              </a:rPr>
+              <a:t>p</a:t>
+            </a:r>
+            <a:r>
+              <a:rPr lang="en-US" altLang="zh-CN" b="0" dirty="0">
+                <a:solidFill>
+                  <a:srgbClr val="93A1A1"/>
+                </a:solidFill>
+                <a:effectLst/>
+                <a:latin typeface="Consolas" panose="020B0609020204030204" pitchFamily="49" charset="0"/>
+              </a:rPr>
+              <a:t>&gt;</a:t>
+            </a:r>
+            <a:endParaRPr lang="en-US" altLang="zh-CN" b="0" dirty="0">
+              <a:solidFill>
+                <a:srgbClr val="333333"/>
+              </a:solidFill>
+              <a:effectLst/>
+              <a:latin typeface="Consolas" panose="020B0609020204030204" pitchFamily="49" charset="0"/>
+            </a:endParaRPr>
+          </a:p>
+          <a:p>
+            <a:r>
+              <a:rPr lang="en-US" altLang="zh-CN" b="0" dirty="0">
+                <a:solidFill>
+                  <a:srgbClr val="333333"/>
+                </a:solidFill>
+                <a:effectLst/>
+                <a:latin typeface="Consolas" panose="020B0609020204030204" pitchFamily="49" charset="0"/>
+              </a:rPr>
+              <a:t>  </a:t>
+            </a:r>
+            <a:r>
+              <a:rPr lang="en-US" altLang="zh-CN" b="0" dirty="0">
+                <a:solidFill>
+                  <a:srgbClr val="93A1A1"/>
+                </a:solidFill>
+                <a:effectLst/>
+                <a:latin typeface="Consolas" panose="020B0609020204030204" pitchFamily="49" charset="0"/>
+              </a:rPr>
+              <a:t>&lt;/</a:t>
+            </a:r>
+            <a:r>
+              <a:rPr lang="en-US" altLang="zh-CN" b="0" dirty="0">
+                <a:solidFill>
+                  <a:srgbClr val="268BD2"/>
+                </a:solidFill>
+                <a:effectLst/>
+                <a:latin typeface="Consolas" panose="020B0609020204030204" pitchFamily="49" charset="0"/>
+              </a:rPr>
+              <a:t>div</a:t>
+            </a:r>
+            <a:r>
+              <a:rPr lang="en-US" altLang="zh-CN" b="0" dirty="0">
+                <a:solidFill>
+                  <a:srgbClr val="93A1A1"/>
+                </a:solidFill>
+                <a:effectLst/>
+                <a:latin typeface="Consolas" panose="020B0609020204030204" pitchFamily="49" charset="0"/>
+              </a:rPr>
+              <a:t>&gt;</a:t>
+            </a:r>
+            <a:endParaRPr lang="en-US" altLang="zh-CN" b="0" dirty="0">
+              <a:solidFill>
+                <a:srgbClr val="333333"/>
+              </a:solidFill>
+              <a:effectLst/>
+              <a:latin typeface="Consolas" panose="020B0609020204030204" pitchFamily="49" charset="0"/>
+            </a:endParaRPr>
+          </a:p>
+        </p:txBody>
+      </p:sp>
+      <p:sp>
+        <p:nvSpPr>
+          <p:cNvPr id="11" name="文本框 10">
+            <a:extLst>
+              <a:ext uri="{FF2B5EF4-FFF2-40B4-BE49-F238E27FC236}">
+                <a16:creationId xmlns:a16="http://schemas.microsoft.com/office/drawing/2014/main" id="{670B0766-4C68-47BC-8756-AAA319BE7020}"/>
+              </a:ext>
+            </a:extLst>
+          </p:cNvPr>
+          <p:cNvSpPr txBox="1"/>
+          <p:nvPr/>
+        </p:nvSpPr>
+        <p:spPr>
+          <a:xfrm>
+            <a:off x="174521" y="4375354"/>
+            <a:ext cx="10699956" cy="1754326"/>
+          </a:xfrm>
+          <a:prstGeom prst="rect">
+            <a:avLst/>
+          </a:prstGeom>
+          <a:noFill/>
+        </p:spPr>
+        <p:txBody>
+          <a:bodyPr wrap="square">
+            <a:spAutoFit/>
+          </a:bodyPr>
+          <a:lstStyle/>
+          <a:p>
+            <a:r>
+              <a:rPr lang="en-US" altLang="zh-CN" dirty="0">
+                <a:solidFill>
+                  <a:srgbClr val="6E9BFC"/>
+                </a:solidFill>
+                <a:latin typeface="Consolas" panose="020B0609020204030204" pitchFamily="49" charset="0"/>
+              </a:rPr>
+              <a:t>‘ _</a:t>
+            </a:r>
+            <a:r>
+              <a:rPr lang="en-US" altLang="zh-CN" b="0" dirty="0">
+                <a:solidFill>
+                  <a:srgbClr val="6E9BFC"/>
+                </a:solidFill>
+                <a:effectLst/>
+                <a:latin typeface="Consolas" panose="020B0609020204030204" pitchFamily="49" charset="0"/>
+              </a:rPr>
+              <a:t>c</a:t>
+            </a:r>
+            <a:r>
+              <a:rPr lang="en-US" altLang="zh-CN" b="0" dirty="0">
+                <a:solidFill>
+                  <a:srgbClr val="333333"/>
+                </a:solidFill>
+                <a:effectLst/>
+                <a:latin typeface="Consolas" panose="020B0609020204030204" pitchFamily="49" charset="0"/>
+              </a:rPr>
+              <a:t>(</a:t>
+            </a:r>
+          </a:p>
+          <a:p>
+            <a:r>
+              <a:rPr lang="en-US" altLang="zh-CN" b="0" dirty="0">
+                <a:solidFill>
+                  <a:srgbClr val="333333"/>
+                </a:solidFill>
+                <a:effectLst/>
+                <a:latin typeface="Consolas" panose="020B0609020204030204" pitchFamily="49" charset="0"/>
+              </a:rPr>
+              <a:t>  </a:t>
+            </a:r>
+            <a:r>
+              <a:rPr lang="en-US" altLang="zh-CN" b="0" dirty="0">
+                <a:solidFill>
+                  <a:srgbClr val="519657"/>
+                </a:solidFill>
+                <a:effectLst/>
+                <a:latin typeface="Consolas" panose="020B0609020204030204" pitchFamily="49" charset="0"/>
+              </a:rPr>
+              <a:t>'div'</a:t>
+            </a:r>
+            <a:r>
+              <a:rPr lang="en-US" altLang="zh-CN" b="0" dirty="0">
+                <a:solidFill>
+                  <a:srgbClr val="333333"/>
+                </a:solidFill>
+                <a:effectLst/>
+                <a:latin typeface="Consolas" panose="020B0609020204030204" pitchFamily="49" charset="0"/>
+              </a:rPr>
+              <a:t>,</a:t>
+            </a:r>
+          </a:p>
+          <a:p>
+            <a:r>
+              <a:rPr lang="en-US" altLang="zh-CN" b="0" dirty="0">
+                <a:solidFill>
+                  <a:srgbClr val="333333"/>
+                </a:solidFill>
+                <a:effectLst/>
+                <a:latin typeface="Consolas" panose="020B0609020204030204" pitchFamily="49" charset="0"/>
+              </a:rPr>
+              <a:t>  {</a:t>
+            </a:r>
+            <a:r>
+              <a:rPr lang="en-US" altLang="zh-CN" b="0" dirty="0">
+                <a:solidFill>
+                  <a:srgbClr val="519657"/>
+                </a:solidFill>
+                <a:effectLst/>
+                <a:latin typeface="Consolas" panose="020B0609020204030204" pitchFamily="49" charset="0"/>
+              </a:rPr>
+              <a:t>'id'</a:t>
+            </a:r>
+            <a:r>
+              <a:rPr lang="en-US" altLang="zh-CN" b="0" dirty="0">
+                <a:solidFill>
+                  <a:srgbClr val="333333"/>
+                </a:solidFill>
+                <a:effectLst/>
+                <a:latin typeface="Consolas" panose="020B0609020204030204" pitchFamily="49" charset="0"/>
+              </a:rPr>
+              <a:t>: </a:t>
+            </a:r>
+            <a:r>
+              <a:rPr lang="en-US" altLang="zh-CN" b="0" dirty="0">
+                <a:solidFill>
+                  <a:srgbClr val="519657"/>
+                </a:solidFill>
+                <a:effectLst/>
+                <a:latin typeface="Consolas" panose="020B0609020204030204" pitchFamily="49" charset="0"/>
+              </a:rPr>
+              <a:t>'app'</a:t>
+            </a:r>
+            <a:r>
+              <a:rPr lang="en-US" altLang="zh-CN" b="0" dirty="0">
+                <a:solidFill>
+                  <a:srgbClr val="333333"/>
+                </a:solidFill>
+                <a:effectLst/>
+                <a:latin typeface="Consolas" panose="020B0609020204030204" pitchFamily="49" charset="0"/>
+              </a:rPr>
+              <a:t>, </a:t>
+            </a:r>
+            <a:r>
+              <a:rPr lang="en-US" altLang="zh-CN" b="0" dirty="0">
+                <a:solidFill>
+                  <a:srgbClr val="519657"/>
+                </a:solidFill>
+                <a:effectLst/>
+                <a:latin typeface="Consolas" panose="020B0609020204030204" pitchFamily="49" charset="0"/>
+              </a:rPr>
+              <a:t>'style'</a:t>
+            </a:r>
+            <a:r>
+              <a:rPr lang="en-US" altLang="zh-CN" b="0" dirty="0">
+                <a:solidFill>
+                  <a:srgbClr val="333333"/>
+                </a:solidFill>
+                <a:effectLst/>
+                <a:latin typeface="Consolas" panose="020B0609020204030204" pitchFamily="49" charset="0"/>
+              </a:rPr>
+              <a:t>: { </a:t>
+            </a:r>
+            <a:r>
+              <a:rPr lang="en-US" altLang="zh-CN" b="0" dirty="0">
+                <a:solidFill>
+                  <a:srgbClr val="519657"/>
+                </a:solidFill>
+                <a:effectLst/>
+                <a:latin typeface="Consolas" panose="020B0609020204030204" pitchFamily="49" charset="0"/>
+              </a:rPr>
+              <a:t>'color'</a:t>
+            </a:r>
+            <a:r>
+              <a:rPr lang="en-US" altLang="zh-CN" b="0" dirty="0">
+                <a:solidFill>
+                  <a:srgbClr val="333333"/>
+                </a:solidFill>
+                <a:effectLst/>
+                <a:latin typeface="Consolas" panose="020B0609020204030204" pitchFamily="49" charset="0"/>
+              </a:rPr>
+              <a:t>: </a:t>
+            </a:r>
+            <a:r>
+              <a:rPr lang="en-US" altLang="zh-CN" b="0" dirty="0">
+                <a:solidFill>
+                  <a:srgbClr val="519657"/>
+                </a:solidFill>
+                <a:effectLst/>
+                <a:latin typeface="Consolas" panose="020B0609020204030204" pitchFamily="49" charset="0"/>
+              </a:rPr>
+              <a:t>'red'</a:t>
+            </a:r>
+            <a:r>
+              <a:rPr lang="en-US" altLang="zh-CN" b="0" dirty="0">
+                <a:solidFill>
+                  <a:srgbClr val="333333"/>
+                </a:solidFill>
+                <a:effectLst/>
+                <a:latin typeface="Consolas" panose="020B0609020204030204" pitchFamily="49" charset="0"/>
+              </a:rPr>
+              <a:t>, </a:t>
+            </a:r>
+            <a:r>
+              <a:rPr lang="en-US" altLang="zh-CN" b="0" dirty="0">
+                <a:solidFill>
+                  <a:srgbClr val="519657"/>
+                </a:solidFill>
+                <a:effectLst/>
+                <a:latin typeface="Consolas" panose="020B0609020204030204" pitchFamily="49" charset="0"/>
+              </a:rPr>
+              <a:t>'font-size'</a:t>
+            </a:r>
+            <a:r>
+              <a:rPr lang="en-US" altLang="zh-CN" b="0" dirty="0">
+                <a:solidFill>
+                  <a:srgbClr val="333333"/>
+                </a:solidFill>
+                <a:effectLst/>
+                <a:latin typeface="Consolas" panose="020B0609020204030204" pitchFamily="49" charset="0"/>
+              </a:rPr>
+              <a:t>: </a:t>
+            </a:r>
+            <a:r>
+              <a:rPr lang="en-US" altLang="zh-CN" b="0" dirty="0">
+                <a:solidFill>
+                  <a:srgbClr val="519657"/>
+                </a:solidFill>
+                <a:effectLst/>
+                <a:latin typeface="Consolas" panose="020B0609020204030204" pitchFamily="49" charset="0"/>
+              </a:rPr>
+              <a:t>'</a:t>
+            </a:r>
+            <a:r>
+              <a:rPr lang="en-US" altLang="zh-CN" b="0" dirty="0" err="1">
+                <a:solidFill>
+                  <a:srgbClr val="519657"/>
+                </a:solidFill>
+                <a:effectLst/>
+                <a:latin typeface="Consolas" panose="020B0609020204030204" pitchFamily="49" charset="0"/>
+              </a:rPr>
+              <a:t>20px</a:t>
+            </a:r>
+            <a:r>
+              <a:rPr lang="en-US" altLang="zh-CN" b="0" dirty="0">
+                <a:solidFill>
+                  <a:srgbClr val="519657"/>
+                </a:solidFill>
+                <a:effectLst/>
+                <a:latin typeface="Consolas" panose="020B0609020204030204" pitchFamily="49" charset="0"/>
+              </a:rPr>
+              <a:t>'</a:t>
+            </a:r>
+            <a:r>
+              <a:rPr lang="en-US" altLang="zh-CN" b="0" dirty="0">
+                <a:solidFill>
+                  <a:srgbClr val="333333"/>
+                </a:solidFill>
+                <a:effectLst/>
+                <a:latin typeface="Consolas" panose="020B0609020204030204" pitchFamily="49" charset="0"/>
+              </a:rPr>
+              <a:t> }},</a:t>
+            </a:r>
+          </a:p>
+          <a:p>
+            <a:r>
+              <a:rPr lang="en-US" altLang="zh-CN" b="0" dirty="0">
+                <a:solidFill>
+                  <a:srgbClr val="333333"/>
+                </a:solidFill>
+                <a:effectLst/>
+                <a:latin typeface="Consolas" panose="020B0609020204030204" pitchFamily="49" charset="0"/>
+              </a:rPr>
+              <a:t>  </a:t>
+            </a:r>
+            <a:r>
+              <a:rPr lang="en-US" altLang="zh-CN" b="0" dirty="0">
+                <a:solidFill>
+                  <a:srgbClr val="6E9BFC"/>
+                </a:solidFill>
+                <a:effectLst/>
+                <a:latin typeface="Consolas" panose="020B0609020204030204" pitchFamily="49" charset="0"/>
+              </a:rPr>
+              <a:t>_v</a:t>
+            </a:r>
+            <a:r>
+              <a:rPr lang="en-US" altLang="zh-CN" b="0" dirty="0">
+                <a:solidFill>
+                  <a:srgbClr val="333333"/>
+                </a:solidFill>
+                <a:effectLst/>
+                <a:latin typeface="Consolas" panose="020B0609020204030204" pitchFamily="49" charset="0"/>
+              </a:rPr>
+              <a:t>(</a:t>
+            </a:r>
+            <a:r>
+              <a:rPr lang="en-US" altLang="zh-CN" b="0" dirty="0">
+                <a:solidFill>
+                  <a:srgbClr val="519657"/>
+                </a:solidFill>
+                <a:effectLst/>
+                <a:latin typeface="Consolas" panose="020B0609020204030204" pitchFamily="49" charset="0"/>
+              </a:rPr>
+              <a:t>'</a:t>
+            </a:r>
+            <a:r>
+              <a:rPr lang="zh-CN" altLang="en-US" b="0" dirty="0">
+                <a:solidFill>
+                  <a:srgbClr val="519657"/>
+                </a:solidFill>
+                <a:effectLst/>
+                <a:latin typeface="Consolas" panose="020B0609020204030204" pitchFamily="49" charset="0"/>
+              </a:rPr>
+              <a:t>你好</a:t>
+            </a:r>
+            <a:r>
+              <a:rPr lang="en-US" altLang="zh-CN" b="0" dirty="0">
+                <a:solidFill>
+                  <a:srgbClr val="519657"/>
+                </a:solidFill>
+                <a:effectLst/>
+                <a:latin typeface="Consolas" panose="020B0609020204030204" pitchFamily="49" charset="0"/>
+              </a:rPr>
+              <a:t>'</a:t>
+            </a:r>
+            <a:r>
+              <a:rPr lang="zh-CN" altLang="en-US" b="0" dirty="0">
+                <a:solidFill>
+                  <a:srgbClr val="333333"/>
+                </a:solidFill>
+                <a:effectLst/>
+                <a:latin typeface="Consolas" panose="020B0609020204030204" pitchFamily="49" charset="0"/>
+              </a:rPr>
+              <a:t> </a:t>
+            </a:r>
+            <a:r>
+              <a:rPr lang="en-US" altLang="zh-CN" b="0" dirty="0">
+                <a:solidFill>
+                  <a:srgbClr val="859900"/>
+                </a:solidFill>
+                <a:effectLst/>
+                <a:latin typeface="Consolas" panose="020B0609020204030204" pitchFamily="49" charset="0"/>
+              </a:rPr>
+              <a:t>+</a:t>
+            </a:r>
+            <a:r>
+              <a:rPr lang="zh-CN" altLang="en-US" b="0" dirty="0">
+                <a:solidFill>
+                  <a:srgbClr val="333333"/>
+                </a:solidFill>
+                <a:effectLst/>
+                <a:latin typeface="Consolas" panose="020B0609020204030204" pitchFamily="49" charset="0"/>
+              </a:rPr>
+              <a:t> </a:t>
+            </a:r>
+            <a:r>
+              <a:rPr lang="en-US" altLang="zh-CN" b="0" dirty="0">
+                <a:solidFill>
+                  <a:srgbClr val="6E9BFC"/>
+                </a:solidFill>
+                <a:effectLst/>
+                <a:latin typeface="Consolas" panose="020B0609020204030204" pitchFamily="49" charset="0"/>
+              </a:rPr>
+              <a:t>_s</a:t>
+            </a:r>
+            <a:r>
+              <a:rPr lang="en-US" altLang="zh-CN" b="0" dirty="0">
+                <a:solidFill>
+                  <a:srgbClr val="333333"/>
+                </a:solidFill>
+                <a:effectLst/>
+                <a:latin typeface="Consolas" panose="020B0609020204030204" pitchFamily="49" charset="0"/>
+              </a:rPr>
+              <a:t>(</a:t>
+            </a:r>
+            <a:r>
+              <a:rPr lang="en-US" altLang="zh-CN" b="0" dirty="0">
+                <a:solidFill>
+                  <a:srgbClr val="268BD2"/>
+                </a:solidFill>
+                <a:effectLst/>
+                <a:latin typeface="Consolas" panose="020B0609020204030204" pitchFamily="49" charset="0"/>
+              </a:rPr>
+              <a:t>name</a:t>
+            </a:r>
+            <a:r>
+              <a:rPr lang="en-US" altLang="zh-CN" b="0" dirty="0">
+                <a:solidFill>
+                  <a:srgbClr val="333333"/>
+                </a:solidFill>
+                <a:effectLst/>
+                <a:latin typeface="Consolas" panose="020B0609020204030204" pitchFamily="49" charset="0"/>
+              </a:rPr>
+              <a:t>) </a:t>
+            </a:r>
+            <a:r>
+              <a:rPr lang="en-US" altLang="zh-CN" b="0" dirty="0">
+                <a:solidFill>
+                  <a:srgbClr val="859900"/>
+                </a:solidFill>
+                <a:effectLst/>
+                <a:latin typeface="Consolas" panose="020B0609020204030204" pitchFamily="49" charset="0"/>
+              </a:rPr>
+              <a:t>+</a:t>
+            </a:r>
+            <a:r>
+              <a:rPr lang="en-US" altLang="zh-CN" b="0" dirty="0">
+                <a:solidFill>
+                  <a:srgbClr val="333333"/>
+                </a:solidFill>
+                <a:effectLst/>
+                <a:latin typeface="Consolas" panose="020B0609020204030204" pitchFamily="49" charset="0"/>
+              </a:rPr>
+              <a:t> </a:t>
+            </a:r>
+            <a:r>
+              <a:rPr lang="en-US" altLang="zh-CN" b="0" dirty="0">
+                <a:solidFill>
+                  <a:srgbClr val="6E9BFC"/>
+                </a:solidFill>
+                <a:effectLst/>
+                <a:latin typeface="Consolas" panose="020B0609020204030204" pitchFamily="49" charset="0"/>
+              </a:rPr>
+              <a:t>_s</a:t>
+            </a:r>
+            <a:r>
+              <a:rPr lang="en-US" altLang="zh-CN" b="0" dirty="0">
+                <a:solidFill>
+                  <a:srgbClr val="333333"/>
+                </a:solidFill>
+                <a:effectLst/>
+                <a:latin typeface="Consolas" panose="020B0609020204030204" pitchFamily="49" charset="0"/>
+              </a:rPr>
+              <a:t>(</a:t>
+            </a:r>
+            <a:r>
+              <a:rPr lang="en-US" altLang="zh-CN" b="0" dirty="0" err="1">
+                <a:solidFill>
+                  <a:srgbClr val="268BD2"/>
+                </a:solidFill>
+                <a:effectLst/>
+                <a:latin typeface="Consolas" panose="020B0609020204030204" pitchFamily="49" charset="0"/>
+              </a:rPr>
+              <a:t>info</a:t>
+            </a:r>
+            <a:r>
+              <a:rPr lang="en-US" altLang="zh-CN" b="0" dirty="0" err="1">
+                <a:solidFill>
+                  <a:srgbClr val="333333"/>
+                </a:solidFill>
+                <a:effectLst/>
+                <a:latin typeface="Consolas" panose="020B0609020204030204" pitchFamily="49" charset="0"/>
+              </a:rPr>
+              <a:t>.</a:t>
+            </a:r>
+            <a:r>
+              <a:rPr lang="en-US" altLang="zh-CN" b="0" dirty="0" err="1">
+                <a:solidFill>
+                  <a:srgbClr val="268BD2"/>
+                </a:solidFill>
+                <a:effectLst/>
+                <a:latin typeface="Consolas" panose="020B0609020204030204" pitchFamily="49" charset="0"/>
+              </a:rPr>
+              <a:t>students</a:t>
+            </a:r>
+            <a:r>
+              <a:rPr lang="en-US" altLang="zh-CN" b="0" dirty="0">
+                <a:solidFill>
+                  <a:srgbClr val="333333"/>
+                </a:solidFill>
+                <a:effectLst/>
+                <a:latin typeface="Consolas" panose="020B0609020204030204" pitchFamily="49" charset="0"/>
+              </a:rPr>
+              <a:t>[</a:t>
+            </a:r>
+            <a:r>
+              <a:rPr lang="en-US" altLang="zh-CN" b="0" dirty="0">
+                <a:solidFill>
+                  <a:srgbClr val="D33682"/>
+                </a:solidFill>
+                <a:effectLst/>
+                <a:latin typeface="Consolas" panose="020B0609020204030204" pitchFamily="49" charset="0"/>
+              </a:rPr>
+              <a:t>0</a:t>
+            </a:r>
+            <a:r>
+              <a:rPr lang="en-US" altLang="zh-CN" b="0" dirty="0">
+                <a:solidFill>
+                  <a:srgbClr val="333333"/>
+                </a:solidFill>
+                <a:effectLst/>
+                <a:latin typeface="Consolas" panose="020B0609020204030204" pitchFamily="49" charset="0"/>
+              </a:rPr>
+              <a:t>].</a:t>
+            </a:r>
+            <a:r>
+              <a:rPr lang="en-US" altLang="zh-CN" b="0" dirty="0">
+                <a:solidFill>
+                  <a:srgbClr val="268BD2"/>
+                </a:solidFill>
+                <a:effectLst/>
+                <a:latin typeface="Consolas" panose="020B0609020204030204" pitchFamily="49" charset="0"/>
+              </a:rPr>
+              <a:t>name</a:t>
+            </a:r>
+            <a:r>
+              <a:rPr lang="en-US" altLang="zh-CN" b="0" dirty="0">
+                <a:solidFill>
+                  <a:srgbClr val="333333"/>
+                </a:solidFill>
+                <a:effectLst/>
+                <a:latin typeface="Consolas" panose="020B0609020204030204" pitchFamily="49" charset="0"/>
+              </a:rPr>
+              <a:t>)),</a:t>
+            </a:r>
+          </a:p>
+          <a:p>
+            <a:r>
+              <a:rPr lang="en-US" altLang="zh-CN" b="0" dirty="0">
+                <a:solidFill>
+                  <a:srgbClr val="333333"/>
+                </a:solidFill>
+                <a:effectLst/>
+                <a:latin typeface="Consolas" panose="020B0609020204030204" pitchFamily="49" charset="0"/>
+              </a:rPr>
+              <a:t>  </a:t>
+            </a:r>
+            <a:r>
+              <a:rPr lang="en-US" altLang="zh-CN" b="0" dirty="0">
+                <a:solidFill>
+                  <a:srgbClr val="6E9BFC"/>
+                </a:solidFill>
+                <a:effectLst/>
+                <a:latin typeface="Consolas" panose="020B0609020204030204" pitchFamily="49" charset="0"/>
+              </a:rPr>
+              <a:t>_c</a:t>
+            </a:r>
+            <a:r>
+              <a:rPr lang="en-US" altLang="zh-CN" b="0" dirty="0">
+                <a:solidFill>
+                  <a:srgbClr val="333333"/>
+                </a:solidFill>
+                <a:effectLst/>
+                <a:latin typeface="Consolas" panose="020B0609020204030204" pitchFamily="49" charset="0"/>
+              </a:rPr>
+              <a:t>(</a:t>
+            </a:r>
+            <a:r>
+              <a:rPr lang="en-US" altLang="zh-CN" b="0" dirty="0">
+                <a:solidFill>
+                  <a:srgbClr val="519657"/>
+                </a:solidFill>
+                <a:effectLst/>
+                <a:latin typeface="Consolas" panose="020B0609020204030204" pitchFamily="49" charset="0"/>
+              </a:rPr>
+              <a:t>'span'</a:t>
+            </a:r>
+            <a:r>
+              <a:rPr lang="en-US" altLang="zh-CN" b="0" dirty="0">
+                <a:solidFill>
+                  <a:srgbClr val="333333"/>
+                </a:solidFill>
+                <a:effectLst/>
+                <a:latin typeface="Consolas" panose="020B0609020204030204" pitchFamily="49" charset="0"/>
+              </a:rPr>
+              <a:t>, { </a:t>
+            </a:r>
+            <a:r>
+              <a:rPr lang="en-US" altLang="zh-CN" b="0" dirty="0">
+                <a:solidFill>
+                  <a:srgbClr val="268BD2"/>
+                </a:solidFill>
+                <a:effectLst/>
+                <a:latin typeface="Consolas" panose="020B0609020204030204" pitchFamily="49" charset="0"/>
+              </a:rPr>
+              <a:t>class</a:t>
+            </a:r>
+            <a:r>
+              <a:rPr lang="en-US" altLang="zh-CN" b="0" dirty="0">
+                <a:solidFill>
+                  <a:srgbClr val="333333"/>
+                </a:solidFill>
+                <a:effectLst/>
+                <a:latin typeface="Consolas" panose="020B0609020204030204" pitchFamily="49" charset="0"/>
+              </a:rPr>
+              <a:t>: </a:t>
+            </a:r>
+            <a:r>
+              <a:rPr lang="en-US" altLang="zh-CN" b="0" dirty="0">
+                <a:solidFill>
+                  <a:srgbClr val="519657"/>
+                </a:solidFill>
+                <a:effectLst/>
+                <a:latin typeface="Consolas" panose="020B0609020204030204" pitchFamily="49" charset="0"/>
+              </a:rPr>
+              <a:t>'text'</a:t>
+            </a:r>
+            <a:r>
+              <a:rPr lang="en-US" altLang="zh-CN" b="0" dirty="0">
+                <a:solidFill>
+                  <a:srgbClr val="333333"/>
+                </a:solidFill>
+                <a:effectLst/>
+                <a:latin typeface="Consolas" panose="020B0609020204030204" pitchFamily="49" charset="0"/>
+              </a:rPr>
+              <a:t>, </a:t>
+            </a:r>
+            <a:r>
+              <a:rPr lang="en-US" altLang="zh-CN" b="0" dirty="0">
+                <a:solidFill>
+                  <a:srgbClr val="519657"/>
+                </a:solidFill>
+                <a:effectLst/>
+                <a:latin typeface="Consolas" panose="020B0609020204030204" pitchFamily="49" charset="0"/>
+              </a:rPr>
+              <a:t>'style'</a:t>
+            </a:r>
+            <a:r>
+              <a:rPr lang="en-US" altLang="zh-CN" b="0" dirty="0">
+                <a:solidFill>
+                  <a:srgbClr val="333333"/>
+                </a:solidFill>
+                <a:effectLst/>
+                <a:latin typeface="Consolas" panose="020B0609020204030204" pitchFamily="49" charset="0"/>
+              </a:rPr>
+              <a:t>: { </a:t>
+            </a:r>
+            <a:r>
+              <a:rPr lang="en-US" altLang="zh-CN" b="0" dirty="0">
+                <a:solidFill>
+                  <a:srgbClr val="519657"/>
+                </a:solidFill>
+                <a:effectLst/>
+                <a:latin typeface="Consolas" panose="020B0609020204030204" pitchFamily="49" charset="0"/>
+              </a:rPr>
+              <a:t>'color'</a:t>
+            </a:r>
+            <a:r>
+              <a:rPr lang="en-US" altLang="zh-CN" b="0" dirty="0">
+                <a:solidFill>
+                  <a:srgbClr val="333333"/>
+                </a:solidFill>
+                <a:effectLst/>
+                <a:latin typeface="Consolas" panose="020B0609020204030204" pitchFamily="49" charset="0"/>
+              </a:rPr>
+              <a:t>: </a:t>
+            </a:r>
+            <a:r>
+              <a:rPr lang="en-US" altLang="zh-CN" b="0" dirty="0">
+                <a:solidFill>
+                  <a:srgbClr val="519657"/>
+                </a:solidFill>
+                <a:effectLst/>
+                <a:latin typeface="Consolas" panose="020B0609020204030204" pitchFamily="49" charset="0"/>
+              </a:rPr>
+              <a:t>'green'</a:t>
+            </a:r>
+            <a:r>
+              <a:rPr lang="en-US" altLang="zh-CN" b="0" dirty="0">
+                <a:solidFill>
+                  <a:srgbClr val="333333"/>
+                </a:solidFill>
+                <a:effectLst/>
+                <a:latin typeface="Consolas" panose="020B0609020204030204" pitchFamily="49" charset="0"/>
+              </a:rPr>
+              <a:t> }}, </a:t>
+            </a:r>
+            <a:r>
+              <a:rPr lang="en-US" altLang="zh-CN" b="0" dirty="0">
+                <a:solidFill>
+                  <a:srgbClr val="6E9BFC"/>
+                </a:solidFill>
+                <a:effectLst/>
+                <a:latin typeface="Consolas" panose="020B0609020204030204" pitchFamily="49" charset="0"/>
+              </a:rPr>
+              <a:t>_v</a:t>
+            </a:r>
+            <a:r>
+              <a:rPr lang="en-US" altLang="zh-CN" b="0" dirty="0">
+                <a:solidFill>
+                  <a:srgbClr val="333333"/>
+                </a:solidFill>
+                <a:effectLst/>
+                <a:latin typeface="Consolas" panose="020B0609020204030204" pitchFamily="49" charset="0"/>
+              </a:rPr>
+              <a:t>(</a:t>
+            </a:r>
+            <a:r>
+              <a:rPr lang="en-US" altLang="zh-CN" b="0" dirty="0">
+                <a:solidFill>
+                  <a:srgbClr val="6E9BFC"/>
+                </a:solidFill>
+                <a:effectLst/>
+                <a:latin typeface="Consolas" panose="020B0609020204030204" pitchFamily="49" charset="0"/>
+              </a:rPr>
+              <a:t>_s</a:t>
+            </a:r>
+            <a:r>
+              <a:rPr lang="en-US" altLang="zh-CN" b="0" dirty="0">
+                <a:solidFill>
+                  <a:srgbClr val="333333"/>
+                </a:solidFill>
+                <a:effectLst/>
+                <a:latin typeface="Consolas" panose="020B0609020204030204" pitchFamily="49" charset="0"/>
+              </a:rPr>
+              <a:t>(</a:t>
+            </a:r>
+            <a:r>
+              <a:rPr lang="en-US" altLang="zh-CN" b="0" dirty="0" err="1">
+                <a:solidFill>
+                  <a:srgbClr val="268BD2"/>
+                </a:solidFill>
+                <a:effectLst/>
+                <a:latin typeface="Consolas" panose="020B0609020204030204" pitchFamily="49" charset="0"/>
+              </a:rPr>
+              <a:t>info</a:t>
+            </a:r>
+            <a:r>
+              <a:rPr lang="en-US" altLang="zh-CN" b="0" dirty="0" err="1">
+                <a:solidFill>
+                  <a:srgbClr val="333333"/>
+                </a:solidFill>
+                <a:effectLst/>
+                <a:latin typeface="Consolas" panose="020B0609020204030204" pitchFamily="49" charset="0"/>
+              </a:rPr>
+              <a:t>.</a:t>
+            </a:r>
+            <a:r>
+              <a:rPr lang="en-US" altLang="zh-CN" b="0" dirty="0" err="1">
+                <a:solidFill>
+                  <a:srgbClr val="268BD2"/>
+                </a:solidFill>
+                <a:effectLst/>
+                <a:latin typeface="Consolas" panose="020B0609020204030204" pitchFamily="49" charset="0"/>
+              </a:rPr>
+              <a:t>job</a:t>
+            </a:r>
+            <a:r>
+              <a:rPr lang="en-US" altLang="zh-CN" b="0" dirty="0">
+                <a:solidFill>
+                  <a:srgbClr val="333333"/>
+                </a:solidFill>
+                <a:effectLst/>
+                <a:latin typeface="Consolas" panose="020B0609020204030204" pitchFamily="49" charset="0"/>
+              </a:rPr>
+              <a:t>))),</a:t>
+            </a:r>
+          </a:p>
+          <a:p>
+            <a:r>
+              <a:rPr lang="en-US" altLang="zh-CN" b="0" dirty="0">
+                <a:solidFill>
+                  <a:srgbClr val="333333"/>
+                </a:solidFill>
+                <a:effectLst/>
+                <a:latin typeface="Consolas" panose="020B0609020204030204" pitchFamily="49" charset="0"/>
+              </a:rPr>
+              <a:t>  </a:t>
+            </a:r>
+            <a:r>
+              <a:rPr lang="en-US" altLang="zh-CN" b="0" dirty="0">
+                <a:solidFill>
+                  <a:srgbClr val="6E9BFC"/>
+                </a:solidFill>
+                <a:effectLst/>
+                <a:latin typeface="Consolas" panose="020B0609020204030204" pitchFamily="49" charset="0"/>
+              </a:rPr>
+              <a:t>_c</a:t>
+            </a:r>
+            <a:r>
+              <a:rPr lang="en-US" altLang="zh-CN" b="0" dirty="0">
+                <a:solidFill>
+                  <a:srgbClr val="333333"/>
+                </a:solidFill>
+                <a:effectLst/>
+                <a:latin typeface="Consolas" panose="020B0609020204030204" pitchFamily="49" charset="0"/>
+              </a:rPr>
+              <a:t>(</a:t>
+            </a:r>
+            <a:r>
+              <a:rPr lang="en-US" altLang="zh-CN" b="0" dirty="0">
+                <a:solidFill>
+                  <a:srgbClr val="519657"/>
+                </a:solidFill>
+                <a:effectLst/>
+                <a:latin typeface="Consolas" panose="020B0609020204030204" pitchFamily="49" charset="0"/>
+              </a:rPr>
+              <a:t>'p'</a:t>
+            </a:r>
+            <a:r>
+              <a:rPr lang="en-US" altLang="zh-CN" b="0" dirty="0">
+                <a:solidFill>
+                  <a:srgbClr val="333333"/>
+                </a:solidFill>
+                <a:effectLst/>
+                <a:latin typeface="Consolas" panose="020B0609020204030204" pitchFamily="49" charset="0"/>
+              </a:rPr>
+              <a:t>, </a:t>
+            </a:r>
+            <a:r>
+              <a:rPr lang="en-US" altLang="zh-CN" b="0" dirty="0">
+                <a:solidFill>
+                  <a:srgbClr val="B58900"/>
+                </a:solidFill>
+                <a:effectLst/>
+                <a:latin typeface="Consolas" panose="020B0609020204030204" pitchFamily="49" charset="0"/>
+              </a:rPr>
+              <a:t>undefined</a:t>
+            </a:r>
+            <a:r>
+              <a:rPr lang="en-US" altLang="zh-CN" b="0" dirty="0">
+                <a:solidFill>
+                  <a:srgbClr val="333333"/>
+                </a:solidFill>
+                <a:effectLst/>
+                <a:latin typeface="Consolas" panose="020B0609020204030204" pitchFamily="49" charset="0"/>
+              </a:rPr>
+              <a:t>, </a:t>
+            </a:r>
+            <a:r>
+              <a:rPr lang="en-US" altLang="zh-CN" b="0" dirty="0">
+                <a:solidFill>
+                  <a:srgbClr val="6E9BFC"/>
+                </a:solidFill>
+                <a:effectLst/>
+                <a:latin typeface="Consolas" panose="020B0609020204030204" pitchFamily="49" charset="0"/>
+              </a:rPr>
+              <a:t>_v</a:t>
+            </a:r>
+            <a:r>
+              <a:rPr lang="en-US" altLang="zh-CN" b="0" dirty="0">
+                <a:solidFill>
+                  <a:srgbClr val="333333"/>
+                </a:solidFill>
+                <a:effectLst/>
+                <a:latin typeface="Consolas" panose="020B0609020204030204" pitchFamily="49" charset="0"/>
+              </a:rPr>
+              <a:t>(</a:t>
+            </a:r>
+            <a:r>
+              <a:rPr lang="en-US" altLang="zh-CN" b="0" dirty="0">
+                <a:solidFill>
+                  <a:srgbClr val="519657"/>
+                </a:solidFill>
+                <a:effectLst/>
+                <a:latin typeface="Consolas" panose="020B0609020204030204" pitchFamily="49" charset="0"/>
+              </a:rPr>
+              <a:t>'</a:t>
+            </a:r>
+            <a:r>
+              <a:rPr lang="zh-CN" altLang="en-US" b="0" dirty="0">
+                <a:solidFill>
+                  <a:srgbClr val="519657"/>
+                </a:solidFill>
+                <a:effectLst/>
+                <a:latin typeface="Consolas" panose="020B0609020204030204" pitchFamily="49" charset="0"/>
+              </a:rPr>
+              <a:t>学习</a:t>
+            </a:r>
+            <a:r>
+              <a:rPr lang="en-US" altLang="zh-CN" b="0" dirty="0">
+                <a:solidFill>
+                  <a:srgbClr val="519657"/>
+                </a:solidFill>
+                <a:effectLst/>
+                <a:latin typeface="Consolas" panose="020B0609020204030204" pitchFamily="49" charset="0"/>
+              </a:rPr>
+              <a:t>’</a:t>
+            </a:r>
+            <a:r>
+              <a:rPr lang="en-US" altLang="zh-CN" b="0" dirty="0">
+                <a:solidFill>
+                  <a:srgbClr val="333333"/>
+                </a:solidFill>
+                <a:effectLst/>
+                <a:latin typeface="Consolas" panose="020B0609020204030204" pitchFamily="49" charset="0"/>
+              </a:rPr>
+              <a:t>)) ’</a:t>
+            </a:r>
+          </a:p>
+        </p:txBody>
+      </p:sp>
+      <p:sp>
+        <p:nvSpPr>
+          <p:cNvPr id="12" name="箭头: 下 11">
+            <a:extLst>
+              <a:ext uri="{FF2B5EF4-FFF2-40B4-BE49-F238E27FC236}">
+                <a16:creationId xmlns:a16="http://schemas.microsoft.com/office/drawing/2014/main" id="{797B0426-285F-42C5-BE91-46DFB6599C28}"/>
+              </a:ext>
+            </a:extLst>
+          </p:cNvPr>
+          <p:cNvSpPr/>
+          <p:nvPr/>
+        </p:nvSpPr>
+        <p:spPr>
+          <a:xfrm>
+            <a:off x="3500284" y="2949677"/>
+            <a:ext cx="304800" cy="1204622"/>
+          </a:xfrm>
+          <a:prstGeom prst="downArrow">
+            <a:avLst/>
+          </a:prstGeom>
+        </p:spPr>
+        <p:style>
+          <a:lnRef idx="2">
+            <a:schemeClr val="accent6"/>
+          </a:lnRef>
+          <a:fillRef idx="1">
+            <a:schemeClr val="lt1"/>
+          </a:fillRef>
+          <a:effectRef idx="0">
+            <a:schemeClr val="accent6"/>
+          </a:effectRef>
+          <a:fontRef idx="minor">
+            <a:schemeClr val="dk1"/>
+          </a:fontRef>
+        </p:style>
+        <p:txBody>
+          <a:bodyPr rtlCol="0" anchor="ctr"/>
+          <a:lstStyle/>
+          <a:p>
+            <a:pPr algn="ctr"/>
+            <a:endParaRPr lang="zh-CN" altLang="en-US"/>
+          </a:p>
+        </p:txBody>
+      </p:sp>
+    </p:spTree>
+    <p:extLst>
+      <p:ext uri="{BB962C8B-B14F-4D97-AF65-F5344CB8AC3E}">
+        <p14:creationId xmlns:p14="http://schemas.microsoft.com/office/powerpoint/2010/main" val="2558512266"/>
       </p:ext>
     </p:extLst>
   </p:cSld>
@@ -3922,7 +7277,7 @@
         <p:spPr>
           <a:xfrm>
             <a:off x="213360" y="193040"/>
-            <a:ext cx="1842171" cy="646331"/>
+            <a:ext cx="1947969" cy="646331"/>
           </a:xfrm>
           <a:prstGeom prst="rect">
             <a:avLst/>
@@ -3936,17 +7291,17 @@
           <a:lstStyle/>
           <a:p>
             <a:r>
-              <a:rPr lang="en-US" altLang="zh-CN" dirty="0"/>
+              <a:rPr lang="en-US" altLang="zh-CN" b="1" dirty="0"/>
               <a:t>Parse html to </a:t>
             </a:r>
             <a:r>
-              <a:rPr lang="en-US" altLang="zh-CN" dirty="0" err="1"/>
+              <a:rPr lang="en-US" altLang="zh-CN" b="1" dirty="0" err="1"/>
               <a:t>ast</a:t>
             </a:r>
-            <a:endParaRPr lang="en-US" altLang="zh-CN" dirty="0"/>
-          </a:p>
-          <a:p>
-            <a:endParaRPr lang="zh-CN" altLang="en-US" dirty="0"/>
+            <a:endParaRPr lang="en-US" altLang="zh-CN" b="1" dirty="0"/>
+          </a:p>
+          <a:p>
+            <a:endParaRPr lang="zh-CN" altLang="en-US" b="1" dirty="0"/>
           </a:p>
         </p:txBody>
       </p:sp>
@@ -4973,6 +8328,4868 @@
     <p:extLst>
       <p:ext uri="{BB962C8B-B14F-4D97-AF65-F5344CB8AC3E}">
         <p14:creationId xmlns:p14="http://schemas.microsoft.com/office/powerpoint/2010/main" val="2101910145"/>
+      </p:ext>
+    </p:extLst>
+  </p:cSld>
+  <p:clrMapOvr>
+    <a:masterClrMapping/>
+  </p:clrMapOvr>
+</p:sld>
+</file>
+
+<file path=ppt/slides/slide3.xml><?xml version="1.0" encoding="utf-8"?>
+<p:sld xmlns:a="http://schemas.openxmlformats.org/drawingml/2006/main" xmlns:r="http://schemas.openxmlformats.org/officeDocument/2006/relationships" xmlns:p="http://schemas.openxmlformats.org/presentationml/2006/main">
+  <p:cSld>
+    <p:spTree>
+      <p:nvGrpSpPr>
+        <p:cNvPr id="1" name=""/>
+        <p:cNvGrpSpPr/>
+        <p:nvPr/>
+      </p:nvGrpSpPr>
+      <p:grpSpPr>
+        <a:xfrm>
+          <a:off x="0" y="0"/>
+          <a:ext cx="0" cy="0"/>
+          <a:chOff x="0" y="0"/>
+          <a:chExt cx="0" cy="0"/>
+        </a:xfrm>
+      </p:grpSpPr>
+      <p:sp>
+        <p:nvSpPr>
+          <p:cNvPr id="4" name="文本框 3">
+            <a:extLst>
+              <a:ext uri="{FF2B5EF4-FFF2-40B4-BE49-F238E27FC236}">
+                <a16:creationId xmlns:a16="http://schemas.microsoft.com/office/drawing/2014/main" id="{B15BAD18-D13C-46A5-9C84-AC685D764DFD}"/>
+              </a:ext>
+            </a:extLst>
+          </p:cNvPr>
+          <p:cNvSpPr txBox="1"/>
+          <p:nvPr/>
+        </p:nvSpPr>
+        <p:spPr>
+          <a:xfrm>
+            <a:off x="213360" y="193040"/>
+            <a:ext cx="1947969" cy="646331"/>
+          </a:xfrm>
+          <a:prstGeom prst="rect">
+            <a:avLst/>
+          </a:prstGeom>
+          <a:noFill/>
+        </p:spPr>
+        <p:txBody>
+          <a:bodyPr wrap="none" rtlCol="0">
+            <a:spAutoFit/>
+          </a:bodyPr>
+          <a:lstStyle/>
+          <a:p>
+            <a:r>
+              <a:rPr lang="en-US" altLang="zh-CN" b="1" dirty="0"/>
+              <a:t>Parse html to </a:t>
+            </a:r>
+            <a:r>
+              <a:rPr lang="en-US" altLang="zh-CN" b="1" dirty="0" err="1"/>
+              <a:t>ast</a:t>
+            </a:r>
+            <a:endParaRPr lang="en-US" altLang="zh-CN" b="1" dirty="0"/>
+          </a:p>
+          <a:p>
+            <a:endParaRPr lang="zh-CN" altLang="en-US" b="1" dirty="0"/>
+          </a:p>
+        </p:txBody>
+      </p:sp>
+      <p:sp>
+        <p:nvSpPr>
+          <p:cNvPr id="30" name="文本框 29">
+            <a:extLst>
+              <a:ext uri="{FF2B5EF4-FFF2-40B4-BE49-F238E27FC236}">
+                <a16:creationId xmlns:a16="http://schemas.microsoft.com/office/drawing/2014/main" id="{1A2BEBED-A289-47B7-A7AC-0228CD2FC4DC}"/>
+              </a:ext>
+            </a:extLst>
+          </p:cNvPr>
+          <p:cNvSpPr txBox="1"/>
+          <p:nvPr/>
+        </p:nvSpPr>
+        <p:spPr>
+          <a:xfrm>
+            <a:off x="213360" y="626325"/>
+            <a:ext cx="6096000" cy="2031325"/>
+          </a:xfrm>
+          <a:prstGeom prst="rect">
+            <a:avLst/>
+          </a:prstGeom>
+          <a:noFill/>
+        </p:spPr>
+        <p:txBody>
+          <a:bodyPr wrap="square">
+            <a:spAutoFit/>
+          </a:bodyPr>
+          <a:lstStyle/>
+          <a:p>
+            <a:r>
+              <a:rPr lang="en-US" altLang="zh-CN" b="0" dirty="0">
+                <a:solidFill>
+                  <a:srgbClr val="93A1A1"/>
+                </a:solidFill>
+                <a:effectLst/>
+                <a:latin typeface="Consolas" panose="020B0609020204030204" pitchFamily="49" charset="0"/>
+              </a:rPr>
+              <a:t>&lt;</a:t>
+            </a:r>
+            <a:r>
+              <a:rPr lang="en-US" altLang="zh-CN" b="0" dirty="0">
+                <a:solidFill>
+                  <a:srgbClr val="268BD2"/>
+                </a:solidFill>
+                <a:effectLst/>
+                <a:latin typeface="Consolas" panose="020B0609020204030204" pitchFamily="49" charset="0"/>
+              </a:rPr>
+              <a:t>div</a:t>
+            </a:r>
+            <a:r>
+              <a:rPr lang="en-US" altLang="zh-CN" b="0" dirty="0">
+                <a:solidFill>
+                  <a:srgbClr val="333333"/>
+                </a:solidFill>
+                <a:effectLst/>
+                <a:latin typeface="Consolas" panose="020B0609020204030204" pitchFamily="49" charset="0"/>
+              </a:rPr>
+              <a:t> </a:t>
+            </a:r>
+            <a:r>
+              <a:rPr lang="en-US" altLang="zh-CN" b="0" dirty="0">
+                <a:solidFill>
+                  <a:srgbClr val="93A1A1"/>
+                </a:solidFill>
+                <a:effectLst/>
+                <a:latin typeface="Consolas" panose="020B0609020204030204" pitchFamily="49" charset="0"/>
+              </a:rPr>
+              <a:t>id</a:t>
+            </a:r>
+            <a:r>
+              <a:rPr lang="en-US" altLang="zh-CN" b="0" dirty="0">
+                <a:solidFill>
+                  <a:srgbClr val="333333"/>
+                </a:solidFill>
+                <a:effectLst/>
+                <a:latin typeface="Consolas" panose="020B0609020204030204" pitchFamily="49" charset="0"/>
+              </a:rPr>
+              <a:t>=</a:t>
+            </a:r>
+            <a:r>
+              <a:rPr lang="en-US" altLang="zh-CN" b="0" dirty="0">
+                <a:solidFill>
+                  <a:srgbClr val="519657"/>
+                </a:solidFill>
+                <a:effectLst/>
+                <a:latin typeface="Consolas" panose="020B0609020204030204" pitchFamily="49" charset="0"/>
+              </a:rPr>
+              <a:t>"app"</a:t>
+            </a:r>
+            <a:r>
+              <a:rPr lang="en-US" altLang="zh-CN" b="0" dirty="0">
+                <a:solidFill>
+                  <a:srgbClr val="333333"/>
+                </a:solidFill>
+                <a:effectLst/>
+                <a:latin typeface="Consolas" panose="020B0609020204030204" pitchFamily="49" charset="0"/>
+              </a:rPr>
+              <a:t> </a:t>
+            </a:r>
+            <a:r>
+              <a:rPr lang="en-US" altLang="zh-CN" b="0" dirty="0">
+                <a:solidFill>
+                  <a:srgbClr val="93A1A1"/>
+                </a:solidFill>
+                <a:effectLst/>
+                <a:latin typeface="Consolas" panose="020B0609020204030204" pitchFamily="49" charset="0"/>
+              </a:rPr>
+              <a:t>style</a:t>
+            </a:r>
+            <a:r>
+              <a:rPr lang="en-US" altLang="zh-CN" b="0" dirty="0">
+                <a:solidFill>
+                  <a:srgbClr val="333333"/>
+                </a:solidFill>
+                <a:effectLst/>
+                <a:latin typeface="Consolas" panose="020B0609020204030204" pitchFamily="49" charset="0"/>
+              </a:rPr>
+              <a:t>=</a:t>
+            </a:r>
+            <a:r>
+              <a:rPr lang="en-US" altLang="zh-CN" b="0" dirty="0">
+                <a:solidFill>
+                  <a:srgbClr val="519657"/>
+                </a:solidFill>
+                <a:effectLst/>
+                <a:latin typeface="Consolas" panose="020B0609020204030204" pitchFamily="49" charset="0"/>
+              </a:rPr>
+              <a:t>"color: red; font-size: </a:t>
+            </a:r>
+            <a:r>
+              <a:rPr lang="en-US" altLang="zh-CN" b="0" dirty="0" err="1">
+                <a:solidFill>
+                  <a:srgbClr val="519657"/>
+                </a:solidFill>
+                <a:effectLst/>
+                <a:latin typeface="Consolas" panose="020B0609020204030204" pitchFamily="49" charset="0"/>
+              </a:rPr>
+              <a:t>20px</a:t>
+            </a:r>
+            <a:r>
+              <a:rPr lang="en-US" altLang="zh-CN" b="0" dirty="0">
+                <a:solidFill>
+                  <a:srgbClr val="519657"/>
+                </a:solidFill>
+                <a:effectLst/>
+                <a:latin typeface="Consolas" panose="020B0609020204030204" pitchFamily="49" charset="0"/>
+              </a:rPr>
+              <a:t>"</a:t>
+            </a:r>
+            <a:r>
+              <a:rPr lang="en-US" altLang="zh-CN" b="0" dirty="0">
+                <a:solidFill>
+                  <a:srgbClr val="93A1A1"/>
+                </a:solidFill>
+                <a:effectLst/>
+                <a:latin typeface="Consolas" panose="020B0609020204030204" pitchFamily="49" charset="0"/>
+              </a:rPr>
+              <a:t>&gt;</a:t>
+            </a:r>
+            <a:endParaRPr lang="en-US" altLang="zh-CN" b="0" dirty="0">
+              <a:solidFill>
+                <a:srgbClr val="333333"/>
+              </a:solidFill>
+              <a:effectLst/>
+              <a:latin typeface="Consolas" panose="020B0609020204030204" pitchFamily="49" charset="0"/>
+            </a:endParaRPr>
+          </a:p>
+          <a:p>
+            <a:r>
+              <a:rPr lang="en-US" altLang="zh-CN" b="0" dirty="0">
+                <a:solidFill>
+                  <a:srgbClr val="333333"/>
+                </a:solidFill>
+                <a:effectLst/>
+                <a:latin typeface="Consolas" panose="020B0609020204030204" pitchFamily="49" charset="0"/>
+              </a:rPr>
+              <a:t>    </a:t>
+            </a:r>
+            <a:r>
+              <a:rPr lang="zh-CN" altLang="en-US" b="0" dirty="0">
+                <a:solidFill>
+                  <a:srgbClr val="333333"/>
+                </a:solidFill>
+                <a:effectLst/>
+                <a:latin typeface="Consolas" panose="020B0609020204030204" pitchFamily="49" charset="0"/>
+              </a:rPr>
+              <a:t>你好 </a:t>
+            </a:r>
+            <a:r>
+              <a:rPr lang="en-US" altLang="zh-CN" b="0" dirty="0">
+                <a:solidFill>
+                  <a:srgbClr val="333333"/>
+                </a:solidFill>
+                <a:effectLst/>
+                <a:latin typeface="Consolas" panose="020B0609020204030204" pitchFamily="49" charset="0"/>
+              </a:rPr>
+              <a:t>{{name}} {{</a:t>
+            </a:r>
+            <a:r>
+              <a:rPr lang="en-US" altLang="zh-CN" b="0" dirty="0" err="1">
+                <a:solidFill>
+                  <a:srgbClr val="333333"/>
+                </a:solidFill>
+                <a:effectLst/>
+                <a:latin typeface="Consolas" panose="020B0609020204030204" pitchFamily="49" charset="0"/>
+              </a:rPr>
+              <a:t>info.students</a:t>
+            </a:r>
+            <a:r>
+              <a:rPr lang="en-US" altLang="zh-CN" b="0" dirty="0">
+                <a:solidFill>
+                  <a:srgbClr val="333333"/>
+                </a:solidFill>
+                <a:effectLst/>
+                <a:latin typeface="Consolas" panose="020B0609020204030204" pitchFamily="49" charset="0"/>
+              </a:rPr>
+              <a:t>[0].name}}</a:t>
+            </a:r>
+          </a:p>
+          <a:p>
+            <a:r>
+              <a:rPr lang="en-US" altLang="zh-CN" b="0" dirty="0">
+                <a:solidFill>
+                  <a:srgbClr val="333333"/>
+                </a:solidFill>
+                <a:effectLst/>
+                <a:latin typeface="Consolas" panose="020B0609020204030204" pitchFamily="49" charset="0"/>
+              </a:rPr>
+              <a:t>    </a:t>
+            </a:r>
+            <a:r>
+              <a:rPr lang="en-US" altLang="zh-CN" b="0" dirty="0">
+                <a:solidFill>
+                  <a:srgbClr val="93A1A1"/>
+                </a:solidFill>
+                <a:effectLst/>
+                <a:latin typeface="Consolas" panose="020B0609020204030204" pitchFamily="49" charset="0"/>
+              </a:rPr>
+              <a:t>&lt;</a:t>
+            </a:r>
+            <a:r>
+              <a:rPr lang="en-US" altLang="zh-CN" b="0" dirty="0">
+                <a:solidFill>
+                  <a:srgbClr val="268BD2"/>
+                </a:solidFill>
+                <a:effectLst/>
+                <a:latin typeface="Consolas" panose="020B0609020204030204" pitchFamily="49" charset="0"/>
+              </a:rPr>
+              <a:t>span</a:t>
+            </a:r>
+            <a:r>
+              <a:rPr lang="en-US" altLang="zh-CN" b="0" dirty="0">
+                <a:solidFill>
+                  <a:srgbClr val="333333"/>
+                </a:solidFill>
+                <a:effectLst/>
+                <a:latin typeface="Consolas" panose="020B0609020204030204" pitchFamily="49" charset="0"/>
+              </a:rPr>
+              <a:t> </a:t>
+            </a:r>
+            <a:r>
+              <a:rPr lang="en-US" altLang="zh-CN" b="0" dirty="0">
+                <a:solidFill>
+                  <a:srgbClr val="93A1A1"/>
+                </a:solidFill>
+                <a:effectLst/>
+                <a:latin typeface="Consolas" panose="020B0609020204030204" pitchFamily="49" charset="0"/>
+              </a:rPr>
+              <a:t>class</a:t>
+            </a:r>
+            <a:r>
+              <a:rPr lang="en-US" altLang="zh-CN" b="0" dirty="0">
+                <a:solidFill>
+                  <a:srgbClr val="333333"/>
+                </a:solidFill>
+                <a:effectLst/>
+                <a:latin typeface="Consolas" panose="020B0609020204030204" pitchFamily="49" charset="0"/>
+              </a:rPr>
+              <a:t>=</a:t>
+            </a:r>
+            <a:r>
+              <a:rPr lang="en-US" altLang="zh-CN" b="0" dirty="0">
+                <a:solidFill>
+                  <a:srgbClr val="519657"/>
+                </a:solidFill>
+                <a:effectLst/>
+                <a:latin typeface="Consolas" panose="020B0609020204030204" pitchFamily="49" charset="0"/>
+              </a:rPr>
+              <a:t>"text"</a:t>
+            </a:r>
+            <a:r>
+              <a:rPr lang="en-US" altLang="zh-CN" b="0" dirty="0">
+                <a:solidFill>
+                  <a:srgbClr val="333333"/>
+                </a:solidFill>
+                <a:effectLst/>
+                <a:latin typeface="Consolas" panose="020B0609020204030204" pitchFamily="49" charset="0"/>
+              </a:rPr>
+              <a:t> </a:t>
+            </a:r>
+            <a:r>
+              <a:rPr lang="en-US" altLang="zh-CN" b="0" dirty="0">
+                <a:solidFill>
+                  <a:srgbClr val="93A1A1"/>
+                </a:solidFill>
+                <a:effectLst/>
+                <a:latin typeface="Consolas" panose="020B0609020204030204" pitchFamily="49" charset="0"/>
+              </a:rPr>
+              <a:t>style</a:t>
+            </a:r>
+            <a:r>
+              <a:rPr lang="en-US" altLang="zh-CN" b="0" dirty="0">
+                <a:solidFill>
+                  <a:srgbClr val="333333"/>
+                </a:solidFill>
+                <a:effectLst/>
+                <a:latin typeface="Consolas" panose="020B0609020204030204" pitchFamily="49" charset="0"/>
+              </a:rPr>
+              <a:t>=</a:t>
+            </a:r>
+            <a:r>
+              <a:rPr lang="en-US" altLang="zh-CN" b="0" dirty="0">
+                <a:solidFill>
+                  <a:srgbClr val="519657"/>
+                </a:solidFill>
+                <a:effectLst/>
+                <a:latin typeface="Consolas" panose="020B0609020204030204" pitchFamily="49" charset="0"/>
+              </a:rPr>
+              <a:t>"color: green"</a:t>
+            </a:r>
+            <a:r>
+              <a:rPr lang="en-US" altLang="zh-CN" b="0" dirty="0">
+                <a:solidFill>
+                  <a:srgbClr val="93A1A1"/>
+                </a:solidFill>
+                <a:effectLst/>
+                <a:latin typeface="Consolas" panose="020B0609020204030204" pitchFamily="49" charset="0"/>
+              </a:rPr>
+              <a:t>&gt;</a:t>
+            </a:r>
+            <a:r>
+              <a:rPr lang="en-US" altLang="zh-CN" b="0" dirty="0">
+                <a:solidFill>
+                  <a:srgbClr val="333333"/>
+                </a:solidFill>
+                <a:effectLst/>
+                <a:latin typeface="Consolas" panose="020B0609020204030204" pitchFamily="49" charset="0"/>
+              </a:rPr>
+              <a:t>{{</a:t>
+            </a:r>
+            <a:r>
+              <a:rPr lang="en-US" altLang="zh-CN" b="0" dirty="0" err="1">
+                <a:solidFill>
+                  <a:srgbClr val="333333"/>
+                </a:solidFill>
+                <a:effectLst/>
+                <a:latin typeface="Consolas" panose="020B0609020204030204" pitchFamily="49" charset="0"/>
+              </a:rPr>
+              <a:t>info.job</a:t>
+            </a:r>
+            <a:r>
+              <a:rPr lang="en-US" altLang="zh-CN" b="0" dirty="0">
+                <a:solidFill>
+                  <a:srgbClr val="333333"/>
+                </a:solidFill>
+                <a:effectLst/>
+                <a:latin typeface="Consolas" panose="020B0609020204030204" pitchFamily="49" charset="0"/>
+              </a:rPr>
+              <a:t>}}</a:t>
+            </a:r>
+            <a:r>
+              <a:rPr lang="en-US" altLang="zh-CN" b="0" dirty="0">
+                <a:solidFill>
+                  <a:srgbClr val="93A1A1"/>
+                </a:solidFill>
+                <a:effectLst/>
+                <a:latin typeface="Consolas" panose="020B0609020204030204" pitchFamily="49" charset="0"/>
+              </a:rPr>
+              <a:t>&lt;/</a:t>
+            </a:r>
+            <a:r>
+              <a:rPr lang="en-US" altLang="zh-CN" b="0" dirty="0">
+                <a:solidFill>
+                  <a:srgbClr val="268BD2"/>
+                </a:solidFill>
+                <a:effectLst/>
+                <a:latin typeface="Consolas" panose="020B0609020204030204" pitchFamily="49" charset="0"/>
+              </a:rPr>
+              <a:t>span</a:t>
+            </a:r>
+            <a:r>
+              <a:rPr lang="en-US" altLang="zh-CN" b="0" dirty="0">
+                <a:solidFill>
+                  <a:srgbClr val="93A1A1"/>
+                </a:solidFill>
+                <a:effectLst/>
+                <a:latin typeface="Consolas" panose="020B0609020204030204" pitchFamily="49" charset="0"/>
+              </a:rPr>
+              <a:t>&gt;</a:t>
+            </a:r>
+            <a:endParaRPr lang="en-US" altLang="zh-CN" b="0" dirty="0">
+              <a:solidFill>
+                <a:srgbClr val="333333"/>
+              </a:solidFill>
+              <a:effectLst/>
+              <a:latin typeface="Consolas" panose="020B0609020204030204" pitchFamily="49" charset="0"/>
+            </a:endParaRPr>
+          </a:p>
+          <a:p>
+            <a:r>
+              <a:rPr lang="en-US" altLang="zh-CN" b="0" dirty="0">
+                <a:solidFill>
+                  <a:srgbClr val="333333"/>
+                </a:solidFill>
+                <a:effectLst/>
+                <a:latin typeface="Consolas" panose="020B0609020204030204" pitchFamily="49" charset="0"/>
+              </a:rPr>
+              <a:t>    </a:t>
+            </a:r>
+            <a:r>
+              <a:rPr lang="en-US" altLang="zh-CN" b="0" dirty="0">
+                <a:solidFill>
+                  <a:srgbClr val="93A1A1"/>
+                </a:solidFill>
+                <a:effectLst/>
+                <a:latin typeface="Consolas" panose="020B0609020204030204" pitchFamily="49" charset="0"/>
+              </a:rPr>
+              <a:t>&lt;</a:t>
+            </a:r>
+            <a:r>
+              <a:rPr lang="en-US" altLang="zh-CN" b="0" dirty="0">
+                <a:solidFill>
+                  <a:srgbClr val="268BD2"/>
+                </a:solidFill>
+                <a:effectLst/>
+                <a:latin typeface="Consolas" panose="020B0609020204030204" pitchFamily="49" charset="0"/>
+              </a:rPr>
+              <a:t>p</a:t>
+            </a:r>
+            <a:r>
+              <a:rPr lang="en-US" altLang="zh-CN" b="0" dirty="0">
+                <a:solidFill>
+                  <a:srgbClr val="93A1A1"/>
+                </a:solidFill>
+                <a:effectLst/>
+                <a:latin typeface="Consolas" panose="020B0609020204030204" pitchFamily="49" charset="0"/>
+              </a:rPr>
+              <a:t>&gt;</a:t>
+            </a:r>
+            <a:r>
+              <a:rPr lang="zh-CN" altLang="en-US" b="0" dirty="0">
+                <a:solidFill>
+                  <a:srgbClr val="333333"/>
+                </a:solidFill>
+                <a:effectLst/>
+                <a:latin typeface="Consolas" panose="020B0609020204030204" pitchFamily="49" charset="0"/>
+              </a:rPr>
+              <a:t>学习</a:t>
+            </a:r>
+            <a:r>
+              <a:rPr lang="en-US" altLang="zh-CN" b="0" dirty="0">
+                <a:solidFill>
+                  <a:srgbClr val="93A1A1"/>
+                </a:solidFill>
+                <a:effectLst/>
+                <a:latin typeface="Consolas" panose="020B0609020204030204" pitchFamily="49" charset="0"/>
+              </a:rPr>
+              <a:t>&lt;/</a:t>
+            </a:r>
+            <a:r>
+              <a:rPr lang="en-US" altLang="zh-CN" b="0" dirty="0">
+                <a:solidFill>
+                  <a:srgbClr val="268BD2"/>
+                </a:solidFill>
+                <a:effectLst/>
+                <a:latin typeface="Consolas" panose="020B0609020204030204" pitchFamily="49" charset="0"/>
+              </a:rPr>
+              <a:t>p</a:t>
+            </a:r>
+            <a:r>
+              <a:rPr lang="en-US" altLang="zh-CN" b="0" dirty="0">
+                <a:solidFill>
+                  <a:srgbClr val="93A1A1"/>
+                </a:solidFill>
+                <a:effectLst/>
+                <a:latin typeface="Consolas" panose="020B0609020204030204" pitchFamily="49" charset="0"/>
+              </a:rPr>
+              <a:t>&gt;</a:t>
+            </a:r>
+            <a:endParaRPr lang="en-US" altLang="zh-CN" b="0" dirty="0">
+              <a:solidFill>
+                <a:srgbClr val="333333"/>
+              </a:solidFill>
+              <a:effectLst/>
+              <a:latin typeface="Consolas" panose="020B0609020204030204" pitchFamily="49" charset="0"/>
+            </a:endParaRPr>
+          </a:p>
+          <a:p>
+            <a:r>
+              <a:rPr lang="en-US" altLang="zh-CN" b="0" dirty="0">
+                <a:solidFill>
+                  <a:srgbClr val="333333"/>
+                </a:solidFill>
+                <a:effectLst/>
+                <a:latin typeface="Consolas" panose="020B0609020204030204" pitchFamily="49" charset="0"/>
+              </a:rPr>
+              <a:t>  </a:t>
+            </a:r>
+            <a:r>
+              <a:rPr lang="en-US" altLang="zh-CN" b="0" dirty="0">
+                <a:solidFill>
+                  <a:srgbClr val="93A1A1"/>
+                </a:solidFill>
+                <a:effectLst/>
+                <a:latin typeface="Consolas" panose="020B0609020204030204" pitchFamily="49" charset="0"/>
+              </a:rPr>
+              <a:t>&lt;/</a:t>
+            </a:r>
+            <a:r>
+              <a:rPr lang="en-US" altLang="zh-CN" b="0" dirty="0">
+                <a:solidFill>
+                  <a:srgbClr val="268BD2"/>
+                </a:solidFill>
+                <a:effectLst/>
+                <a:latin typeface="Consolas" panose="020B0609020204030204" pitchFamily="49" charset="0"/>
+              </a:rPr>
+              <a:t>div</a:t>
+            </a:r>
+            <a:r>
+              <a:rPr lang="en-US" altLang="zh-CN" b="0" dirty="0">
+                <a:solidFill>
+                  <a:srgbClr val="93A1A1"/>
+                </a:solidFill>
+                <a:effectLst/>
+                <a:latin typeface="Consolas" panose="020B0609020204030204" pitchFamily="49" charset="0"/>
+              </a:rPr>
+              <a:t>&gt;</a:t>
+            </a:r>
+            <a:endParaRPr lang="en-US" altLang="zh-CN" b="0" dirty="0">
+              <a:solidFill>
+                <a:srgbClr val="333333"/>
+              </a:solidFill>
+              <a:effectLst/>
+              <a:latin typeface="Consolas" panose="020B0609020204030204" pitchFamily="49" charset="0"/>
+            </a:endParaRPr>
+          </a:p>
+        </p:txBody>
+      </p:sp>
+      <p:sp>
+        <p:nvSpPr>
+          <p:cNvPr id="3" name="矩形 2">
+            <a:extLst>
+              <a:ext uri="{FF2B5EF4-FFF2-40B4-BE49-F238E27FC236}">
+                <a16:creationId xmlns:a16="http://schemas.microsoft.com/office/drawing/2014/main" id="{2825D9CD-4572-4FD3-9CCF-293370656FB3}"/>
+              </a:ext>
+            </a:extLst>
+          </p:cNvPr>
+          <p:cNvSpPr/>
+          <p:nvPr/>
+        </p:nvSpPr>
+        <p:spPr>
+          <a:xfrm>
+            <a:off x="6558116" y="839370"/>
+            <a:ext cx="1553497" cy="5620423"/>
+          </a:xfrm>
+          <a:prstGeom prst="rect">
+            <a:avLst/>
+          </a:prstGeom>
+        </p:spPr>
+        <p:style>
+          <a:lnRef idx="2">
+            <a:schemeClr val="accent6"/>
+          </a:lnRef>
+          <a:fillRef idx="1">
+            <a:schemeClr val="lt1"/>
+          </a:fillRef>
+          <a:effectRef idx="0">
+            <a:schemeClr val="accent6"/>
+          </a:effectRef>
+          <a:fontRef idx="minor">
+            <a:schemeClr val="dk1"/>
+          </a:fontRef>
+        </p:style>
+        <p:txBody>
+          <a:bodyPr rtlCol="0" anchor="ctr"/>
+          <a:lstStyle/>
+          <a:p>
+            <a:pPr algn="ctr"/>
+            <a:endParaRPr lang="zh-CN" altLang="en-US" dirty="0"/>
+          </a:p>
+        </p:txBody>
+      </p:sp>
+      <p:sp>
+        <p:nvSpPr>
+          <p:cNvPr id="7" name="文本框 6">
+            <a:extLst>
+              <a:ext uri="{FF2B5EF4-FFF2-40B4-BE49-F238E27FC236}">
+                <a16:creationId xmlns:a16="http://schemas.microsoft.com/office/drawing/2014/main" id="{932D0C44-58B0-4956-9B20-895262106932}"/>
+              </a:ext>
+            </a:extLst>
+          </p:cNvPr>
+          <p:cNvSpPr txBox="1"/>
+          <p:nvPr/>
+        </p:nvSpPr>
+        <p:spPr>
+          <a:xfrm>
+            <a:off x="6989149" y="6459793"/>
+            <a:ext cx="681597" cy="369332"/>
+          </a:xfrm>
+          <a:prstGeom prst="rect">
+            <a:avLst/>
+          </a:prstGeom>
+          <a:noFill/>
+        </p:spPr>
+        <p:txBody>
+          <a:bodyPr wrap="none" rtlCol="0">
+            <a:spAutoFit/>
+          </a:bodyPr>
+          <a:lstStyle/>
+          <a:p>
+            <a:r>
+              <a:rPr lang="en-US" altLang="zh-CN" dirty="0"/>
+              <a:t>stack</a:t>
+            </a:r>
+            <a:endParaRPr lang="zh-CN" altLang="en-US" dirty="0"/>
+          </a:p>
+        </p:txBody>
+      </p:sp>
+      <p:sp>
+        <p:nvSpPr>
+          <p:cNvPr id="11" name="文本框 10">
+            <a:extLst>
+              <a:ext uri="{FF2B5EF4-FFF2-40B4-BE49-F238E27FC236}">
+                <a16:creationId xmlns:a16="http://schemas.microsoft.com/office/drawing/2014/main" id="{06734D3B-F8C0-4C53-9E02-303802F20AD9}"/>
+              </a:ext>
+            </a:extLst>
+          </p:cNvPr>
+          <p:cNvSpPr txBox="1"/>
+          <p:nvPr/>
+        </p:nvSpPr>
+        <p:spPr>
+          <a:xfrm>
+            <a:off x="8986684" y="3429000"/>
+            <a:ext cx="2217274" cy="646331"/>
+          </a:xfrm>
+          <a:prstGeom prst="rect">
+            <a:avLst/>
+          </a:prstGeom>
+          <a:noFill/>
+        </p:spPr>
+        <p:txBody>
+          <a:bodyPr wrap="none" rtlCol="0">
+            <a:spAutoFit/>
+          </a:bodyPr>
+          <a:lstStyle/>
+          <a:p>
+            <a:r>
+              <a:rPr lang="en-US" altLang="zh-CN" dirty="0" err="1"/>
+              <a:t>currentParent</a:t>
+            </a:r>
+            <a:r>
+              <a:rPr lang="en-US" altLang="zh-CN" dirty="0"/>
+              <a:t> = null;</a:t>
+            </a:r>
+          </a:p>
+          <a:p>
+            <a:r>
+              <a:rPr lang="en-US" altLang="zh-CN" dirty="0"/>
+              <a:t>root = null;</a:t>
+            </a:r>
+          </a:p>
+        </p:txBody>
+      </p:sp>
+    </p:spTree>
+    <p:extLst>
+      <p:ext uri="{BB962C8B-B14F-4D97-AF65-F5344CB8AC3E}">
+        <p14:creationId xmlns:p14="http://schemas.microsoft.com/office/powerpoint/2010/main" val="3500739983"/>
+      </p:ext>
+    </p:extLst>
+  </p:cSld>
+  <p:clrMapOvr>
+    <a:masterClrMapping/>
+  </p:clrMapOvr>
+</p:sld>
+</file>
+
+<file path=ppt/slides/slide4.xml><?xml version="1.0" encoding="utf-8"?>
+<p:sld xmlns:a="http://schemas.openxmlformats.org/drawingml/2006/main" xmlns:r="http://schemas.openxmlformats.org/officeDocument/2006/relationships" xmlns:p="http://schemas.openxmlformats.org/presentationml/2006/main">
+  <p:cSld>
+    <p:spTree>
+      <p:nvGrpSpPr>
+        <p:cNvPr id="1" name=""/>
+        <p:cNvGrpSpPr/>
+        <p:nvPr/>
+      </p:nvGrpSpPr>
+      <p:grpSpPr>
+        <a:xfrm>
+          <a:off x="0" y="0"/>
+          <a:ext cx="0" cy="0"/>
+          <a:chOff x="0" y="0"/>
+          <a:chExt cx="0" cy="0"/>
+        </a:xfrm>
+      </p:grpSpPr>
+      <p:sp>
+        <p:nvSpPr>
+          <p:cNvPr id="4" name="文本框 3">
+            <a:extLst>
+              <a:ext uri="{FF2B5EF4-FFF2-40B4-BE49-F238E27FC236}">
+                <a16:creationId xmlns:a16="http://schemas.microsoft.com/office/drawing/2014/main" id="{B15BAD18-D13C-46A5-9C84-AC685D764DFD}"/>
+              </a:ext>
+            </a:extLst>
+          </p:cNvPr>
+          <p:cNvSpPr txBox="1"/>
+          <p:nvPr/>
+        </p:nvSpPr>
+        <p:spPr>
+          <a:xfrm>
+            <a:off x="213360" y="193040"/>
+            <a:ext cx="1947969" cy="646331"/>
+          </a:xfrm>
+          <a:prstGeom prst="rect">
+            <a:avLst/>
+          </a:prstGeom>
+          <a:noFill/>
+        </p:spPr>
+        <p:txBody>
+          <a:bodyPr wrap="none" rtlCol="0">
+            <a:spAutoFit/>
+          </a:bodyPr>
+          <a:lstStyle/>
+          <a:p>
+            <a:r>
+              <a:rPr lang="en-US" altLang="zh-CN" b="1" dirty="0"/>
+              <a:t>Parse html to </a:t>
+            </a:r>
+            <a:r>
+              <a:rPr lang="en-US" altLang="zh-CN" b="1" dirty="0" err="1"/>
+              <a:t>ast</a:t>
+            </a:r>
+            <a:endParaRPr lang="en-US" altLang="zh-CN" b="1" dirty="0"/>
+          </a:p>
+          <a:p>
+            <a:endParaRPr lang="zh-CN" altLang="en-US" b="1" dirty="0"/>
+          </a:p>
+        </p:txBody>
+      </p:sp>
+      <p:sp>
+        <p:nvSpPr>
+          <p:cNvPr id="30" name="文本框 29">
+            <a:extLst>
+              <a:ext uri="{FF2B5EF4-FFF2-40B4-BE49-F238E27FC236}">
+                <a16:creationId xmlns:a16="http://schemas.microsoft.com/office/drawing/2014/main" id="{1A2BEBED-A289-47B7-A7AC-0228CD2FC4DC}"/>
+              </a:ext>
+            </a:extLst>
+          </p:cNvPr>
+          <p:cNvSpPr txBox="1"/>
+          <p:nvPr/>
+        </p:nvSpPr>
+        <p:spPr>
+          <a:xfrm>
+            <a:off x="213360" y="626325"/>
+            <a:ext cx="6096000" cy="1477328"/>
+          </a:xfrm>
+          <a:prstGeom prst="rect">
+            <a:avLst/>
+          </a:prstGeom>
+          <a:noFill/>
+        </p:spPr>
+        <p:txBody>
+          <a:bodyPr wrap="square">
+            <a:spAutoFit/>
+          </a:bodyPr>
+          <a:lstStyle/>
+          <a:p>
+            <a:r>
+              <a:rPr lang="en-US" altLang="zh-CN" b="0" dirty="0">
+                <a:solidFill>
+                  <a:srgbClr val="333333"/>
+                </a:solidFill>
+                <a:effectLst/>
+                <a:latin typeface="Consolas" panose="020B0609020204030204" pitchFamily="49" charset="0"/>
+              </a:rPr>
+              <a:t>    </a:t>
+            </a:r>
+            <a:r>
+              <a:rPr lang="zh-CN" altLang="en-US" b="0" dirty="0">
+                <a:solidFill>
+                  <a:srgbClr val="333333"/>
+                </a:solidFill>
+                <a:effectLst/>
+                <a:latin typeface="Consolas" panose="020B0609020204030204" pitchFamily="49" charset="0"/>
+              </a:rPr>
+              <a:t>你好 </a:t>
+            </a:r>
+            <a:r>
+              <a:rPr lang="en-US" altLang="zh-CN" b="0" dirty="0">
+                <a:solidFill>
+                  <a:srgbClr val="333333"/>
+                </a:solidFill>
+                <a:effectLst/>
+                <a:latin typeface="Consolas" panose="020B0609020204030204" pitchFamily="49" charset="0"/>
+              </a:rPr>
+              <a:t>{{name}} {{</a:t>
+            </a:r>
+            <a:r>
+              <a:rPr lang="en-US" altLang="zh-CN" b="0" dirty="0" err="1">
+                <a:solidFill>
+                  <a:srgbClr val="333333"/>
+                </a:solidFill>
+                <a:effectLst/>
+                <a:latin typeface="Consolas" panose="020B0609020204030204" pitchFamily="49" charset="0"/>
+              </a:rPr>
+              <a:t>info.students</a:t>
+            </a:r>
+            <a:r>
+              <a:rPr lang="en-US" altLang="zh-CN" b="0" dirty="0">
+                <a:solidFill>
+                  <a:srgbClr val="333333"/>
+                </a:solidFill>
+                <a:effectLst/>
+                <a:latin typeface="Consolas" panose="020B0609020204030204" pitchFamily="49" charset="0"/>
+              </a:rPr>
+              <a:t>[0].name}}</a:t>
+            </a:r>
+          </a:p>
+          <a:p>
+            <a:r>
+              <a:rPr lang="en-US" altLang="zh-CN" b="0" dirty="0">
+                <a:solidFill>
+                  <a:srgbClr val="333333"/>
+                </a:solidFill>
+                <a:effectLst/>
+                <a:latin typeface="Consolas" panose="020B0609020204030204" pitchFamily="49" charset="0"/>
+              </a:rPr>
+              <a:t>    </a:t>
+            </a:r>
+            <a:r>
+              <a:rPr lang="en-US" altLang="zh-CN" b="0" dirty="0">
+                <a:solidFill>
+                  <a:srgbClr val="93A1A1"/>
+                </a:solidFill>
+                <a:effectLst/>
+                <a:latin typeface="Consolas" panose="020B0609020204030204" pitchFamily="49" charset="0"/>
+              </a:rPr>
+              <a:t>&lt;</a:t>
+            </a:r>
+            <a:r>
+              <a:rPr lang="en-US" altLang="zh-CN" b="0" dirty="0">
+                <a:solidFill>
+                  <a:srgbClr val="268BD2"/>
+                </a:solidFill>
+                <a:effectLst/>
+                <a:latin typeface="Consolas" panose="020B0609020204030204" pitchFamily="49" charset="0"/>
+              </a:rPr>
+              <a:t>span</a:t>
+            </a:r>
+            <a:r>
+              <a:rPr lang="en-US" altLang="zh-CN" b="0" dirty="0">
+                <a:solidFill>
+                  <a:srgbClr val="333333"/>
+                </a:solidFill>
+                <a:effectLst/>
+                <a:latin typeface="Consolas" panose="020B0609020204030204" pitchFamily="49" charset="0"/>
+              </a:rPr>
+              <a:t> </a:t>
+            </a:r>
+            <a:r>
+              <a:rPr lang="en-US" altLang="zh-CN" b="0" dirty="0">
+                <a:solidFill>
+                  <a:srgbClr val="93A1A1"/>
+                </a:solidFill>
+                <a:effectLst/>
+                <a:latin typeface="Consolas" panose="020B0609020204030204" pitchFamily="49" charset="0"/>
+              </a:rPr>
+              <a:t>class</a:t>
+            </a:r>
+            <a:r>
+              <a:rPr lang="en-US" altLang="zh-CN" b="0" dirty="0">
+                <a:solidFill>
+                  <a:srgbClr val="333333"/>
+                </a:solidFill>
+                <a:effectLst/>
+                <a:latin typeface="Consolas" panose="020B0609020204030204" pitchFamily="49" charset="0"/>
+              </a:rPr>
+              <a:t>=</a:t>
+            </a:r>
+            <a:r>
+              <a:rPr lang="en-US" altLang="zh-CN" b="0" dirty="0">
+                <a:solidFill>
+                  <a:srgbClr val="519657"/>
+                </a:solidFill>
+                <a:effectLst/>
+                <a:latin typeface="Consolas" panose="020B0609020204030204" pitchFamily="49" charset="0"/>
+              </a:rPr>
+              <a:t>"text"</a:t>
+            </a:r>
+            <a:r>
+              <a:rPr lang="en-US" altLang="zh-CN" b="0" dirty="0">
+                <a:solidFill>
+                  <a:srgbClr val="333333"/>
+                </a:solidFill>
+                <a:effectLst/>
+                <a:latin typeface="Consolas" panose="020B0609020204030204" pitchFamily="49" charset="0"/>
+              </a:rPr>
+              <a:t> </a:t>
+            </a:r>
+            <a:r>
+              <a:rPr lang="en-US" altLang="zh-CN" b="0" dirty="0">
+                <a:solidFill>
+                  <a:srgbClr val="93A1A1"/>
+                </a:solidFill>
+                <a:effectLst/>
+                <a:latin typeface="Consolas" panose="020B0609020204030204" pitchFamily="49" charset="0"/>
+              </a:rPr>
+              <a:t>style</a:t>
+            </a:r>
+            <a:r>
+              <a:rPr lang="en-US" altLang="zh-CN" b="0" dirty="0">
+                <a:solidFill>
+                  <a:srgbClr val="333333"/>
+                </a:solidFill>
+                <a:effectLst/>
+                <a:latin typeface="Consolas" panose="020B0609020204030204" pitchFamily="49" charset="0"/>
+              </a:rPr>
+              <a:t>=</a:t>
+            </a:r>
+            <a:r>
+              <a:rPr lang="en-US" altLang="zh-CN" b="0" dirty="0">
+                <a:solidFill>
+                  <a:srgbClr val="519657"/>
+                </a:solidFill>
+                <a:effectLst/>
+                <a:latin typeface="Consolas" panose="020B0609020204030204" pitchFamily="49" charset="0"/>
+              </a:rPr>
+              <a:t>"color: green"</a:t>
+            </a:r>
+            <a:r>
+              <a:rPr lang="en-US" altLang="zh-CN" b="0" dirty="0">
+                <a:solidFill>
+                  <a:srgbClr val="93A1A1"/>
+                </a:solidFill>
+                <a:effectLst/>
+                <a:latin typeface="Consolas" panose="020B0609020204030204" pitchFamily="49" charset="0"/>
+              </a:rPr>
+              <a:t>&gt;</a:t>
+            </a:r>
+            <a:r>
+              <a:rPr lang="en-US" altLang="zh-CN" b="0" dirty="0">
+                <a:solidFill>
+                  <a:srgbClr val="333333"/>
+                </a:solidFill>
+                <a:effectLst/>
+                <a:latin typeface="Consolas" panose="020B0609020204030204" pitchFamily="49" charset="0"/>
+              </a:rPr>
+              <a:t>{{</a:t>
+            </a:r>
+            <a:r>
+              <a:rPr lang="en-US" altLang="zh-CN" b="0" dirty="0" err="1">
+                <a:solidFill>
+                  <a:srgbClr val="333333"/>
+                </a:solidFill>
+                <a:effectLst/>
+                <a:latin typeface="Consolas" panose="020B0609020204030204" pitchFamily="49" charset="0"/>
+              </a:rPr>
+              <a:t>info.job</a:t>
+            </a:r>
+            <a:r>
+              <a:rPr lang="en-US" altLang="zh-CN" b="0" dirty="0">
+                <a:solidFill>
+                  <a:srgbClr val="333333"/>
+                </a:solidFill>
+                <a:effectLst/>
+                <a:latin typeface="Consolas" panose="020B0609020204030204" pitchFamily="49" charset="0"/>
+              </a:rPr>
+              <a:t>}}</a:t>
+            </a:r>
+            <a:r>
+              <a:rPr lang="en-US" altLang="zh-CN" b="0" dirty="0">
+                <a:solidFill>
+                  <a:srgbClr val="93A1A1"/>
+                </a:solidFill>
+                <a:effectLst/>
+                <a:latin typeface="Consolas" panose="020B0609020204030204" pitchFamily="49" charset="0"/>
+              </a:rPr>
+              <a:t>&lt;/</a:t>
+            </a:r>
+            <a:r>
+              <a:rPr lang="en-US" altLang="zh-CN" b="0" dirty="0">
+                <a:solidFill>
+                  <a:srgbClr val="268BD2"/>
+                </a:solidFill>
+                <a:effectLst/>
+                <a:latin typeface="Consolas" panose="020B0609020204030204" pitchFamily="49" charset="0"/>
+              </a:rPr>
+              <a:t>span</a:t>
+            </a:r>
+            <a:r>
+              <a:rPr lang="en-US" altLang="zh-CN" b="0" dirty="0">
+                <a:solidFill>
+                  <a:srgbClr val="93A1A1"/>
+                </a:solidFill>
+                <a:effectLst/>
+                <a:latin typeface="Consolas" panose="020B0609020204030204" pitchFamily="49" charset="0"/>
+              </a:rPr>
+              <a:t>&gt;</a:t>
+            </a:r>
+            <a:endParaRPr lang="en-US" altLang="zh-CN" b="0" dirty="0">
+              <a:solidFill>
+                <a:srgbClr val="333333"/>
+              </a:solidFill>
+              <a:effectLst/>
+              <a:latin typeface="Consolas" panose="020B0609020204030204" pitchFamily="49" charset="0"/>
+            </a:endParaRPr>
+          </a:p>
+          <a:p>
+            <a:r>
+              <a:rPr lang="en-US" altLang="zh-CN" b="0" dirty="0">
+                <a:solidFill>
+                  <a:srgbClr val="333333"/>
+                </a:solidFill>
+                <a:effectLst/>
+                <a:latin typeface="Consolas" panose="020B0609020204030204" pitchFamily="49" charset="0"/>
+              </a:rPr>
+              <a:t>    </a:t>
+            </a:r>
+            <a:r>
+              <a:rPr lang="en-US" altLang="zh-CN" b="0" dirty="0">
+                <a:solidFill>
+                  <a:srgbClr val="93A1A1"/>
+                </a:solidFill>
+                <a:effectLst/>
+                <a:latin typeface="Consolas" panose="020B0609020204030204" pitchFamily="49" charset="0"/>
+              </a:rPr>
+              <a:t>&lt;</a:t>
+            </a:r>
+            <a:r>
+              <a:rPr lang="en-US" altLang="zh-CN" b="0" dirty="0">
+                <a:solidFill>
+                  <a:srgbClr val="268BD2"/>
+                </a:solidFill>
+                <a:effectLst/>
+                <a:latin typeface="Consolas" panose="020B0609020204030204" pitchFamily="49" charset="0"/>
+              </a:rPr>
+              <a:t>p</a:t>
+            </a:r>
+            <a:r>
+              <a:rPr lang="en-US" altLang="zh-CN" b="0" dirty="0">
+                <a:solidFill>
+                  <a:srgbClr val="93A1A1"/>
+                </a:solidFill>
+                <a:effectLst/>
+                <a:latin typeface="Consolas" panose="020B0609020204030204" pitchFamily="49" charset="0"/>
+              </a:rPr>
+              <a:t>&gt;</a:t>
+            </a:r>
+            <a:r>
+              <a:rPr lang="zh-CN" altLang="en-US" b="0" dirty="0">
+                <a:solidFill>
+                  <a:srgbClr val="333333"/>
+                </a:solidFill>
+                <a:effectLst/>
+                <a:latin typeface="Consolas" panose="020B0609020204030204" pitchFamily="49" charset="0"/>
+              </a:rPr>
+              <a:t>学习</a:t>
+            </a:r>
+            <a:r>
+              <a:rPr lang="en-US" altLang="zh-CN" b="0" dirty="0">
+                <a:solidFill>
+                  <a:srgbClr val="93A1A1"/>
+                </a:solidFill>
+                <a:effectLst/>
+                <a:latin typeface="Consolas" panose="020B0609020204030204" pitchFamily="49" charset="0"/>
+              </a:rPr>
+              <a:t>&lt;/</a:t>
+            </a:r>
+            <a:r>
+              <a:rPr lang="en-US" altLang="zh-CN" b="0" dirty="0">
+                <a:solidFill>
+                  <a:srgbClr val="268BD2"/>
+                </a:solidFill>
+                <a:effectLst/>
+                <a:latin typeface="Consolas" panose="020B0609020204030204" pitchFamily="49" charset="0"/>
+              </a:rPr>
+              <a:t>p</a:t>
+            </a:r>
+            <a:r>
+              <a:rPr lang="en-US" altLang="zh-CN" b="0" dirty="0">
+                <a:solidFill>
+                  <a:srgbClr val="93A1A1"/>
+                </a:solidFill>
+                <a:effectLst/>
+                <a:latin typeface="Consolas" panose="020B0609020204030204" pitchFamily="49" charset="0"/>
+              </a:rPr>
+              <a:t>&gt;</a:t>
+            </a:r>
+            <a:endParaRPr lang="en-US" altLang="zh-CN" b="0" dirty="0">
+              <a:solidFill>
+                <a:srgbClr val="333333"/>
+              </a:solidFill>
+              <a:effectLst/>
+              <a:latin typeface="Consolas" panose="020B0609020204030204" pitchFamily="49" charset="0"/>
+            </a:endParaRPr>
+          </a:p>
+          <a:p>
+            <a:r>
+              <a:rPr lang="en-US" altLang="zh-CN" b="0" dirty="0">
+                <a:solidFill>
+                  <a:srgbClr val="333333"/>
+                </a:solidFill>
+                <a:effectLst/>
+                <a:latin typeface="Consolas" panose="020B0609020204030204" pitchFamily="49" charset="0"/>
+              </a:rPr>
+              <a:t>  </a:t>
+            </a:r>
+            <a:r>
+              <a:rPr lang="en-US" altLang="zh-CN" b="0" dirty="0">
+                <a:solidFill>
+                  <a:srgbClr val="93A1A1"/>
+                </a:solidFill>
+                <a:effectLst/>
+                <a:latin typeface="Consolas" panose="020B0609020204030204" pitchFamily="49" charset="0"/>
+              </a:rPr>
+              <a:t>&lt;/</a:t>
+            </a:r>
+            <a:r>
+              <a:rPr lang="en-US" altLang="zh-CN" b="0" dirty="0">
+                <a:solidFill>
+                  <a:srgbClr val="268BD2"/>
+                </a:solidFill>
+                <a:effectLst/>
+                <a:latin typeface="Consolas" panose="020B0609020204030204" pitchFamily="49" charset="0"/>
+              </a:rPr>
+              <a:t>div</a:t>
+            </a:r>
+            <a:r>
+              <a:rPr lang="en-US" altLang="zh-CN" b="0" dirty="0">
+                <a:solidFill>
+                  <a:srgbClr val="93A1A1"/>
+                </a:solidFill>
+                <a:effectLst/>
+                <a:latin typeface="Consolas" panose="020B0609020204030204" pitchFamily="49" charset="0"/>
+              </a:rPr>
+              <a:t>&gt;</a:t>
+            </a:r>
+            <a:endParaRPr lang="en-US" altLang="zh-CN" b="0" dirty="0">
+              <a:solidFill>
+                <a:srgbClr val="333333"/>
+              </a:solidFill>
+              <a:effectLst/>
+              <a:latin typeface="Consolas" panose="020B0609020204030204" pitchFamily="49" charset="0"/>
+            </a:endParaRPr>
+          </a:p>
+        </p:txBody>
+      </p:sp>
+      <p:sp>
+        <p:nvSpPr>
+          <p:cNvPr id="3" name="矩形 2">
+            <a:extLst>
+              <a:ext uri="{FF2B5EF4-FFF2-40B4-BE49-F238E27FC236}">
+                <a16:creationId xmlns:a16="http://schemas.microsoft.com/office/drawing/2014/main" id="{2825D9CD-4572-4FD3-9CCF-293370656FB3}"/>
+              </a:ext>
+            </a:extLst>
+          </p:cNvPr>
+          <p:cNvSpPr/>
+          <p:nvPr/>
+        </p:nvSpPr>
+        <p:spPr>
+          <a:xfrm>
+            <a:off x="6558116" y="839370"/>
+            <a:ext cx="1553497" cy="5620423"/>
+          </a:xfrm>
+          <a:prstGeom prst="rect">
+            <a:avLst/>
+          </a:prstGeom>
+        </p:spPr>
+        <p:style>
+          <a:lnRef idx="2">
+            <a:schemeClr val="accent6"/>
+          </a:lnRef>
+          <a:fillRef idx="1">
+            <a:schemeClr val="lt1"/>
+          </a:fillRef>
+          <a:effectRef idx="0">
+            <a:schemeClr val="accent6"/>
+          </a:effectRef>
+          <a:fontRef idx="minor">
+            <a:schemeClr val="dk1"/>
+          </a:fontRef>
+        </p:style>
+        <p:txBody>
+          <a:bodyPr rtlCol="0" anchor="ctr"/>
+          <a:lstStyle/>
+          <a:p>
+            <a:pPr algn="ctr"/>
+            <a:endParaRPr lang="zh-CN" altLang="en-US" dirty="0"/>
+          </a:p>
+        </p:txBody>
+      </p:sp>
+      <p:sp>
+        <p:nvSpPr>
+          <p:cNvPr id="7" name="文本框 6">
+            <a:extLst>
+              <a:ext uri="{FF2B5EF4-FFF2-40B4-BE49-F238E27FC236}">
+                <a16:creationId xmlns:a16="http://schemas.microsoft.com/office/drawing/2014/main" id="{932D0C44-58B0-4956-9B20-895262106932}"/>
+              </a:ext>
+            </a:extLst>
+          </p:cNvPr>
+          <p:cNvSpPr txBox="1"/>
+          <p:nvPr/>
+        </p:nvSpPr>
+        <p:spPr>
+          <a:xfrm>
+            <a:off x="6989149" y="6459793"/>
+            <a:ext cx="681597" cy="369332"/>
+          </a:xfrm>
+          <a:prstGeom prst="rect">
+            <a:avLst/>
+          </a:prstGeom>
+          <a:noFill/>
+        </p:spPr>
+        <p:txBody>
+          <a:bodyPr wrap="none" rtlCol="0">
+            <a:spAutoFit/>
+          </a:bodyPr>
+          <a:lstStyle/>
+          <a:p>
+            <a:r>
+              <a:rPr lang="en-US" altLang="zh-CN" dirty="0"/>
+              <a:t>stack</a:t>
+            </a:r>
+            <a:endParaRPr lang="zh-CN" altLang="en-US" dirty="0"/>
+          </a:p>
+        </p:txBody>
+      </p:sp>
+      <p:sp>
+        <p:nvSpPr>
+          <p:cNvPr id="11" name="文本框 10">
+            <a:extLst>
+              <a:ext uri="{FF2B5EF4-FFF2-40B4-BE49-F238E27FC236}">
+                <a16:creationId xmlns:a16="http://schemas.microsoft.com/office/drawing/2014/main" id="{06734D3B-F8C0-4C53-9E02-303802F20AD9}"/>
+              </a:ext>
+            </a:extLst>
+          </p:cNvPr>
+          <p:cNvSpPr txBox="1"/>
+          <p:nvPr/>
+        </p:nvSpPr>
+        <p:spPr>
+          <a:xfrm>
+            <a:off x="8986684" y="3429000"/>
+            <a:ext cx="2784737" cy="646331"/>
+          </a:xfrm>
+          <a:prstGeom prst="rect">
+            <a:avLst/>
+          </a:prstGeom>
+          <a:noFill/>
+        </p:spPr>
+        <p:txBody>
+          <a:bodyPr wrap="none" rtlCol="0">
+            <a:spAutoFit/>
+          </a:bodyPr>
+          <a:lstStyle/>
+          <a:p>
+            <a:r>
+              <a:rPr lang="en-US" altLang="zh-CN" dirty="0" err="1"/>
+              <a:t>currentParent</a:t>
+            </a:r>
+            <a:r>
+              <a:rPr lang="en-US" altLang="zh-CN" dirty="0"/>
+              <a:t> = </a:t>
+            </a:r>
+            <a:r>
+              <a:rPr lang="en-US" altLang="zh-CN" dirty="0" err="1"/>
+              <a:t>element1</a:t>
+            </a:r>
+            <a:r>
+              <a:rPr lang="en-US" altLang="zh-CN" dirty="0"/>
+              <a:t>;</a:t>
+            </a:r>
+          </a:p>
+          <a:p>
+            <a:r>
+              <a:rPr lang="en-US" altLang="zh-CN" dirty="0"/>
+              <a:t>root = </a:t>
+            </a:r>
+            <a:r>
+              <a:rPr lang="en-US" altLang="zh-CN" dirty="0" err="1"/>
+              <a:t>element1</a:t>
+            </a:r>
+            <a:r>
+              <a:rPr lang="en-US" altLang="zh-CN" dirty="0"/>
+              <a:t>;</a:t>
+            </a:r>
+          </a:p>
+        </p:txBody>
+      </p:sp>
+      <p:sp>
+        <p:nvSpPr>
+          <p:cNvPr id="2" name="文本框 1">
+            <a:extLst>
+              <a:ext uri="{FF2B5EF4-FFF2-40B4-BE49-F238E27FC236}">
+                <a16:creationId xmlns:a16="http://schemas.microsoft.com/office/drawing/2014/main" id="{CEDBF7B9-C8B5-4829-929E-81A6AEED4C81}"/>
+              </a:ext>
+            </a:extLst>
+          </p:cNvPr>
+          <p:cNvSpPr txBox="1"/>
+          <p:nvPr/>
+        </p:nvSpPr>
+        <p:spPr>
+          <a:xfrm>
+            <a:off x="7091741" y="5939972"/>
+            <a:ext cx="476412" cy="369332"/>
+          </a:xfrm>
+          <a:prstGeom prst="rect">
+            <a:avLst/>
+          </a:prstGeom>
+          <a:noFill/>
+          <a:ln>
+            <a:solidFill>
+              <a:schemeClr val="accent1"/>
+            </a:solidFill>
+          </a:ln>
+        </p:spPr>
+        <p:txBody>
+          <a:bodyPr wrap="none" rtlCol="0">
+            <a:spAutoFit/>
+          </a:bodyPr>
+          <a:lstStyle/>
+          <a:p>
+            <a:r>
+              <a:rPr lang="en-US" altLang="zh-CN" dirty="0"/>
+              <a:t>div</a:t>
+            </a:r>
+            <a:endParaRPr lang="zh-CN" altLang="en-US" dirty="0"/>
+          </a:p>
+        </p:txBody>
+      </p:sp>
+      <p:cxnSp>
+        <p:nvCxnSpPr>
+          <p:cNvPr id="6" name="直接连接符 5">
+            <a:extLst>
+              <a:ext uri="{FF2B5EF4-FFF2-40B4-BE49-F238E27FC236}">
+                <a16:creationId xmlns:a16="http://schemas.microsoft.com/office/drawing/2014/main" id="{1D77ABAE-EAD5-4438-9B7F-6D9C8DAD981D}"/>
+              </a:ext>
+            </a:extLst>
+          </p:cNvPr>
+          <p:cNvCxnSpPr/>
+          <p:nvPr/>
+        </p:nvCxnSpPr>
+        <p:spPr>
+          <a:xfrm>
+            <a:off x="6558116" y="5781368"/>
+            <a:ext cx="1553497" cy="0"/>
+          </a:xfrm>
+          <a:prstGeom prst="line">
+            <a:avLst/>
+          </a:prstGeom>
+        </p:spPr>
+        <p:style>
+          <a:lnRef idx="1">
+            <a:schemeClr val="dk1"/>
+          </a:lnRef>
+          <a:fillRef idx="0">
+            <a:schemeClr val="dk1"/>
+          </a:fillRef>
+          <a:effectRef idx="0">
+            <a:schemeClr val="dk1"/>
+          </a:effectRef>
+          <a:fontRef idx="minor">
+            <a:schemeClr val="tx1"/>
+          </a:fontRef>
+        </p:style>
+      </p:cxnSp>
+      <p:sp>
+        <p:nvSpPr>
+          <p:cNvPr id="8" name="文本框 7">
+            <a:extLst>
+              <a:ext uri="{FF2B5EF4-FFF2-40B4-BE49-F238E27FC236}">
+                <a16:creationId xmlns:a16="http://schemas.microsoft.com/office/drawing/2014/main" id="{D621D075-0EC7-47DD-93E8-279A3048776F}"/>
+              </a:ext>
+            </a:extLst>
+          </p:cNvPr>
+          <p:cNvSpPr txBox="1"/>
+          <p:nvPr/>
+        </p:nvSpPr>
+        <p:spPr>
+          <a:xfrm>
+            <a:off x="8360369" y="5939972"/>
+            <a:ext cx="1107996" cy="369332"/>
+          </a:xfrm>
+          <a:prstGeom prst="rect">
+            <a:avLst/>
+          </a:prstGeom>
+          <a:noFill/>
+        </p:spPr>
+        <p:txBody>
+          <a:bodyPr wrap="none" rtlCol="0">
+            <a:spAutoFit/>
+          </a:bodyPr>
+          <a:lstStyle/>
+          <a:p>
+            <a:r>
+              <a:rPr lang="en-US" altLang="zh-CN" dirty="0" err="1"/>
+              <a:t>element1</a:t>
+            </a:r>
+            <a:endParaRPr lang="zh-CN" altLang="en-US" dirty="0"/>
+          </a:p>
+        </p:txBody>
+      </p:sp>
+    </p:spTree>
+    <p:extLst>
+      <p:ext uri="{BB962C8B-B14F-4D97-AF65-F5344CB8AC3E}">
+        <p14:creationId xmlns:p14="http://schemas.microsoft.com/office/powerpoint/2010/main" val="1073275824"/>
+      </p:ext>
+    </p:extLst>
+  </p:cSld>
+  <p:clrMapOvr>
+    <a:masterClrMapping/>
+  </p:clrMapOvr>
+</p:sld>
+</file>
+
+<file path=ppt/slides/slide5.xml><?xml version="1.0" encoding="utf-8"?>
+<p:sld xmlns:a="http://schemas.openxmlformats.org/drawingml/2006/main" xmlns:r="http://schemas.openxmlformats.org/officeDocument/2006/relationships" xmlns:p="http://schemas.openxmlformats.org/presentationml/2006/main">
+  <p:cSld>
+    <p:spTree>
+      <p:nvGrpSpPr>
+        <p:cNvPr id="1" name=""/>
+        <p:cNvGrpSpPr/>
+        <p:nvPr/>
+      </p:nvGrpSpPr>
+      <p:grpSpPr>
+        <a:xfrm>
+          <a:off x="0" y="0"/>
+          <a:ext cx="0" cy="0"/>
+          <a:chOff x="0" y="0"/>
+          <a:chExt cx="0" cy="0"/>
+        </a:xfrm>
+      </p:grpSpPr>
+      <p:sp>
+        <p:nvSpPr>
+          <p:cNvPr id="9" name="矩形 8">
+            <a:extLst>
+              <a:ext uri="{FF2B5EF4-FFF2-40B4-BE49-F238E27FC236}">
+                <a16:creationId xmlns:a16="http://schemas.microsoft.com/office/drawing/2014/main" id="{4DDFC841-6BB2-42E3-B991-4CA283DFB11B}"/>
+              </a:ext>
+            </a:extLst>
+          </p:cNvPr>
+          <p:cNvSpPr/>
+          <p:nvPr/>
+        </p:nvSpPr>
+        <p:spPr>
+          <a:xfrm>
+            <a:off x="8794323" y="4739148"/>
+            <a:ext cx="3169457" cy="442452"/>
+          </a:xfrm>
+          <a:prstGeom prst="rect">
+            <a:avLst/>
+          </a:prstGeom>
+        </p:spPr>
+        <p:style>
+          <a:lnRef idx="2">
+            <a:schemeClr val="accent6"/>
+          </a:lnRef>
+          <a:fillRef idx="1">
+            <a:schemeClr val="lt1"/>
+          </a:fillRef>
+          <a:effectRef idx="0">
+            <a:schemeClr val="accent6"/>
+          </a:effectRef>
+          <a:fontRef idx="minor">
+            <a:schemeClr val="dk1"/>
+          </a:fontRef>
+        </p:style>
+        <p:txBody>
+          <a:bodyPr rtlCol="0" anchor="ctr"/>
+          <a:lstStyle/>
+          <a:p>
+            <a:pPr algn="ctr"/>
+            <a:endParaRPr lang="zh-CN" altLang="en-US"/>
+          </a:p>
+        </p:txBody>
+      </p:sp>
+      <p:sp>
+        <p:nvSpPr>
+          <p:cNvPr id="4" name="文本框 3">
+            <a:extLst>
+              <a:ext uri="{FF2B5EF4-FFF2-40B4-BE49-F238E27FC236}">
+                <a16:creationId xmlns:a16="http://schemas.microsoft.com/office/drawing/2014/main" id="{B15BAD18-D13C-46A5-9C84-AC685D764DFD}"/>
+              </a:ext>
+            </a:extLst>
+          </p:cNvPr>
+          <p:cNvSpPr txBox="1"/>
+          <p:nvPr/>
+        </p:nvSpPr>
+        <p:spPr>
+          <a:xfrm>
+            <a:off x="213360" y="193040"/>
+            <a:ext cx="1947969" cy="646331"/>
+          </a:xfrm>
+          <a:prstGeom prst="rect">
+            <a:avLst/>
+          </a:prstGeom>
+          <a:noFill/>
+        </p:spPr>
+        <p:txBody>
+          <a:bodyPr wrap="none" rtlCol="0">
+            <a:spAutoFit/>
+          </a:bodyPr>
+          <a:lstStyle/>
+          <a:p>
+            <a:r>
+              <a:rPr lang="en-US" altLang="zh-CN" b="1" dirty="0"/>
+              <a:t>Parse html to </a:t>
+            </a:r>
+            <a:r>
+              <a:rPr lang="en-US" altLang="zh-CN" b="1" dirty="0" err="1"/>
+              <a:t>ast</a:t>
+            </a:r>
+            <a:endParaRPr lang="en-US" altLang="zh-CN" b="1" dirty="0"/>
+          </a:p>
+          <a:p>
+            <a:endParaRPr lang="zh-CN" altLang="en-US" dirty="0"/>
+          </a:p>
+        </p:txBody>
+      </p:sp>
+      <p:sp>
+        <p:nvSpPr>
+          <p:cNvPr id="30" name="文本框 29">
+            <a:extLst>
+              <a:ext uri="{FF2B5EF4-FFF2-40B4-BE49-F238E27FC236}">
+                <a16:creationId xmlns:a16="http://schemas.microsoft.com/office/drawing/2014/main" id="{1A2BEBED-A289-47B7-A7AC-0228CD2FC4DC}"/>
+              </a:ext>
+            </a:extLst>
+          </p:cNvPr>
+          <p:cNvSpPr txBox="1"/>
+          <p:nvPr/>
+        </p:nvSpPr>
+        <p:spPr>
+          <a:xfrm>
+            <a:off x="213360" y="626325"/>
+            <a:ext cx="6096000" cy="1200329"/>
+          </a:xfrm>
+          <a:prstGeom prst="rect">
+            <a:avLst/>
+          </a:prstGeom>
+          <a:noFill/>
+        </p:spPr>
+        <p:txBody>
+          <a:bodyPr wrap="square">
+            <a:spAutoFit/>
+          </a:bodyPr>
+          <a:lstStyle/>
+          <a:p>
+            <a:r>
+              <a:rPr lang="en-US" altLang="zh-CN" b="0" dirty="0">
+                <a:solidFill>
+                  <a:srgbClr val="333333"/>
+                </a:solidFill>
+                <a:effectLst/>
+                <a:latin typeface="Consolas" panose="020B0609020204030204" pitchFamily="49" charset="0"/>
+              </a:rPr>
+              <a:t>    </a:t>
+            </a:r>
+            <a:r>
+              <a:rPr lang="en-US" altLang="zh-CN" b="0" dirty="0">
+                <a:solidFill>
+                  <a:srgbClr val="93A1A1"/>
+                </a:solidFill>
+                <a:effectLst/>
+                <a:latin typeface="Consolas" panose="020B0609020204030204" pitchFamily="49" charset="0"/>
+              </a:rPr>
+              <a:t>&lt;</a:t>
+            </a:r>
+            <a:r>
+              <a:rPr lang="en-US" altLang="zh-CN" b="0" dirty="0">
+                <a:solidFill>
+                  <a:srgbClr val="268BD2"/>
+                </a:solidFill>
+                <a:effectLst/>
+                <a:latin typeface="Consolas" panose="020B0609020204030204" pitchFamily="49" charset="0"/>
+              </a:rPr>
+              <a:t>span</a:t>
+            </a:r>
+            <a:r>
+              <a:rPr lang="en-US" altLang="zh-CN" b="0" dirty="0">
+                <a:solidFill>
+                  <a:srgbClr val="333333"/>
+                </a:solidFill>
+                <a:effectLst/>
+                <a:latin typeface="Consolas" panose="020B0609020204030204" pitchFamily="49" charset="0"/>
+              </a:rPr>
+              <a:t> </a:t>
+            </a:r>
+            <a:r>
+              <a:rPr lang="en-US" altLang="zh-CN" b="0" dirty="0">
+                <a:solidFill>
+                  <a:srgbClr val="93A1A1"/>
+                </a:solidFill>
+                <a:effectLst/>
+                <a:latin typeface="Consolas" panose="020B0609020204030204" pitchFamily="49" charset="0"/>
+              </a:rPr>
+              <a:t>class</a:t>
+            </a:r>
+            <a:r>
+              <a:rPr lang="en-US" altLang="zh-CN" b="0" dirty="0">
+                <a:solidFill>
+                  <a:srgbClr val="333333"/>
+                </a:solidFill>
+                <a:effectLst/>
+                <a:latin typeface="Consolas" panose="020B0609020204030204" pitchFamily="49" charset="0"/>
+              </a:rPr>
+              <a:t>=</a:t>
+            </a:r>
+            <a:r>
+              <a:rPr lang="en-US" altLang="zh-CN" b="0" dirty="0">
+                <a:solidFill>
+                  <a:srgbClr val="519657"/>
+                </a:solidFill>
+                <a:effectLst/>
+                <a:latin typeface="Consolas" panose="020B0609020204030204" pitchFamily="49" charset="0"/>
+              </a:rPr>
+              <a:t>"text"</a:t>
+            </a:r>
+            <a:r>
+              <a:rPr lang="en-US" altLang="zh-CN" b="0" dirty="0">
+                <a:solidFill>
+                  <a:srgbClr val="333333"/>
+                </a:solidFill>
+                <a:effectLst/>
+                <a:latin typeface="Consolas" panose="020B0609020204030204" pitchFamily="49" charset="0"/>
+              </a:rPr>
+              <a:t> </a:t>
+            </a:r>
+            <a:r>
+              <a:rPr lang="en-US" altLang="zh-CN" b="0" dirty="0">
+                <a:solidFill>
+                  <a:srgbClr val="93A1A1"/>
+                </a:solidFill>
+                <a:effectLst/>
+                <a:latin typeface="Consolas" panose="020B0609020204030204" pitchFamily="49" charset="0"/>
+              </a:rPr>
+              <a:t>style</a:t>
+            </a:r>
+            <a:r>
+              <a:rPr lang="en-US" altLang="zh-CN" b="0" dirty="0">
+                <a:solidFill>
+                  <a:srgbClr val="333333"/>
+                </a:solidFill>
+                <a:effectLst/>
+                <a:latin typeface="Consolas" panose="020B0609020204030204" pitchFamily="49" charset="0"/>
+              </a:rPr>
+              <a:t>=</a:t>
+            </a:r>
+            <a:r>
+              <a:rPr lang="en-US" altLang="zh-CN" b="0" dirty="0">
+                <a:solidFill>
+                  <a:srgbClr val="519657"/>
+                </a:solidFill>
+                <a:effectLst/>
+                <a:latin typeface="Consolas" panose="020B0609020204030204" pitchFamily="49" charset="0"/>
+              </a:rPr>
+              <a:t>"color: green"</a:t>
+            </a:r>
+            <a:r>
+              <a:rPr lang="en-US" altLang="zh-CN" b="0" dirty="0">
+                <a:solidFill>
+                  <a:srgbClr val="93A1A1"/>
+                </a:solidFill>
+                <a:effectLst/>
+                <a:latin typeface="Consolas" panose="020B0609020204030204" pitchFamily="49" charset="0"/>
+              </a:rPr>
+              <a:t>&gt;</a:t>
+            </a:r>
+            <a:r>
+              <a:rPr lang="en-US" altLang="zh-CN" b="0" dirty="0">
+                <a:solidFill>
+                  <a:srgbClr val="333333"/>
+                </a:solidFill>
+                <a:effectLst/>
+                <a:latin typeface="Consolas" panose="020B0609020204030204" pitchFamily="49" charset="0"/>
+              </a:rPr>
+              <a:t>{{</a:t>
+            </a:r>
+            <a:r>
+              <a:rPr lang="en-US" altLang="zh-CN" b="0" dirty="0" err="1">
+                <a:solidFill>
+                  <a:srgbClr val="333333"/>
+                </a:solidFill>
+                <a:effectLst/>
+                <a:latin typeface="Consolas" panose="020B0609020204030204" pitchFamily="49" charset="0"/>
+              </a:rPr>
+              <a:t>info.job</a:t>
+            </a:r>
+            <a:r>
+              <a:rPr lang="en-US" altLang="zh-CN" b="0" dirty="0">
+                <a:solidFill>
+                  <a:srgbClr val="333333"/>
+                </a:solidFill>
+                <a:effectLst/>
+                <a:latin typeface="Consolas" panose="020B0609020204030204" pitchFamily="49" charset="0"/>
+              </a:rPr>
+              <a:t>}}</a:t>
+            </a:r>
+            <a:r>
+              <a:rPr lang="en-US" altLang="zh-CN" b="0" dirty="0">
+                <a:solidFill>
+                  <a:srgbClr val="93A1A1"/>
+                </a:solidFill>
+                <a:effectLst/>
+                <a:latin typeface="Consolas" panose="020B0609020204030204" pitchFamily="49" charset="0"/>
+              </a:rPr>
+              <a:t>&lt;/</a:t>
+            </a:r>
+            <a:r>
+              <a:rPr lang="en-US" altLang="zh-CN" b="0" dirty="0">
+                <a:solidFill>
+                  <a:srgbClr val="268BD2"/>
+                </a:solidFill>
+                <a:effectLst/>
+                <a:latin typeface="Consolas" panose="020B0609020204030204" pitchFamily="49" charset="0"/>
+              </a:rPr>
+              <a:t>span</a:t>
+            </a:r>
+            <a:r>
+              <a:rPr lang="en-US" altLang="zh-CN" b="0" dirty="0">
+                <a:solidFill>
+                  <a:srgbClr val="93A1A1"/>
+                </a:solidFill>
+                <a:effectLst/>
+                <a:latin typeface="Consolas" panose="020B0609020204030204" pitchFamily="49" charset="0"/>
+              </a:rPr>
+              <a:t>&gt;</a:t>
+            </a:r>
+            <a:endParaRPr lang="en-US" altLang="zh-CN" b="0" dirty="0">
+              <a:solidFill>
+                <a:srgbClr val="333333"/>
+              </a:solidFill>
+              <a:effectLst/>
+              <a:latin typeface="Consolas" panose="020B0609020204030204" pitchFamily="49" charset="0"/>
+            </a:endParaRPr>
+          </a:p>
+          <a:p>
+            <a:r>
+              <a:rPr lang="en-US" altLang="zh-CN" b="0" dirty="0">
+                <a:solidFill>
+                  <a:srgbClr val="333333"/>
+                </a:solidFill>
+                <a:effectLst/>
+                <a:latin typeface="Consolas" panose="020B0609020204030204" pitchFamily="49" charset="0"/>
+              </a:rPr>
+              <a:t>    </a:t>
+            </a:r>
+            <a:r>
+              <a:rPr lang="en-US" altLang="zh-CN" b="0" dirty="0">
+                <a:solidFill>
+                  <a:srgbClr val="93A1A1"/>
+                </a:solidFill>
+                <a:effectLst/>
+                <a:latin typeface="Consolas" panose="020B0609020204030204" pitchFamily="49" charset="0"/>
+              </a:rPr>
+              <a:t>&lt;</a:t>
+            </a:r>
+            <a:r>
+              <a:rPr lang="en-US" altLang="zh-CN" b="0" dirty="0">
+                <a:solidFill>
+                  <a:srgbClr val="268BD2"/>
+                </a:solidFill>
+                <a:effectLst/>
+                <a:latin typeface="Consolas" panose="020B0609020204030204" pitchFamily="49" charset="0"/>
+              </a:rPr>
+              <a:t>p</a:t>
+            </a:r>
+            <a:r>
+              <a:rPr lang="en-US" altLang="zh-CN" b="0" dirty="0">
+                <a:solidFill>
+                  <a:srgbClr val="93A1A1"/>
+                </a:solidFill>
+                <a:effectLst/>
+                <a:latin typeface="Consolas" panose="020B0609020204030204" pitchFamily="49" charset="0"/>
+              </a:rPr>
+              <a:t>&gt;</a:t>
+            </a:r>
+            <a:r>
+              <a:rPr lang="zh-CN" altLang="en-US" b="0" dirty="0">
+                <a:solidFill>
+                  <a:srgbClr val="333333"/>
+                </a:solidFill>
+                <a:effectLst/>
+                <a:latin typeface="Consolas" panose="020B0609020204030204" pitchFamily="49" charset="0"/>
+              </a:rPr>
+              <a:t>学习</a:t>
+            </a:r>
+            <a:r>
+              <a:rPr lang="en-US" altLang="zh-CN" b="0" dirty="0">
+                <a:solidFill>
+                  <a:srgbClr val="93A1A1"/>
+                </a:solidFill>
+                <a:effectLst/>
+                <a:latin typeface="Consolas" panose="020B0609020204030204" pitchFamily="49" charset="0"/>
+              </a:rPr>
+              <a:t>&lt;/</a:t>
+            </a:r>
+            <a:r>
+              <a:rPr lang="en-US" altLang="zh-CN" b="0" dirty="0">
+                <a:solidFill>
+                  <a:srgbClr val="268BD2"/>
+                </a:solidFill>
+                <a:effectLst/>
+                <a:latin typeface="Consolas" panose="020B0609020204030204" pitchFamily="49" charset="0"/>
+              </a:rPr>
+              <a:t>p</a:t>
+            </a:r>
+            <a:r>
+              <a:rPr lang="en-US" altLang="zh-CN" b="0" dirty="0">
+                <a:solidFill>
+                  <a:srgbClr val="93A1A1"/>
+                </a:solidFill>
+                <a:effectLst/>
+                <a:latin typeface="Consolas" panose="020B0609020204030204" pitchFamily="49" charset="0"/>
+              </a:rPr>
+              <a:t>&gt;</a:t>
+            </a:r>
+            <a:endParaRPr lang="en-US" altLang="zh-CN" b="0" dirty="0">
+              <a:solidFill>
+                <a:srgbClr val="333333"/>
+              </a:solidFill>
+              <a:effectLst/>
+              <a:latin typeface="Consolas" panose="020B0609020204030204" pitchFamily="49" charset="0"/>
+            </a:endParaRPr>
+          </a:p>
+          <a:p>
+            <a:r>
+              <a:rPr lang="en-US" altLang="zh-CN" b="0" dirty="0">
+                <a:solidFill>
+                  <a:srgbClr val="333333"/>
+                </a:solidFill>
+                <a:effectLst/>
+                <a:latin typeface="Consolas" panose="020B0609020204030204" pitchFamily="49" charset="0"/>
+              </a:rPr>
+              <a:t>  </a:t>
+            </a:r>
+            <a:r>
+              <a:rPr lang="en-US" altLang="zh-CN" b="0" dirty="0">
+                <a:solidFill>
+                  <a:srgbClr val="93A1A1"/>
+                </a:solidFill>
+                <a:effectLst/>
+                <a:latin typeface="Consolas" panose="020B0609020204030204" pitchFamily="49" charset="0"/>
+              </a:rPr>
+              <a:t>&lt;/</a:t>
+            </a:r>
+            <a:r>
+              <a:rPr lang="en-US" altLang="zh-CN" b="0" dirty="0">
+                <a:solidFill>
+                  <a:srgbClr val="268BD2"/>
+                </a:solidFill>
+                <a:effectLst/>
+                <a:latin typeface="Consolas" panose="020B0609020204030204" pitchFamily="49" charset="0"/>
+              </a:rPr>
+              <a:t>div</a:t>
+            </a:r>
+            <a:r>
+              <a:rPr lang="en-US" altLang="zh-CN" b="0" dirty="0">
+                <a:solidFill>
+                  <a:srgbClr val="93A1A1"/>
+                </a:solidFill>
+                <a:effectLst/>
+                <a:latin typeface="Consolas" panose="020B0609020204030204" pitchFamily="49" charset="0"/>
+              </a:rPr>
+              <a:t>&gt;</a:t>
+            </a:r>
+            <a:endParaRPr lang="en-US" altLang="zh-CN" b="0" dirty="0">
+              <a:solidFill>
+                <a:srgbClr val="333333"/>
+              </a:solidFill>
+              <a:effectLst/>
+              <a:latin typeface="Consolas" panose="020B0609020204030204" pitchFamily="49" charset="0"/>
+            </a:endParaRPr>
+          </a:p>
+        </p:txBody>
+      </p:sp>
+      <p:sp>
+        <p:nvSpPr>
+          <p:cNvPr id="3" name="矩形 2">
+            <a:extLst>
+              <a:ext uri="{FF2B5EF4-FFF2-40B4-BE49-F238E27FC236}">
+                <a16:creationId xmlns:a16="http://schemas.microsoft.com/office/drawing/2014/main" id="{2825D9CD-4572-4FD3-9CCF-293370656FB3}"/>
+              </a:ext>
+            </a:extLst>
+          </p:cNvPr>
+          <p:cNvSpPr/>
+          <p:nvPr/>
+        </p:nvSpPr>
+        <p:spPr>
+          <a:xfrm>
+            <a:off x="6558116" y="839370"/>
+            <a:ext cx="1553497" cy="5620423"/>
+          </a:xfrm>
+          <a:prstGeom prst="rect">
+            <a:avLst/>
+          </a:prstGeom>
+        </p:spPr>
+        <p:style>
+          <a:lnRef idx="2">
+            <a:schemeClr val="accent6"/>
+          </a:lnRef>
+          <a:fillRef idx="1">
+            <a:schemeClr val="lt1"/>
+          </a:fillRef>
+          <a:effectRef idx="0">
+            <a:schemeClr val="accent6"/>
+          </a:effectRef>
+          <a:fontRef idx="minor">
+            <a:schemeClr val="dk1"/>
+          </a:fontRef>
+        </p:style>
+        <p:txBody>
+          <a:bodyPr rtlCol="0" anchor="ctr"/>
+          <a:lstStyle/>
+          <a:p>
+            <a:pPr algn="ctr"/>
+            <a:endParaRPr lang="zh-CN" altLang="en-US" dirty="0"/>
+          </a:p>
+        </p:txBody>
+      </p:sp>
+      <p:sp>
+        <p:nvSpPr>
+          <p:cNvPr id="7" name="文本框 6">
+            <a:extLst>
+              <a:ext uri="{FF2B5EF4-FFF2-40B4-BE49-F238E27FC236}">
+                <a16:creationId xmlns:a16="http://schemas.microsoft.com/office/drawing/2014/main" id="{932D0C44-58B0-4956-9B20-895262106932}"/>
+              </a:ext>
+            </a:extLst>
+          </p:cNvPr>
+          <p:cNvSpPr txBox="1"/>
+          <p:nvPr/>
+        </p:nvSpPr>
+        <p:spPr>
+          <a:xfrm>
+            <a:off x="6989149" y="6459793"/>
+            <a:ext cx="681597" cy="369332"/>
+          </a:xfrm>
+          <a:prstGeom prst="rect">
+            <a:avLst/>
+          </a:prstGeom>
+          <a:noFill/>
+        </p:spPr>
+        <p:txBody>
+          <a:bodyPr wrap="none" rtlCol="0">
+            <a:spAutoFit/>
+          </a:bodyPr>
+          <a:lstStyle/>
+          <a:p>
+            <a:r>
+              <a:rPr lang="en-US" altLang="zh-CN" dirty="0"/>
+              <a:t>stack</a:t>
+            </a:r>
+            <a:endParaRPr lang="zh-CN" altLang="en-US" dirty="0"/>
+          </a:p>
+        </p:txBody>
+      </p:sp>
+      <p:sp>
+        <p:nvSpPr>
+          <p:cNvPr id="11" name="文本框 10">
+            <a:extLst>
+              <a:ext uri="{FF2B5EF4-FFF2-40B4-BE49-F238E27FC236}">
+                <a16:creationId xmlns:a16="http://schemas.microsoft.com/office/drawing/2014/main" id="{06734D3B-F8C0-4C53-9E02-303802F20AD9}"/>
+              </a:ext>
+            </a:extLst>
+          </p:cNvPr>
+          <p:cNvSpPr txBox="1"/>
+          <p:nvPr/>
+        </p:nvSpPr>
+        <p:spPr>
+          <a:xfrm>
+            <a:off x="8794323" y="3429000"/>
+            <a:ext cx="2784737" cy="646331"/>
+          </a:xfrm>
+          <a:prstGeom prst="rect">
+            <a:avLst/>
+          </a:prstGeom>
+          <a:noFill/>
+        </p:spPr>
+        <p:txBody>
+          <a:bodyPr wrap="none" rtlCol="0">
+            <a:spAutoFit/>
+          </a:bodyPr>
+          <a:lstStyle/>
+          <a:p>
+            <a:r>
+              <a:rPr lang="en-US" altLang="zh-CN" dirty="0" err="1"/>
+              <a:t>currentParent</a:t>
+            </a:r>
+            <a:r>
+              <a:rPr lang="en-US" altLang="zh-CN" dirty="0"/>
+              <a:t> = </a:t>
+            </a:r>
+            <a:r>
+              <a:rPr lang="en-US" altLang="zh-CN" dirty="0" err="1"/>
+              <a:t>element1</a:t>
+            </a:r>
+            <a:r>
+              <a:rPr lang="en-US" altLang="zh-CN" dirty="0"/>
+              <a:t>;</a:t>
+            </a:r>
+          </a:p>
+          <a:p>
+            <a:r>
+              <a:rPr lang="en-US" altLang="zh-CN" dirty="0"/>
+              <a:t>root = </a:t>
+            </a:r>
+            <a:r>
+              <a:rPr lang="en-US" altLang="zh-CN" dirty="0" err="1"/>
+              <a:t>element1</a:t>
+            </a:r>
+            <a:r>
+              <a:rPr lang="en-US" altLang="zh-CN" dirty="0"/>
+              <a:t>;</a:t>
+            </a:r>
+          </a:p>
+        </p:txBody>
+      </p:sp>
+      <p:sp>
+        <p:nvSpPr>
+          <p:cNvPr id="2" name="文本框 1">
+            <a:extLst>
+              <a:ext uri="{FF2B5EF4-FFF2-40B4-BE49-F238E27FC236}">
+                <a16:creationId xmlns:a16="http://schemas.microsoft.com/office/drawing/2014/main" id="{CEDBF7B9-C8B5-4829-929E-81A6AEED4C81}"/>
+              </a:ext>
+            </a:extLst>
+          </p:cNvPr>
+          <p:cNvSpPr txBox="1"/>
+          <p:nvPr/>
+        </p:nvSpPr>
+        <p:spPr>
+          <a:xfrm>
+            <a:off x="7091741" y="5939972"/>
+            <a:ext cx="476412" cy="369332"/>
+          </a:xfrm>
+          <a:prstGeom prst="rect">
+            <a:avLst/>
+          </a:prstGeom>
+          <a:noFill/>
+          <a:ln>
+            <a:solidFill>
+              <a:schemeClr val="accent1"/>
+            </a:solidFill>
+          </a:ln>
+        </p:spPr>
+        <p:txBody>
+          <a:bodyPr wrap="none" rtlCol="0">
+            <a:spAutoFit/>
+          </a:bodyPr>
+          <a:lstStyle/>
+          <a:p>
+            <a:r>
+              <a:rPr lang="en-US" altLang="zh-CN" dirty="0"/>
+              <a:t>div</a:t>
+            </a:r>
+            <a:endParaRPr lang="zh-CN" altLang="en-US" dirty="0"/>
+          </a:p>
+        </p:txBody>
+      </p:sp>
+      <p:cxnSp>
+        <p:nvCxnSpPr>
+          <p:cNvPr id="6" name="直接连接符 5">
+            <a:extLst>
+              <a:ext uri="{FF2B5EF4-FFF2-40B4-BE49-F238E27FC236}">
+                <a16:creationId xmlns:a16="http://schemas.microsoft.com/office/drawing/2014/main" id="{1D77ABAE-EAD5-4438-9B7F-6D9C8DAD981D}"/>
+              </a:ext>
+            </a:extLst>
+          </p:cNvPr>
+          <p:cNvCxnSpPr/>
+          <p:nvPr/>
+        </p:nvCxnSpPr>
+        <p:spPr>
+          <a:xfrm>
+            <a:off x="6558116" y="5781368"/>
+            <a:ext cx="1553497" cy="0"/>
+          </a:xfrm>
+          <a:prstGeom prst="line">
+            <a:avLst/>
+          </a:prstGeom>
+        </p:spPr>
+        <p:style>
+          <a:lnRef idx="1">
+            <a:schemeClr val="dk1"/>
+          </a:lnRef>
+          <a:fillRef idx="0">
+            <a:schemeClr val="dk1"/>
+          </a:fillRef>
+          <a:effectRef idx="0">
+            <a:schemeClr val="dk1"/>
+          </a:effectRef>
+          <a:fontRef idx="minor">
+            <a:schemeClr val="tx1"/>
+          </a:fontRef>
+        </p:style>
+      </p:cxnSp>
+      <p:sp>
+        <p:nvSpPr>
+          <p:cNvPr id="8" name="文本框 7">
+            <a:extLst>
+              <a:ext uri="{FF2B5EF4-FFF2-40B4-BE49-F238E27FC236}">
+                <a16:creationId xmlns:a16="http://schemas.microsoft.com/office/drawing/2014/main" id="{D621D075-0EC7-47DD-93E8-279A3048776F}"/>
+              </a:ext>
+            </a:extLst>
+          </p:cNvPr>
+          <p:cNvSpPr txBox="1"/>
+          <p:nvPr/>
+        </p:nvSpPr>
+        <p:spPr>
+          <a:xfrm>
+            <a:off x="8360369" y="5939972"/>
+            <a:ext cx="1107996" cy="369332"/>
+          </a:xfrm>
+          <a:prstGeom prst="rect">
+            <a:avLst/>
+          </a:prstGeom>
+          <a:noFill/>
+        </p:spPr>
+        <p:txBody>
+          <a:bodyPr wrap="none" rtlCol="0">
+            <a:spAutoFit/>
+          </a:bodyPr>
+          <a:lstStyle/>
+          <a:p>
+            <a:r>
+              <a:rPr lang="en-US" altLang="zh-CN" dirty="0" err="1"/>
+              <a:t>element1</a:t>
+            </a:r>
+            <a:endParaRPr lang="zh-CN" altLang="en-US" dirty="0"/>
+          </a:p>
+        </p:txBody>
+      </p:sp>
+      <p:sp>
+        <p:nvSpPr>
+          <p:cNvPr id="5" name="文本框 4">
+            <a:extLst>
+              <a:ext uri="{FF2B5EF4-FFF2-40B4-BE49-F238E27FC236}">
+                <a16:creationId xmlns:a16="http://schemas.microsoft.com/office/drawing/2014/main" id="{FC875507-79AA-4D8F-9A43-145CF2EB6C8F}"/>
+              </a:ext>
+            </a:extLst>
+          </p:cNvPr>
+          <p:cNvSpPr txBox="1"/>
+          <p:nvPr/>
+        </p:nvSpPr>
+        <p:spPr>
+          <a:xfrm>
+            <a:off x="8794323" y="4739148"/>
+            <a:ext cx="3169457" cy="369332"/>
+          </a:xfrm>
+          <a:prstGeom prst="rect">
+            <a:avLst/>
+          </a:prstGeom>
+          <a:noFill/>
+        </p:spPr>
+        <p:txBody>
+          <a:bodyPr wrap="none" rtlCol="0">
+            <a:spAutoFit/>
+          </a:bodyPr>
+          <a:lstStyle/>
+          <a:p>
+            <a:r>
+              <a:rPr lang="en-US" altLang="zh-CN" dirty="0" err="1"/>
+              <a:t>currentParent.push</a:t>
+            </a:r>
+            <a:r>
+              <a:rPr lang="en-US" altLang="zh-CN" dirty="0"/>
+              <a:t>(</a:t>
+            </a:r>
+            <a:r>
+              <a:rPr lang="en-US" altLang="zh-CN" dirty="0" err="1"/>
+              <a:t>textNode</a:t>
+            </a:r>
+            <a:r>
+              <a:rPr lang="en-US" altLang="zh-CN" dirty="0"/>
+              <a:t>);</a:t>
+            </a:r>
+            <a:endParaRPr lang="zh-CN" altLang="en-US" dirty="0"/>
+          </a:p>
+        </p:txBody>
+      </p:sp>
+    </p:spTree>
+    <p:extLst>
+      <p:ext uri="{BB962C8B-B14F-4D97-AF65-F5344CB8AC3E}">
+        <p14:creationId xmlns:p14="http://schemas.microsoft.com/office/powerpoint/2010/main" val="508231625"/>
+      </p:ext>
+    </p:extLst>
+  </p:cSld>
+  <p:clrMapOvr>
+    <a:masterClrMapping/>
+  </p:clrMapOvr>
+</p:sld>
+</file>
+
+<file path=ppt/slides/slide6.xml><?xml version="1.0" encoding="utf-8"?>
+<p:sld xmlns:a="http://schemas.openxmlformats.org/drawingml/2006/main" xmlns:r="http://schemas.openxmlformats.org/officeDocument/2006/relationships" xmlns:p="http://schemas.openxmlformats.org/presentationml/2006/main">
+  <p:cSld>
+    <p:spTree>
+      <p:nvGrpSpPr>
+        <p:cNvPr id="1" name=""/>
+        <p:cNvGrpSpPr/>
+        <p:nvPr/>
+      </p:nvGrpSpPr>
+      <p:grpSpPr>
+        <a:xfrm>
+          <a:off x="0" y="0"/>
+          <a:ext cx="0" cy="0"/>
+          <a:chOff x="0" y="0"/>
+          <a:chExt cx="0" cy="0"/>
+        </a:xfrm>
+      </p:grpSpPr>
+      <p:sp>
+        <p:nvSpPr>
+          <p:cNvPr id="4" name="文本框 3">
+            <a:extLst>
+              <a:ext uri="{FF2B5EF4-FFF2-40B4-BE49-F238E27FC236}">
+                <a16:creationId xmlns:a16="http://schemas.microsoft.com/office/drawing/2014/main" id="{B15BAD18-D13C-46A5-9C84-AC685D764DFD}"/>
+              </a:ext>
+            </a:extLst>
+          </p:cNvPr>
+          <p:cNvSpPr txBox="1"/>
+          <p:nvPr/>
+        </p:nvSpPr>
+        <p:spPr>
+          <a:xfrm>
+            <a:off x="213360" y="193040"/>
+            <a:ext cx="1947969" cy="646331"/>
+          </a:xfrm>
+          <a:prstGeom prst="rect">
+            <a:avLst/>
+          </a:prstGeom>
+          <a:noFill/>
+        </p:spPr>
+        <p:txBody>
+          <a:bodyPr wrap="none" rtlCol="0">
+            <a:spAutoFit/>
+          </a:bodyPr>
+          <a:lstStyle/>
+          <a:p>
+            <a:r>
+              <a:rPr lang="en-US" altLang="zh-CN" b="1" dirty="0"/>
+              <a:t>Parse html to </a:t>
+            </a:r>
+            <a:r>
+              <a:rPr lang="en-US" altLang="zh-CN" b="1" dirty="0" err="1"/>
+              <a:t>ast</a:t>
+            </a:r>
+            <a:endParaRPr lang="en-US" altLang="zh-CN" b="1" dirty="0"/>
+          </a:p>
+          <a:p>
+            <a:endParaRPr lang="zh-CN" altLang="en-US" dirty="0"/>
+          </a:p>
+        </p:txBody>
+      </p:sp>
+      <p:sp>
+        <p:nvSpPr>
+          <p:cNvPr id="30" name="文本框 29">
+            <a:extLst>
+              <a:ext uri="{FF2B5EF4-FFF2-40B4-BE49-F238E27FC236}">
+                <a16:creationId xmlns:a16="http://schemas.microsoft.com/office/drawing/2014/main" id="{1A2BEBED-A289-47B7-A7AC-0228CD2FC4DC}"/>
+              </a:ext>
+            </a:extLst>
+          </p:cNvPr>
+          <p:cNvSpPr txBox="1"/>
+          <p:nvPr/>
+        </p:nvSpPr>
+        <p:spPr>
+          <a:xfrm>
+            <a:off x="213360" y="626325"/>
+            <a:ext cx="6096000" cy="923330"/>
+          </a:xfrm>
+          <a:prstGeom prst="rect">
+            <a:avLst/>
+          </a:prstGeom>
+          <a:noFill/>
+        </p:spPr>
+        <p:txBody>
+          <a:bodyPr wrap="square">
+            <a:spAutoFit/>
+          </a:bodyPr>
+          <a:lstStyle/>
+          <a:p>
+            <a:r>
+              <a:rPr lang="en-US" altLang="zh-CN" b="0" dirty="0">
+                <a:solidFill>
+                  <a:srgbClr val="333333"/>
+                </a:solidFill>
+                <a:effectLst/>
+                <a:latin typeface="Consolas" panose="020B0609020204030204" pitchFamily="49" charset="0"/>
+              </a:rPr>
+              <a:t>    </a:t>
+            </a:r>
+            <a:r>
+              <a:rPr lang="en-US" altLang="zh-CN" b="0" dirty="0">
+                <a:solidFill>
+                  <a:srgbClr val="93A1A1"/>
+                </a:solidFill>
+                <a:effectLst/>
+                <a:latin typeface="Consolas" panose="020B0609020204030204" pitchFamily="49" charset="0"/>
+              </a:rPr>
+              <a:t> </a:t>
+            </a:r>
+            <a:r>
+              <a:rPr lang="en-US" altLang="zh-CN" b="0" dirty="0">
+                <a:solidFill>
+                  <a:srgbClr val="333333"/>
+                </a:solidFill>
+                <a:effectLst/>
+                <a:latin typeface="Consolas" panose="020B0609020204030204" pitchFamily="49" charset="0"/>
+              </a:rPr>
+              <a:t>{{</a:t>
+            </a:r>
+            <a:r>
+              <a:rPr lang="en-US" altLang="zh-CN" b="0" dirty="0" err="1">
+                <a:solidFill>
+                  <a:srgbClr val="333333"/>
+                </a:solidFill>
+                <a:effectLst/>
+                <a:latin typeface="Consolas" panose="020B0609020204030204" pitchFamily="49" charset="0"/>
+              </a:rPr>
+              <a:t>info.job</a:t>
+            </a:r>
+            <a:r>
+              <a:rPr lang="en-US" altLang="zh-CN" b="0" dirty="0">
+                <a:solidFill>
+                  <a:srgbClr val="333333"/>
+                </a:solidFill>
+                <a:effectLst/>
+                <a:latin typeface="Consolas" panose="020B0609020204030204" pitchFamily="49" charset="0"/>
+              </a:rPr>
+              <a:t>}}</a:t>
+            </a:r>
+            <a:r>
+              <a:rPr lang="en-US" altLang="zh-CN" b="0" dirty="0">
+                <a:solidFill>
+                  <a:srgbClr val="93A1A1"/>
+                </a:solidFill>
+                <a:effectLst/>
+                <a:latin typeface="Consolas" panose="020B0609020204030204" pitchFamily="49" charset="0"/>
+              </a:rPr>
+              <a:t>&lt;/</a:t>
+            </a:r>
+            <a:r>
+              <a:rPr lang="en-US" altLang="zh-CN" b="0" dirty="0">
+                <a:solidFill>
+                  <a:srgbClr val="268BD2"/>
+                </a:solidFill>
+                <a:effectLst/>
+                <a:latin typeface="Consolas" panose="020B0609020204030204" pitchFamily="49" charset="0"/>
+              </a:rPr>
+              <a:t>span</a:t>
+            </a:r>
+            <a:r>
+              <a:rPr lang="en-US" altLang="zh-CN" b="0" dirty="0">
+                <a:solidFill>
+                  <a:srgbClr val="93A1A1"/>
+                </a:solidFill>
+                <a:effectLst/>
+                <a:latin typeface="Consolas" panose="020B0609020204030204" pitchFamily="49" charset="0"/>
+              </a:rPr>
+              <a:t>&gt;</a:t>
+            </a:r>
+            <a:endParaRPr lang="en-US" altLang="zh-CN" b="0" dirty="0">
+              <a:solidFill>
+                <a:srgbClr val="333333"/>
+              </a:solidFill>
+              <a:effectLst/>
+              <a:latin typeface="Consolas" panose="020B0609020204030204" pitchFamily="49" charset="0"/>
+            </a:endParaRPr>
+          </a:p>
+          <a:p>
+            <a:r>
+              <a:rPr lang="en-US" altLang="zh-CN" b="0" dirty="0">
+                <a:solidFill>
+                  <a:srgbClr val="333333"/>
+                </a:solidFill>
+                <a:effectLst/>
+                <a:latin typeface="Consolas" panose="020B0609020204030204" pitchFamily="49" charset="0"/>
+              </a:rPr>
+              <a:t>    </a:t>
+            </a:r>
+            <a:r>
+              <a:rPr lang="en-US" altLang="zh-CN" b="0" dirty="0">
+                <a:solidFill>
+                  <a:srgbClr val="93A1A1"/>
+                </a:solidFill>
+                <a:effectLst/>
+                <a:latin typeface="Consolas" panose="020B0609020204030204" pitchFamily="49" charset="0"/>
+              </a:rPr>
+              <a:t>&lt;</a:t>
+            </a:r>
+            <a:r>
+              <a:rPr lang="en-US" altLang="zh-CN" b="0" dirty="0">
+                <a:solidFill>
+                  <a:srgbClr val="268BD2"/>
+                </a:solidFill>
+                <a:effectLst/>
+                <a:latin typeface="Consolas" panose="020B0609020204030204" pitchFamily="49" charset="0"/>
+              </a:rPr>
+              <a:t>p</a:t>
+            </a:r>
+            <a:r>
+              <a:rPr lang="en-US" altLang="zh-CN" b="0" dirty="0">
+                <a:solidFill>
+                  <a:srgbClr val="93A1A1"/>
+                </a:solidFill>
+                <a:effectLst/>
+                <a:latin typeface="Consolas" panose="020B0609020204030204" pitchFamily="49" charset="0"/>
+              </a:rPr>
+              <a:t>&gt;</a:t>
+            </a:r>
+            <a:r>
+              <a:rPr lang="zh-CN" altLang="en-US" b="0" dirty="0">
+                <a:solidFill>
+                  <a:srgbClr val="333333"/>
+                </a:solidFill>
+                <a:effectLst/>
+                <a:latin typeface="Consolas" panose="020B0609020204030204" pitchFamily="49" charset="0"/>
+              </a:rPr>
+              <a:t>学习</a:t>
+            </a:r>
+            <a:r>
+              <a:rPr lang="en-US" altLang="zh-CN" b="0" dirty="0">
+                <a:solidFill>
+                  <a:srgbClr val="93A1A1"/>
+                </a:solidFill>
+                <a:effectLst/>
+                <a:latin typeface="Consolas" panose="020B0609020204030204" pitchFamily="49" charset="0"/>
+              </a:rPr>
+              <a:t>&lt;/</a:t>
+            </a:r>
+            <a:r>
+              <a:rPr lang="en-US" altLang="zh-CN" b="0" dirty="0">
+                <a:solidFill>
+                  <a:srgbClr val="268BD2"/>
+                </a:solidFill>
+                <a:effectLst/>
+                <a:latin typeface="Consolas" panose="020B0609020204030204" pitchFamily="49" charset="0"/>
+              </a:rPr>
+              <a:t>p</a:t>
+            </a:r>
+            <a:r>
+              <a:rPr lang="en-US" altLang="zh-CN" b="0" dirty="0">
+                <a:solidFill>
+                  <a:srgbClr val="93A1A1"/>
+                </a:solidFill>
+                <a:effectLst/>
+                <a:latin typeface="Consolas" panose="020B0609020204030204" pitchFamily="49" charset="0"/>
+              </a:rPr>
+              <a:t>&gt;</a:t>
+            </a:r>
+            <a:endParaRPr lang="en-US" altLang="zh-CN" b="0" dirty="0">
+              <a:solidFill>
+                <a:srgbClr val="333333"/>
+              </a:solidFill>
+              <a:effectLst/>
+              <a:latin typeface="Consolas" panose="020B0609020204030204" pitchFamily="49" charset="0"/>
+            </a:endParaRPr>
+          </a:p>
+          <a:p>
+            <a:r>
+              <a:rPr lang="en-US" altLang="zh-CN" b="0" dirty="0">
+                <a:solidFill>
+                  <a:srgbClr val="333333"/>
+                </a:solidFill>
+                <a:effectLst/>
+                <a:latin typeface="Consolas" panose="020B0609020204030204" pitchFamily="49" charset="0"/>
+              </a:rPr>
+              <a:t>  </a:t>
+            </a:r>
+            <a:r>
+              <a:rPr lang="en-US" altLang="zh-CN" b="0" dirty="0">
+                <a:solidFill>
+                  <a:srgbClr val="93A1A1"/>
+                </a:solidFill>
+                <a:effectLst/>
+                <a:latin typeface="Consolas" panose="020B0609020204030204" pitchFamily="49" charset="0"/>
+              </a:rPr>
+              <a:t>&lt;/</a:t>
+            </a:r>
+            <a:r>
+              <a:rPr lang="en-US" altLang="zh-CN" b="0" dirty="0">
+                <a:solidFill>
+                  <a:srgbClr val="268BD2"/>
+                </a:solidFill>
+                <a:effectLst/>
+                <a:latin typeface="Consolas" panose="020B0609020204030204" pitchFamily="49" charset="0"/>
+              </a:rPr>
+              <a:t>div</a:t>
+            </a:r>
+            <a:r>
+              <a:rPr lang="en-US" altLang="zh-CN" b="0" dirty="0">
+                <a:solidFill>
+                  <a:srgbClr val="93A1A1"/>
+                </a:solidFill>
+                <a:effectLst/>
+                <a:latin typeface="Consolas" panose="020B0609020204030204" pitchFamily="49" charset="0"/>
+              </a:rPr>
+              <a:t>&gt;</a:t>
+            </a:r>
+            <a:endParaRPr lang="en-US" altLang="zh-CN" b="0" dirty="0">
+              <a:solidFill>
+                <a:srgbClr val="333333"/>
+              </a:solidFill>
+              <a:effectLst/>
+              <a:latin typeface="Consolas" panose="020B0609020204030204" pitchFamily="49" charset="0"/>
+            </a:endParaRPr>
+          </a:p>
+        </p:txBody>
+      </p:sp>
+      <p:sp>
+        <p:nvSpPr>
+          <p:cNvPr id="3" name="矩形 2">
+            <a:extLst>
+              <a:ext uri="{FF2B5EF4-FFF2-40B4-BE49-F238E27FC236}">
+                <a16:creationId xmlns:a16="http://schemas.microsoft.com/office/drawing/2014/main" id="{2825D9CD-4572-4FD3-9CCF-293370656FB3}"/>
+              </a:ext>
+            </a:extLst>
+          </p:cNvPr>
+          <p:cNvSpPr/>
+          <p:nvPr/>
+        </p:nvSpPr>
+        <p:spPr>
+          <a:xfrm>
+            <a:off x="6558116" y="839370"/>
+            <a:ext cx="1553497" cy="5620423"/>
+          </a:xfrm>
+          <a:prstGeom prst="rect">
+            <a:avLst/>
+          </a:prstGeom>
+        </p:spPr>
+        <p:style>
+          <a:lnRef idx="2">
+            <a:schemeClr val="accent6"/>
+          </a:lnRef>
+          <a:fillRef idx="1">
+            <a:schemeClr val="lt1"/>
+          </a:fillRef>
+          <a:effectRef idx="0">
+            <a:schemeClr val="accent6"/>
+          </a:effectRef>
+          <a:fontRef idx="minor">
+            <a:schemeClr val="dk1"/>
+          </a:fontRef>
+        </p:style>
+        <p:txBody>
+          <a:bodyPr rtlCol="0" anchor="ctr"/>
+          <a:lstStyle/>
+          <a:p>
+            <a:pPr algn="ctr"/>
+            <a:endParaRPr lang="zh-CN" altLang="en-US" dirty="0"/>
+          </a:p>
+        </p:txBody>
+      </p:sp>
+      <p:sp>
+        <p:nvSpPr>
+          <p:cNvPr id="7" name="文本框 6">
+            <a:extLst>
+              <a:ext uri="{FF2B5EF4-FFF2-40B4-BE49-F238E27FC236}">
+                <a16:creationId xmlns:a16="http://schemas.microsoft.com/office/drawing/2014/main" id="{932D0C44-58B0-4956-9B20-895262106932}"/>
+              </a:ext>
+            </a:extLst>
+          </p:cNvPr>
+          <p:cNvSpPr txBox="1"/>
+          <p:nvPr/>
+        </p:nvSpPr>
+        <p:spPr>
+          <a:xfrm>
+            <a:off x="6989149" y="6459793"/>
+            <a:ext cx="681597" cy="369332"/>
+          </a:xfrm>
+          <a:prstGeom prst="rect">
+            <a:avLst/>
+          </a:prstGeom>
+          <a:noFill/>
+        </p:spPr>
+        <p:txBody>
+          <a:bodyPr wrap="none" rtlCol="0">
+            <a:spAutoFit/>
+          </a:bodyPr>
+          <a:lstStyle/>
+          <a:p>
+            <a:r>
+              <a:rPr lang="en-US" altLang="zh-CN" dirty="0"/>
+              <a:t>stack</a:t>
+            </a:r>
+            <a:endParaRPr lang="zh-CN" altLang="en-US" dirty="0"/>
+          </a:p>
+        </p:txBody>
+      </p:sp>
+      <p:sp>
+        <p:nvSpPr>
+          <p:cNvPr id="11" name="文本框 10">
+            <a:extLst>
+              <a:ext uri="{FF2B5EF4-FFF2-40B4-BE49-F238E27FC236}">
+                <a16:creationId xmlns:a16="http://schemas.microsoft.com/office/drawing/2014/main" id="{06734D3B-F8C0-4C53-9E02-303802F20AD9}"/>
+              </a:ext>
+            </a:extLst>
+          </p:cNvPr>
+          <p:cNvSpPr txBox="1"/>
+          <p:nvPr/>
+        </p:nvSpPr>
+        <p:spPr>
+          <a:xfrm>
+            <a:off x="8794323" y="3429000"/>
+            <a:ext cx="2784737" cy="646331"/>
+          </a:xfrm>
+          <a:prstGeom prst="rect">
+            <a:avLst/>
+          </a:prstGeom>
+          <a:noFill/>
+        </p:spPr>
+        <p:txBody>
+          <a:bodyPr wrap="none" rtlCol="0">
+            <a:spAutoFit/>
+          </a:bodyPr>
+          <a:lstStyle/>
+          <a:p>
+            <a:r>
+              <a:rPr lang="en-US" altLang="zh-CN" dirty="0" err="1"/>
+              <a:t>currentParent</a:t>
+            </a:r>
+            <a:r>
+              <a:rPr lang="en-US" altLang="zh-CN" dirty="0"/>
+              <a:t> = </a:t>
+            </a:r>
+            <a:r>
+              <a:rPr lang="en-US" altLang="zh-CN" dirty="0" err="1"/>
+              <a:t>element2</a:t>
+            </a:r>
+            <a:r>
+              <a:rPr lang="en-US" altLang="zh-CN" dirty="0"/>
+              <a:t>;</a:t>
+            </a:r>
+          </a:p>
+          <a:p>
+            <a:r>
+              <a:rPr lang="en-US" altLang="zh-CN" dirty="0"/>
+              <a:t>root = </a:t>
+            </a:r>
+            <a:r>
+              <a:rPr lang="en-US" altLang="zh-CN" dirty="0" err="1"/>
+              <a:t>element1</a:t>
+            </a:r>
+            <a:r>
+              <a:rPr lang="en-US" altLang="zh-CN" dirty="0"/>
+              <a:t>;</a:t>
+            </a:r>
+          </a:p>
+        </p:txBody>
+      </p:sp>
+      <p:sp>
+        <p:nvSpPr>
+          <p:cNvPr id="2" name="文本框 1">
+            <a:extLst>
+              <a:ext uri="{FF2B5EF4-FFF2-40B4-BE49-F238E27FC236}">
+                <a16:creationId xmlns:a16="http://schemas.microsoft.com/office/drawing/2014/main" id="{CEDBF7B9-C8B5-4829-929E-81A6AEED4C81}"/>
+              </a:ext>
+            </a:extLst>
+          </p:cNvPr>
+          <p:cNvSpPr txBox="1"/>
+          <p:nvPr/>
+        </p:nvSpPr>
+        <p:spPr>
+          <a:xfrm>
+            <a:off x="7091741" y="5939972"/>
+            <a:ext cx="476412" cy="369332"/>
+          </a:xfrm>
+          <a:prstGeom prst="rect">
+            <a:avLst/>
+          </a:prstGeom>
+          <a:noFill/>
+          <a:ln>
+            <a:solidFill>
+              <a:schemeClr val="accent1"/>
+            </a:solidFill>
+          </a:ln>
+        </p:spPr>
+        <p:txBody>
+          <a:bodyPr wrap="none" rtlCol="0">
+            <a:spAutoFit/>
+          </a:bodyPr>
+          <a:lstStyle/>
+          <a:p>
+            <a:r>
+              <a:rPr lang="en-US" altLang="zh-CN" dirty="0"/>
+              <a:t>div</a:t>
+            </a:r>
+            <a:endParaRPr lang="zh-CN" altLang="en-US" dirty="0"/>
+          </a:p>
+        </p:txBody>
+      </p:sp>
+      <p:cxnSp>
+        <p:nvCxnSpPr>
+          <p:cNvPr id="6" name="直接连接符 5">
+            <a:extLst>
+              <a:ext uri="{FF2B5EF4-FFF2-40B4-BE49-F238E27FC236}">
+                <a16:creationId xmlns:a16="http://schemas.microsoft.com/office/drawing/2014/main" id="{1D77ABAE-EAD5-4438-9B7F-6D9C8DAD981D}"/>
+              </a:ext>
+            </a:extLst>
+          </p:cNvPr>
+          <p:cNvCxnSpPr/>
+          <p:nvPr/>
+        </p:nvCxnSpPr>
+        <p:spPr>
+          <a:xfrm>
+            <a:off x="6558116" y="5781368"/>
+            <a:ext cx="1553497" cy="0"/>
+          </a:xfrm>
+          <a:prstGeom prst="line">
+            <a:avLst/>
+          </a:prstGeom>
+        </p:spPr>
+        <p:style>
+          <a:lnRef idx="1">
+            <a:schemeClr val="dk1"/>
+          </a:lnRef>
+          <a:fillRef idx="0">
+            <a:schemeClr val="dk1"/>
+          </a:fillRef>
+          <a:effectRef idx="0">
+            <a:schemeClr val="dk1"/>
+          </a:effectRef>
+          <a:fontRef idx="minor">
+            <a:schemeClr val="tx1"/>
+          </a:fontRef>
+        </p:style>
+      </p:cxnSp>
+      <p:sp>
+        <p:nvSpPr>
+          <p:cNvPr id="8" name="文本框 7">
+            <a:extLst>
+              <a:ext uri="{FF2B5EF4-FFF2-40B4-BE49-F238E27FC236}">
+                <a16:creationId xmlns:a16="http://schemas.microsoft.com/office/drawing/2014/main" id="{D621D075-0EC7-47DD-93E8-279A3048776F}"/>
+              </a:ext>
+            </a:extLst>
+          </p:cNvPr>
+          <p:cNvSpPr txBox="1"/>
+          <p:nvPr/>
+        </p:nvSpPr>
+        <p:spPr>
+          <a:xfrm>
+            <a:off x="8360369" y="5939972"/>
+            <a:ext cx="1107996" cy="369332"/>
+          </a:xfrm>
+          <a:prstGeom prst="rect">
+            <a:avLst/>
+          </a:prstGeom>
+          <a:noFill/>
+        </p:spPr>
+        <p:txBody>
+          <a:bodyPr wrap="none" rtlCol="0">
+            <a:spAutoFit/>
+          </a:bodyPr>
+          <a:lstStyle/>
+          <a:p>
+            <a:r>
+              <a:rPr lang="en-US" altLang="zh-CN" dirty="0" err="1"/>
+              <a:t>element1</a:t>
+            </a:r>
+            <a:endParaRPr lang="zh-CN" altLang="en-US" dirty="0"/>
+          </a:p>
+        </p:txBody>
+      </p:sp>
+      <p:sp>
+        <p:nvSpPr>
+          <p:cNvPr id="13" name="文本框 12">
+            <a:extLst>
+              <a:ext uri="{FF2B5EF4-FFF2-40B4-BE49-F238E27FC236}">
+                <a16:creationId xmlns:a16="http://schemas.microsoft.com/office/drawing/2014/main" id="{BA47865B-B007-413F-BDB7-E6EEB92F698E}"/>
+              </a:ext>
+            </a:extLst>
+          </p:cNvPr>
+          <p:cNvSpPr txBox="1"/>
+          <p:nvPr/>
+        </p:nvSpPr>
+        <p:spPr>
+          <a:xfrm>
+            <a:off x="7091741" y="5232093"/>
+            <a:ext cx="654346" cy="369332"/>
+          </a:xfrm>
+          <a:prstGeom prst="rect">
+            <a:avLst/>
+          </a:prstGeom>
+          <a:noFill/>
+          <a:ln>
+            <a:solidFill>
+              <a:schemeClr val="accent1"/>
+            </a:solidFill>
+          </a:ln>
+        </p:spPr>
+        <p:txBody>
+          <a:bodyPr wrap="none" rtlCol="0">
+            <a:spAutoFit/>
+          </a:bodyPr>
+          <a:lstStyle/>
+          <a:p>
+            <a:r>
+              <a:rPr lang="en-US" altLang="zh-CN" dirty="0"/>
+              <a:t>span</a:t>
+            </a:r>
+            <a:endParaRPr lang="zh-CN" altLang="en-US" dirty="0"/>
+          </a:p>
+        </p:txBody>
+      </p:sp>
+      <p:cxnSp>
+        <p:nvCxnSpPr>
+          <p:cNvPr id="14" name="直接连接符 13">
+            <a:extLst>
+              <a:ext uri="{FF2B5EF4-FFF2-40B4-BE49-F238E27FC236}">
+                <a16:creationId xmlns:a16="http://schemas.microsoft.com/office/drawing/2014/main" id="{9528C1A7-B23F-4008-B8F7-198C65D86F14}"/>
+              </a:ext>
+            </a:extLst>
+          </p:cNvPr>
+          <p:cNvCxnSpPr/>
+          <p:nvPr/>
+        </p:nvCxnSpPr>
+        <p:spPr>
+          <a:xfrm>
+            <a:off x="6558116" y="5024284"/>
+            <a:ext cx="1553497" cy="0"/>
+          </a:xfrm>
+          <a:prstGeom prst="line">
+            <a:avLst/>
+          </a:prstGeom>
+        </p:spPr>
+        <p:style>
+          <a:lnRef idx="1">
+            <a:schemeClr val="dk1"/>
+          </a:lnRef>
+          <a:fillRef idx="0">
+            <a:schemeClr val="dk1"/>
+          </a:fillRef>
+          <a:effectRef idx="0">
+            <a:schemeClr val="dk1"/>
+          </a:effectRef>
+          <a:fontRef idx="minor">
+            <a:schemeClr val="tx1"/>
+          </a:fontRef>
+        </p:style>
+      </p:cxnSp>
+      <p:sp>
+        <p:nvSpPr>
+          <p:cNvPr id="15" name="文本框 14">
+            <a:extLst>
+              <a:ext uri="{FF2B5EF4-FFF2-40B4-BE49-F238E27FC236}">
+                <a16:creationId xmlns:a16="http://schemas.microsoft.com/office/drawing/2014/main" id="{05752C53-FC9D-4EBF-8B97-388B3CE6C494}"/>
+              </a:ext>
+            </a:extLst>
+          </p:cNvPr>
+          <p:cNvSpPr txBox="1"/>
+          <p:nvPr/>
+        </p:nvSpPr>
+        <p:spPr>
+          <a:xfrm>
+            <a:off x="8360369" y="5232093"/>
+            <a:ext cx="1107996" cy="369332"/>
+          </a:xfrm>
+          <a:prstGeom prst="rect">
+            <a:avLst/>
+          </a:prstGeom>
+          <a:noFill/>
+        </p:spPr>
+        <p:txBody>
+          <a:bodyPr wrap="none" rtlCol="0">
+            <a:spAutoFit/>
+          </a:bodyPr>
+          <a:lstStyle/>
+          <a:p>
+            <a:r>
+              <a:rPr lang="en-US" altLang="zh-CN" dirty="0" err="1"/>
+              <a:t>element2</a:t>
+            </a:r>
+            <a:endParaRPr lang="zh-CN" altLang="en-US" dirty="0"/>
+          </a:p>
+        </p:txBody>
+      </p:sp>
+    </p:spTree>
+    <p:extLst>
+      <p:ext uri="{BB962C8B-B14F-4D97-AF65-F5344CB8AC3E}">
+        <p14:creationId xmlns:p14="http://schemas.microsoft.com/office/powerpoint/2010/main" val="2399964887"/>
+      </p:ext>
+    </p:extLst>
+  </p:cSld>
+  <p:clrMapOvr>
+    <a:masterClrMapping/>
+  </p:clrMapOvr>
+</p:sld>
+</file>
+
+<file path=ppt/slides/slide7.xml><?xml version="1.0" encoding="utf-8"?>
+<p:sld xmlns:a="http://schemas.openxmlformats.org/drawingml/2006/main" xmlns:r="http://schemas.openxmlformats.org/officeDocument/2006/relationships" xmlns:p="http://schemas.openxmlformats.org/presentationml/2006/main">
+  <p:cSld>
+    <p:spTree>
+      <p:nvGrpSpPr>
+        <p:cNvPr id="1" name=""/>
+        <p:cNvGrpSpPr/>
+        <p:nvPr/>
+      </p:nvGrpSpPr>
+      <p:grpSpPr>
+        <a:xfrm>
+          <a:off x="0" y="0"/>
+          <a:ext cx="0" cy="0"/>
+          <a:chOff x="0" y="0"/>
+          <a:chExt cx="0" cy="0"/>
+        </a:xfrm>
+      </p:grpSpPr>
+      <p:sp>
+        <p:nvSpPr>
+          <p:cNvPr id="12" name="矩形 11">
+            <a:extLst>
+              <a:ext uri="{FF2B5EF4-FFF2-40B4-BE49-F238E27FC236}">
+                <a16:creationId xmlns:a16="http://schemas.microsoft.com/office/drawing/2014/main" id="{AAFB13E5-52BA-4F50-BB05-CF218F1EC52E}"/>
+              </a:ext>
+            </a:extLst>
+          </p:cNvPr>
+          <p:cNvSpPr/>
+          <p:nvPr/>
+        </p:nvSpPr>
+        <p:spPr>
+          <a:xfrm>
+            <a:off x="8794323" y="4822985"/>
+            <a:ext cx="3063380" cy="409106"/>
+          </a:xfrm>
+          <a:prstGeom prst="rect">
+            <a:avLst/>
+          </a:prstGeom>
+        </p:spPr>
+        <p:style>
+          <a:lnRef idx="2">
+            <a:schemeClr val="accent6"/>
+          </a:lnRef>
+          <a:fillRef idx="1">
+            <a:schemeClr val="lt1"/>
+          </a:fillRef>
+          <a:effectRef idx="0">
+            <a:schemeClr val="accent6"/>
+          </a:effectRef>
+          <a:fontRef idx="minor">
+            <a:schemeClr val="dk1"/>
+          </a:fontRef>
+        </p:style>
+        <p:txBody>
+          <a:bodyPr rtlCol="0" anchor="ctr"/>
+          <a:lstStyle/>
+          <a:p>
+            <a:pPr algn="ctr"/>
+            <a:endParaRPr lang="zh-CN" altLang="en-US"/>
+          </a:p>
+        </p:txBody>
+      </p:sp>
+      <p:sp>
+        <p:nvSpPr>
+          <p:cNvPr id="4" name="文本框 3">
+            <a:extLst>
+              <a:ext uri="{FF2B5EF4-FFF2-40B4-BE49-F238E27FC236}">
+                <a16:creationId xmlns:a16="http://schemas.microsoft.com/office/drawing/2014/main" id="{B15BAD18-D13C-46A5-9C84-AC685D764DFD}"/>
+              </a:ext>
+            </a:extLst>
+          </p:cNvPr>
+          <p:cNvSpPr txBox="1"/>
+          <p:nvPr/>
+        </p:nvSpPr>
+        <p:spPr>
+          <a:xfrm>
+            <a:off x="213360" y="193040"/>
+            <a:ext cx="1947969" cy="646331"/>
+          </a:xfrm>
+          <a:prstGeom prst="rect">
+            <a:avLst/>
+          </a:prstGeom>
+          <a:noFill/>
+        </p:spPr>
+        <p:txBody>
+          <a:bodyPr wrap="none" rtlCol="0">
+            <a:spAutoFit/>
+          </a:bodyPr>
+          <a:lstStyle/>
+          <a:p>
+            <a:r>
+              <a:rPr lang="en-US" altLang="zh-CN" b="1" dirty="0"/>
+              <a:t>Parse html to </a:t>
+            </a:r>
+            <a:r>
+              <a:rPr lang="en-US" altLang="zh-CN" b="1" dirty="0" err="1"/>
+              <a:t>ast</a:t>
+            </a:r>
+            <a:endParaRPr lang="en-US" altLang="zh-CN" b="1" dirty="0"/>
+          </a:p>
+          <a:p>
+            <a:endParaRPr lang="zh-CN" altLang="en-US" dirty="0"/>
+          </a:p>
+        </p:txBody>
+      </p:sp>
+      <p:sp>
+        <p:nvSpPr>
+          <p:cNvPr id="30" name="文本框 29">
+            <a:extLst>
+              <a:ext uri="{FF2B5EF4-FFF2-40B4-BE49-F238E27FC236}">
+                <a16:creationId xmlns:a16="http://schemas.microsoft.com/office/drawing/2014/main" id="{1A2BEBED-A289-47B7-A7AC-0228CD2FC4DC}"/>
+              </a:ext>
+            </a:extLst>
+          </p:cNvPr>
+          <p:cNvSpPr txBox="1"/>
+          <p:nvPr/>
+        </p:nvSpPr>
+        <p:spPr>
+          <a:xfrm>
+            <a:off x="213360" y="626325"/>
+            <a:ext cx="6096000" cy="923330"/>
+          </a:xfrm>
+          <a:prstGeom prst="rect">
+            <a:avLst/>
+          </a:prstGeom>
+          <a:noFill/>
+        </p:spPr>
+        <p:txBody>
+          <a:bodyPr wrap="square">
+            <a:spAutoFit/>
+          </a:bodyPr>
+          <a:lstStyle/>
+          <a:p>
+            <a:r>
+              <a:rPr lang="en-US" altLang="zh-CN" b="0" dirty="0">
+                <a:solidFill>
+                  <a:srgbClr val="333333"/>
+                </a:solidFill>
+                <a:effectLst/>
+                <a:latin typeface="Consolas" panose="020B0609020204030204" pitchFamily="49" charset="0"/>
+              </a:rPr>
+              <a:t>    </a:t>
+            </a:r>
+            <a:r>
+              <a:rPr lang="en-US" altLang="zh-CN" b="0" dirty="0">
+                <a:solidFill>
+                  <a:srgbClr val="93A1A1"/>
+                </a:solidFill>
+                <a:effectLst/>
+                <a:latin typeface="Consolas" panose="020B0609020204030204" pitchFamily="49" charset="0"/>
+              </a:rPr>
+              <a:t> &lt;</a:t>
+            </a:r>
+            <a:r>
+              <a:rPr lang="en-US" altLang="zh-CN" b="0" dirty="0">
+                <a:solidFill>
+                  <a:srgbClr val="268BD2"/>
+                </a:solidFill>
+                <a:effectLst/>
+                <a:latin typeface="Consolas" panose="020B0609020204030204" pitchFamily="49" charset="0"/>
+              </a:rPr>
+              <a:t>span</a:t>
+            </a:r>
+            <a:r>
+              <a:rPr lang="en-US" altLang="zh-CN" b="0" dirty="0">
+                <a:solidFill>
+                  <a:srgbClr val="93A1A1"/>
+                </a:solidFill>
+                <a:effectLst/>
+                <a:latin typeface="Consolas" panose="020B0609020204030204" pitchFamily="49" charset="0"/>
+              </a:rPr>
+              <a:t>&gt;</a:t>
+            </a:r>
+            <a:endParaRPr lang="en-US" altLang="zh-CN" b="0" dirty="0">
+              <a:solidFill>
+                <a:srgbClr val="333333"/>
+              </a:solidFill>
+              <a:effectLst/>
+              <a:latin typeface="Consolas" panose="020B0609020204030204" pitchFamily="49" charset="0"/>
+            </a:endParaRPr>
+          </a:p>
+          <a:p>
+            <a:r>
+              <a:rPr lang="en-US" altLang="zh-CN" b="0" dirty="0">
+                <a:solidFill>
+                  <a:srgbClr val="333333"/>
+                </a:solidFill>
+                <a:effectLst/>
+                <a:latin typeface="Consolas" panose="020B0609020204030204" pitchFamily="49" charset="0"/>
+              </a:rPr>
+              <a:t>    </a:t>
+            </a:r>
+            <a:r>
+              <a:rPr lang="en-US" altLang="zh-CN" b="0" dirty="0">
+                <a:solidFill>
+                  <a:srgbClr val="93A1A1"/>
+                </a:solidFill>
+                <a:effectLst/>
+                <a:latin typeface="Consolas" panose="020B0609020204030204" pitchFamily="49" charset="0"/>
+              </a:rPr>
+              <a:t>&lt;</a:t>
+            </a:r>
+            <a:r>
+              <a:rPr lang="en-US" altLang="zh-CN" b="0" dirty="0">
+                <a:solidFill>
+                  <a:srgbClr val="268BD2"/>
+                </a:solidFill>
+                <a:effectLst/>
+                <a:latin typeface="Consolas" panose="020B0609020204030204" pitchFamily="49" charset="0"/>
+              </a:rPr>
+              <a:t>p</a:t>
+            </a:r>
+            <a:r>
+              <a:rPr lang="en-US" altLang="zh-CN" b="0" dirty="0">
+                <a:solidFill>
+                  <a:srgbClr val="93A1A1"/>
+                </a:solidFill>
+                <a:effectLst/>
+                <a:latin typeface="Consolas" panose="020B0609020204030204" pitchFamily="49" charset="0"/>
+              </a:rPr>
+              <a:t>&gt;</a:t>
+            </a:r>
+            <a:r>
+              <a:rPr lang="zh-CN" altLang="en-US" b="0" dirty="0">
+                <a:solidFill>
+                  <a:srgbClr val="333333"/>
+                </a:solidFill>
+                <a:effectLst/>
+                <a:latin typeface="Consolas" panose="020B0609020204030204" pitchFamily="49" charset="0"/>
+              </a:rPr>
+              <a:t>学习</a:t>
+            </a:r>
+            <a:r>
+              <a:rPr lang="en-US" altLang="zh-CN" b="0" dirty="0">
+                <a:solidFill>
+                  <a:srgbClr val="93A1A1"/>
+                </a:solidFill>
+                <a:effectLst/>
+                <a:latin typeface="Consolas" panose="020B0609020204030204" pitchFamily="49" charset="0"/>
+              </a:rPr>
+              <a:t>&lt;/</a:t>
+            </a:r>
+            <a:r>
+              <a:rPr lang="en-US" altLang="zh-CN" b="0" dirty="0">
+                <a:solidFill>
+                  <a:srgbClr val="268BD2"/>
+                </a:solidFill>
+                <a:effectLst/>
+                <a:latin typeface="Consolas" panose="020B0609020204030204" pitchFamily="49" charset="0"/>
+              </a:rPr>
+              <a:t>p</a:t>
+            </a:r>
+            <a:r>
+              <a:rPr lang="en-US" altLang="zh-CN" b="0" dirty="0">
+                <a:solidFill>
+                  <a:srgbClr val="93A1A1"/>
+                </a:solidFill>
+                <a:effectLst/>
+                <a:latin typeface="Consolas" panose="020B0609020204030204" pitchFamily="49" charset="0"/>
+              </a:rPr>
+              <a:t>&gt;</a:t>
+            </a:r>
+            <a:endParaRPr lang="en-US" altLang="zh-CN" b="0" dirty="0">
+              <a:solidFill>
+                <a:srgbClr val="333333"/>
+              </a:solidFill>
+              <a:effectLst/>
+              <a:latin typeface="Consolas" panose="020B0609020204030204" pitchFamily="49" charset="0"/>
+            </a:endParaRPr>
+          </a:p>
+          <a:p>
+            <a:r>
+              <a:rPr lang="en-US" altLang="zh-CN" b="0" dirty="0">
+                <a:solidFill>
+                  <a:srgbClr val="333333"/>
+                </a:solidFill>
+                <a:effectLst/>
+                <a:latin typeface="Consolas" panose="020B0609020204030204" pitchFamily="49" charset="0"/>
+              </a:rPr>
+              <a:t>  </a:t>
+            </a:r>
+            <a:r>
+              <a:rPr lang="en-US" altLang="zh-CN" b="0" dirty="0">
+                <a:solidFill>
+                  <a:srgbClr val="93A1A1"/>
+                </a:solidFill>
+                <a:effectLst/>
+                <a:latin typeface="Consolas" panose="020B0609020204030204" pitchFamily="49" charset="0"/>
+              </a:rPr>
+              <a:t>&lt;/</a:t>
+            </a:r>
+            <a:r>
+              <a:rPr lang="en-US" altLang="zh-CN" b="0" dirty="0">
+                <a:solidFill>
+                  <a:srgbClr val="268BD2"/>
+                </a:solidFill>
+                <a:effectLst/>
+                <a:latin typeface="Consolas" panose="020B0609020204030204" pitchFamily="49" charset="0"/>
+              </a:rPr>
+              <a:t>div</a:t>
+            </a:r>
+            <a:r>
+              <a:rPr lang="en-US" altLang="zh-CN" b="0" dirty="0">
+                <a:solidFill>
+                  <a:srgbClr val="93A1A1"/>
+                </a:solidFill>
+                <a:effectLst/>
+                <a:latin typeface="Consolas" panose="020B0609020204030204" pitchFamily="49" charset="0"/>
+              </a:rPr>
+              <a:t>&gt;</a:t>
+            </a:r>
+            <a:endParaRPr lang="en-US" altLang="zh-CN" b="0" dirty="0">
+              <a:solidFill>
+                <a:srgbClr val="333333"/>
+              </a:solidFill>
+              <a:effectLst/>
+              <a:latin typeface="Consolas" panose="020B0609020204030204" pitchFamily="49" charset="0"/>
+            </a:endParaRPr>
+          </a:p>
+        </p:txBody>
+      </p:sp>
+      <p:sp>
+        <p:nvSpPr>
+          <p:cNvPr id="3" name="矩形 2">
+            <a:extLst>
+              <a:ext uri="{FF2B5EF4-FFF2-40B4-BE49-F238E27FC236}">
+                <a16:creationId xmlns:a16="http://schemas.microsoft.com/office/drawing/2014/main" id="{2825D9CD-4572-4FD3-9CCF-293370656FB3}"/>
+              </a:ext>
+            </a:extLst>
+          </p:cNvPr>
+          <p:cNvSpPr/>
+          <p:nvPr/>
+        </p:nvSpPr>
+        <p:spPr>
+          <a:xfrm>
+            <a:off x="6558116" y="839370"/>
+            <a:ext cx="1553497" cy="5620423"/>
+          </a:xfrm>
+          <a:prstGeom prst="rect">
+            <a:avLst/>
+          </a:prstGeom>
+        </p:spPr>
+        <p:style>
+          <a:lnRef idx="2">
+            <a:schemeClr val="accent6"/>
+          </a:lnRef>
+          <a:fillRef idx="1">
+            <a:schemeClr val="lt1"/>
+          </a:fillRef>
+          <a:effectRef idx="0">
+            <a:schemeClr val="accent6"/>
+          </a:effectRef>
+          <a:fontRef idx="minor">
+            <a:schemeClr val="dk1"/>
+          </a:fontRef>
+        </p:style>
+        <p:txBody>
+          <a:bodyPr rtlCol="0" anchor="ctr"/>
+          <a:lstStyle/>
+          <a:p>
+            <a:pPr algn="ctr"/>
+            <a:endParaRPr lang="zh-CN" altLang="en-US" dirty="0"/>
+          </a:p>
+        </p:txBody>
+      </p:sp>
+      <p:sp>
+        <p:nvSpPr>
+          <p:cNvPr id="7" name="文本框 6">
+            <a:extLst>
+              <a:ext uri="{FF2B5EF4-FFF2-40B4-BE49-F238E27FC236}">
+                <a16:creationId xmlns:a16="http://schemas.microsoft.com/office/drawing/2014/main" id="{932D0C44-58B0-4956-9B20-895262106932}"/>
+              </a:ext>
+            </a:extLst>
+          </p:cNvPr>
+          <p:cNvSpPr txBox="1"/>
+          <p:nvPr/>
+        </p:nvSpPr>
+        <p:spPr>
+          <a:xfrm>
+            <a:off x="6989149" y="6459793"/>
+            <a:ext cx="681597" cy="369332"/>
+          </a:xfrm>
+          <a:prstGeom prst="rect">
+            <a:avLst/>
+          </a:prstGeom>
+          <a:noFill/>
+        </p:spPr>
+        <p:txBody>
+          <a:bodyPr wrap="none" rtlCol="0">
+            <a:spAutoFit/>
+          </a:bodyPr>
+          <a:lstStyle/>
+          <a:p>
+            <a:r>
+              <a:rPr lang="en-US" altLang="zh-CN" dirty="0"/>
+              <a:t>stack</a:t>
+            </a:r>
+            <a:endParaRPr lang="zh-CN" altLang="en-US" dirty="0"/>
+          </a:p>
+        </p:txBody>
+      </p:sp>
+      <p:sp>
+        <p:nvSpPr>
+          <p:cNvPr id="11" name="文本框 10">
+            <a:extLst>
+              <a:ext uri="{FF2B5EF4-FFF2-40B4-BE49-F238E27FC236}">
+                <a16:creationId xmlns:a16="http://schemas.microsoft.com/office/drawing/2014/main" id="{06734D3B-F8C0-4C53-9E02-303802F20AD9}"/>
+              </a:ext>
+            </a:extLst>
+          </p:cNvPr>
+          <p:cNvSpPr txBox="1"/>
+          <p:nvPr/>
+        </p:nvSpPr>
+        <p:spPr>
+          <a:xfrm>
+            <a:off x="8794323" y="3429000"/>
+            <a:ext cx="2784737" cy="646331"/>
+          </a:xfrm>
+          <a:prstGeom prst="rect">
+            <a:avLst/>
+          </a:prstGeom>
+          <a:noFill/>
+        </p:spPr>
+        <p:txBody>
+          <a:bodyPr wrap="none" rtlCol="0">
+            <a:spAutoFit/>
+          </a:bodyPr>
+          <a:lstStyle/>
+          <a:p>
+            <a:r>
+              <a:rPr lang="en-US" altLang="zh-CN" dirty="0" err="1"/>
+              <a:t>currentParent</a:t>
+            </a:r>
+            <a:r>
+              <a:rPr lang="en-US" altLang="zh-CN" dirty="0"/>
+              <a:t> = </a:t>
+            </a:r>
+            <a:r>
+              <a:rPr lang="en-US" altLang="zh-CN" dirty="0" err="1"/>
+              <a:t>element2</a:t>
+            </a:r>
+            <a:r>
+              <a:rPr lang="en-US" altLang="zh-CN" dirty="0"/>
+              <a:t>;</a:t>
+            </a:r>
+          </a:p>
+          <a:p>
+            <a:r>
+              <a:rPr lang="en-US" altLang="zh-CN" dirty="0"/>
+              <a:t>root = </a:t>
+            </a:r>
+            <a:r>
+              <a:rPr lang="en-US" altLang="zh-CN" dirty="0" err="1"/>
+              <a:t>element1</a:t>
+            </a:r>
+            <a:r>
+              <a:rPr lang="en-US" altLang="zh-CN" dirty="0"/>
+              <a:t>;</a:t>
+            </a:r>
+          </a:p>
+        </p:txBody>
+      </p:sp>
+      <p:sp>
+        <p:nvSpPr>
+          <p:cNvPr id="2" name="文本框 1">
+            <a:extLst>
+              <a:ext uri="{FF2B5EF4-FFF2-40B4-BE49-F238E27FC236}">
+                <a16:creationId xmlns:a16="http://schemas.microsoft.com/office/drawing/2014/main" id="{CEDBF7B9-C8B5-4829-929E-81A6AEED4C81}"/>
+              </a:ext>
+            </a:extLst>
+          </p:cNvPr>
+          <p:cNvSpPr txBox="1"/>
+          <p:nvPr/>
+        </p:nvSpPr>
+        <p:spPr>
+          <a:xfrm>
+            <a:off x="7091741" y="5939972"/>
+            <a:ext cx="476412" cy="369332"/>
+          </a:xfrm>
+          <a:prstGeom prst="rect">
+            <a:avLst/>
+          </a:prstGeom>
+          <a:noFill/>
+          <a:ln>
+            <a:solidFill>
+              <a:schemeClr val="accent1"/>
+            </a:solidFill>
+          </a:ln>
+        </p:spPr>
+        <p:txBody>
+          <a:bodyPr wrap="none" rtlCol="0">
+            <a:spAutoFit/>
+          </a:bodyPr>
+          <a:lstStyle/>
+          <a:p>
+            <a:r>
+              <a:rPr lang="en-US" altLang="zh-CN" dirty="0"/>
+              <a:t>div</a:t>
+            </a:r>
+            <a:endParaRPr lang="zh-CN" altLang="en-US" dirty="0"/>
+          </a:p>
+        </p:txBody>
+      </p:sp>
+      <p:cxnSp>
+        <p:nvCxnSpPr>
+          <p:cNvPr id="6" name="直接连接符 5">
+            <a:extLst>
+              <a:ext uri="{FF2B5EF4-FFF2-40B4-BE49-F238E27FC236}">
+                <a16:creationId xmlns:a16="http://schemas.microsoft.com/office/drawing/2014/main" id="{1D77ABAE-EAD5-4438-9B7F-6D9C8DAD981D}"/>
+              </a:ext>
+            </a:extLst>
+          </p:cNvPr>
+          <p:cNvCxnSpPr/>
+          <p:nvPr/>
+        </p:nvCxnSpPr>
+        <p:spPr>
+          <a:xfrm>
+            <a:off x="6558116" y="5781368"/>
+            <a:ext cx="1553497" cy="0"/>
+          </a:xfrm>
+          <a:prstGeom prst="line">
+            <a:avLst/>
+          </a:prstGeom>
+        </p:spPr>
+        <p:style>
+          <a:lnRef idx="1">
+            <a:schemeClr val="dk1"/>
+          </a:lnRef>
+          <a:fillRef idx="0">
+            <a:schemeClr val="dk1"/>
+          </a:fillRef>
+          <a:effectRef idx="0">
+            <a:schemeClr val="dk1"/>
+          </a:effectRef>
+          <a:fontRef idx="minor">
+            <a:schemeClr val="tx1"/>
+          </a:fontRef>
+        </p:style>
+      </p:cxnSp>
+      <p:sp>
+        <p:nvSpPr>
+          <p:cNvPr id="8" name="文本框 7">
+            <a:extLst>
+              <a:ext uri="{FF2B5EF4-FFF2-40B4-BE49-F238E27FC236}">
+                <a16:creationId xmlns:a16="http://schemas.microsoft.com/office/drawing/2014/main" id="{D621D075-0EC7-47DD-93E8-279A3048776F}"/>
+              </a:ext>
+            </a:extLst>
+          </p:cNvPr>
+          <p:cNvSpPr txBox="1"/>
+          <p:nvPr/>
+        </p:nvSpPr>
+        <p:spPr>
+          <a:xfrm>
+            <a:off x="8360369" y="5939972"/>
+            <a:ext cx="1107996" cy="369332"/>
+          </a:xfrm>
+          <a:prstGeom prst="rect">
+            <a:avLst/>
+          </a:prstGeom>
+          <a:noFill/>
+        </p:spPr>
+        <p:txBody>
+          <a:bodyPr wrap="none" rtlCol="0">
+            <a:spAutoFit/>
+          </a:bodyPr>
+          <a:lstStyle/>
+          <a:p>
+            <a:r>
+              <a:rPr lang="en-US" altLang="zh-CN" dirty="0" err="1"/>
+              <a:t>element1</a:t>
+            </a:r>
+            <a:endParaRPr lang="zh-CN" altLang="en-US" dirty="0"/>
+          </a:p>
+        </p:txBody>
+      </p:sp>
+      <p:sp>
+        <p:nvSpPr>
+          <p:cNvPr id="13" name="文本框 12">
+            <a:extLst>
+              <a:ext uri="{FF2B5EF4-FFF2-40B4-BE49-F238E27FC236}">
+                <a16:creationId xmlns:a16="http://schemas.microsoft.com/office/drawing/2014/main" id="{BA47865B-B007-413F-BDB7-E6EEB92F698E}"/>
+              </a:ext>
+            </a:extLst>
+          </p:cNvPr>
+          <p:cNvSpPr txBox="1"/>
+          <p:nvPr/>
+        </p:nvSpPr>
+        <p:spPr>
+          <a:xfrm>
+            <a:off x="7091741" y="5232093"/>
+            <a:ext cx="654346" cy="369332"/>
+          </a:xfrm>
+          <a:prstGeom prst="rect">
+            <a:avLst/>
+          </a:prstGeom>
+          <a:noFill/>
+          <a:ln>
+            <a:solidFill>
+              <a:schemeClr val="accent1"/>
+            </a:solidFill>
+          </a:ln>
+        </p:spPr>
+        <p:txBody>
+          <a:bodyPr wrap="none" rtlCol="0">
+            <a:spAutoFit/>
+          </a:bodyPr>
+          <a:lstStyle/>
+          <a:p>
+            <a:r>
+              <a:rPr lang="en-US" altLang="zh-CN" dirty="0"/>
+              <a:t>span</a:t>
+            </a:r>
+            <a:endParaRPr lang="zh-CN" altLang="en-US" dirty="0"/>
+          </a:p>
+        </p:txBody>
+      </p:sp>
+      <p:cxnSp>
+        <p:nvCxnSpPr>
+          <p:cNvPr id="14" name="直接连接符 13">
+            <a:extLst>
+              <a:ext uri="{FF2B5EF4-FFF2-40B4-BE49-F238E27FC236}">
+                <a16:creationId xmlns:a16="http://schemas.microsoft.com/office/drawing/2014/main" id="{9528C1A7-B23F-4008-B8F7-198C65D86F14}"/>
+              </a:ext>
+            </a:extLst>
+          </p:cNvPr>
+          <p:cNvCxnSpPr/>
+          <p:nvPr/>
+        </p:nvCxnSpPr>
+        <p:spPr>
+          <a:xfrm>
+            <a:off x="6558116" y="5024284"/>
+            <a:ext cx="1553497" cy="0"/>
+          </a:xfrm>
+          <a:prstGeom prst="line">
+            <a:avLst/>
+          </a:prstGeom>
+        </p:spPr>
+        <p:style>
+          <a:lnRef idx="1">
+            <a:schemeClr val="dk1"/>
+          </a:lnRef>
+          <a:fillRef idx="0">
+            <a:schemeClr val="dk1"/>
+          </a:fillRef>
+          <a:effectRef idx="0">
+            <a:schemeClr val="dk1"/>
+          </a:effectRef>
+          <a:fontRef idx="minor">
+            <a:schemeClr val="tx1"/>
+          </a:fontRef>
+        </p:style>
+      </p:cxnSp>
+      <p:sp>
+        <p:nvSpPr>
+          <p:cNvPr id="15" name="文本框 14">
+            <a:extLst>
+              <a:ext uri="{FF2B5EF4-FFF2-40B4-BE49-F238E27FC236}">
+                <a16:creationId xmlns:a16="http://schemas.microsoft.com/office/drawing/2014/main" id="{05752C53-FC9D-4EBF-8B97-388B3CE6C494}"/>
+              </a:ext>
+            </a:extLst>
+          </p:cNvPr>
+          <p:cNvSpPr txBox="1"/>
+          <p:nvPr/>
+        </p:nvSpPr>
+        <p:spPr>
+          <a:xfrm>
+            <a:off x="8360369" y="5232093"/>
+            <a:ext cx="1107996" cy="369332"/>
+          </a:xfrm>
+          <a:prstGeom prst="rect">
+            <a:avLst/>
+          </a:prstGeom>
+          <a:noFill/>
+        </p:spPr>
+        <p:txBody>
+          <a:bodyPr wrap="none" rtlCol="0">
+            <a:spAutoFit/>
+          </a:bodyPr>
+          <a:lstStyle/>
+          <a:p>
+            <a:r>
+              <a:rPr lang="en-US" altLang="zh-CN" dirty="0" err="1"/>
+              <a:t>element2</a:t>
+            </a:r>
+            <a:endParaRPr lang="zh-CN" altLang="en-US" dirty="0"/>
+          </a:p>
+        </p:txBody>
+      </p:sp>
+      <p:sp>
+        <p:nvSpPr>
+          <p:cNvPr id="10" name="文本框 9">
+            <a:extLst>
+              <a:ext uri="{FF2B5EF4-FFF2-40B4-BE49-F238E27FC236}">
+                <a16:creationId xmlns:a16="http://schemas.microsoft.com/office/drawing/2014/main" id="{D7C8764A-5AC6-450B-8872-A996E8B7E097}"/>
+              </a:ext>
+            </a:extLst>
+          </p:cNvPr>
+          <p:cNvSpPr txBox="1"/>
+          <p:nvPr/>
+        </p:nvSpPr>
+        <p:spPr>
+          <a:xfrm>
+            <a:off x="8794323" y="4822985"/>
+            <a:ext cx="3169457" cy="369332"/>
+          </a:xfrm>
+          <a:prstGeom prst="rect">
+            <a:avLst/>
+          </a:prstGeom>
+          <a:noFill/>
+        </p:spPr>
+        <p:txBody>
+          <a:bodyPr wrap="none" rtlCol="0">
+            <a:spAutoFit/>
+          </a:bodyPr>
+          <a:lstStyle/>
+          <a:p>
+            <a:r>
+              <a:rPr lang="en-US" altLang="zh-CN" dirty="0" err="1"/>
+              <a:t>currentParent.push</a:t>
+            </a:r>
+            <a:r>
+              <a:rPr lang="en-US" altLang="zh-CN" dirty="0"/>
+              <a:t>(</a:t>
+            </a:r>
+            <a:r>
+              <a:rPr lang="en-US" altLang="zh-CN" dirty="0" err="1"/>
+              <a:t>textNode</a:t>
+            </a:r>
+            <a:r>
+              <a:rPr lang="en-US" altLang="zh-CN" dirty="0"/>
+              <a:t>);</a:t>
+            </a:r>
+            <a:endParaRPr lang="zh-CN" altLang="en-US" dirty="0"/>
+          </a:p>
+        </p:txBody>
+      </p:sp>
+    </p:spTree>
+    <p:extLst>
+      <p:ext uri="{BB962C8B-B14F-4D97-AF65-F5344CB8AC3E}">
+        <p14:creationId xmlns:p14="http://schemas.microsoft.com/office/powerpoint/2010/main" val="2403853569"/>
+      </p:ext>
+    </p:extLst>
+  </p:cSld>
+  <p:clrMapOvr>
+    <a:masterClrMapping/>
+  </p:clrMapOvr>
+</p:sld>
+</file>
+
+<file path=ppt/slides/slide8.xml><?xml version="1.0" encoding="utf-8"?>
+<p:sld xmlns:a="http://schemas.openxmlformats.org/drawingml/2006/main" xmlns:r="http://schemas.openxmlformats.org/officeDocument/2006/relationships" xmlns:p="http://schemas.openxmlformats.org/presentationml/2006/main">
+  <p:cSld>
+    <p:spTree>
+      <p:nvGrpSpPr>
+        <p:cNvPr id="1" name=""/>
+        <p:cNvGrpSpPr/>
+        <p:nvPr/>
+      </p:nvGrpSpPr>
+      <p:grpSpPr>
+        <a:xfrm>
+          <a:off x="0" y="0"/>
+          <a:ext cx="0" cy="0"/>
+          <a:chOff x="0" y="0"/>
+          <a:chExt cx="0" cy="0"/>
+        </a:xfrm>
+      </p:grpSpPr>
+      <p:sp>
+        <p:nvSpPr>
+          <p:cNvPr id="5" name="矩形 4">
+            <a:extLst>
+              <a:ext uri="{FF2B5EF4-FFF2-40B4-BE49-F238E27FC236}">
+                <a16:creationId xmlns:a16="http://schemas.microsoft.com/office/drawing/2014/main" id="{C787A5AA-293C-4725-8359-43BD087BE39C}"/>
+              </a:ext>
+            </a:extLst>
+          </p:cNvPr>
+          <p:cNvSpPr/>
+          <p:nvPr/>
+        </p:nvSpPr>
+        <p:spPr>
+          <a:xfrm>
+            <a:off x="6309360" y="4684487"/>
+            <a:ext cx="4496292" cy="1096870"/>
+          </a:xfrm>
+          <a:prstGeom prst="rect">
+            <a:avLst/>
+          </a:prstGeom>
+        </p:spPr>
+        <p:style>
+          <a:lnRef idx="2">
+            <a:schemeClr val="accent6"/>
+          </a:lnRef>
+          <a:fillRef idx="1">
+            <a:schemeClr val="lt1"/>
+          </a:fillRef>
+          <a:effectRef idx="0">
+            <a:schemeClr val="accent6"/>
+          </a:effectRef>
+          <a:fontRef idx="minor">
+            <a:schemeClr val="dk1"/>
+          </a:fontRef>
+        </p:style>
+        <p:txBody>
+          <a:bodyPr rtlCol="0" anchor="ctr"/>
+          <a:lstStyle/>
+          <a:p>
+            <a:pPr algn="ctr"/>
+            <a:endParaRPr lang="zh-CN" altLang="en-US"/>
+          </a:p>
+        </p:txBody>
+      </p:sp>
+      <p:sp>
+        <p:nvSpPr>
+          <p:cNvPr id="4" name="文本框 3">
+            <a:extLst>
+              <a:ext uri="{FF2B5EF4-FFF2-40B4-BE49-F238E27FC236}">
+                <a16:creationId xmlns:a16="http://schemas.microsoft.com/office/drawing/2014/main" id="{B15BAD18-D13C-46A5-9C84-AC685D764DFD}"/>
+              </a:ext>
+            </a:extLst>
+          </p:cNvPr>
+          <p:cNvSpPr txBox="1"/>
+          <p:nvPr/>
+        </p:nvSpPr>
+        <p:spPr>
+          <a:xfrm>
+            <a:off x="213360" y="193040"/>
+            <a:ext cx="1947969" cy="646331"/>
+          </a:xfrm>
+          <a:prstGeom prst="rect">
+            <a:avLst/>
+          </a:prstGeom>
+          <a:noFill/>
+        </p:spPr>
+        <p:txBody>
+          <a:bodyPr wrap="none" rtlCol="0">
+            <a:spAutoFit/>
+          </a:bodyPr>
+          <a:lstStyle/>
+          <a:p>
+            <a:r>
+              <a:rPr lang="en-US" altLang="zh-CN" b="1" dirty="0"/>
+              <a:t>Parse html to </a:t>
+            </a:r>
+            <a:r>
+              <a:rPr lang="en-US" altLang="zh-CN" b="1" dirty="0" err="1"/>
+              <a:t>ast</a:t>
+            </a:r>
+            <a:endParaRPr lang="en-US" altLang="zh-CN" b="1" dirty="0"/>
+          </a:p>
+          <a:p>
+            <a:endParaRPr lang="zh-CN" altLang="en-US" dirty="0"/>
+          </a:p>
+        </p:txBody>
+      </p:sp>
+      <p:sp>
+        <p:nvSpPr>
+          <p:cNvPr id="30" name="文本框 29">
+            <a:extLst>
+              <a:ext uri="{FF2B5EF4-FFF2-40B4-BE49-F238E27FC236}">
+                <a16:creationId xmlns:a16="http://schemas.microsoft.com/office/drawing/2014/main" id="{1A2BEBED-A289-47B7-A7AC-0228CD2FC4DC}"/>
+              </a:ext>
+            </a:extLst>
+          </p:cNvPr>
+          <p:cNvSpPr txBox="1"/>
+          <p:nvPr/>
+        </p:nvSpPr>
+        <p:spPr>
+          <a:xfrm>
+            <a:off x="213360" y="626325"/>
+            <a:ext cx="6096000" cy="923330"/>
+          </a:xfrm>
+          <a:prstGeom prst="rect">
+            <a:avLst/>
+          </a:prstGeom>
+          <a:noFill/>
+        </p:spPr>
+        <p:txBody>
+          <a:bodyPr wrap="square">
+            <a:spAutoFit/>
+          </a:bodyPr>
+          <a:lstStyle/>
+          <a:p>
+            <a:endParaRPr lang="en-US" altLang="zh-CN" b="0" dirty="0">
+              <a:solidFill>
+                <a:srgbClr val="333333"/>
+              </a:solidFill>
+              <a:effectLst/>
+              <a:latin typeface="Consolas" panose="020B0609020204030204" pitchFamily="49" charset="0"/>
+            </a:endParaRPr>
+          </a:p>
+          <a:p>
+            <a:r>
+              <a:rPr lang="en-US" altLang="zh-CN" b="0" dirty="0">
+                <a:solidFill>
+                  <a:srgbClr val="333333"/>
+                </a:solidFill>
+                <a:effectLst/>
+                <a:latin typeface="Consolas" panose="020B0609020204030204" pitchFamily="49" charset="0"/>
+              </a:rPr>
+              <a:t>    </a:t>
+            </a:r>
+            <a:r>
+              <a:rPr lang="en-US" altLang="zh-CN" b="0" dirty="0">
+                <a:solidFill>
+                  <a:srgbClr val="93A1A1"/>
+                </a:solidFill>
+                <a:effectLst/>
+                <a:latin typeface="Consolas" panose="020B0609020204030204" pitchFamily="49" charset="0"/>
+              </a:rPr>
+              <a:t>&lt;</a:t>
+            </a:r>
+            <a:r>
+              <a:rPr lang="en-US" altLang="zh-CN" b="0" dirty="0">
+                <a:solidFill>
+                  <a:srgbClr val="268BD2"/>
+                </a:solidFill>
+                <a:effectLst/>
+                <a:latin typeface="Consolas" panose="020B0609020204030204" pitchFamily="49" charset="0"/>
+              </a:rPr>
+              <a:t>p</a:t>
+            </a:r>
+            <a:r>
+              <a:rPr lang="en-US" altLang="zh-CN" b="0" dirty="0">
+                <a:solidFill>
+                  <a:srgbClr val="93A1A1"/>
+                </a:solidFill>
+                <a:effectLst/>
+                <a:latin typeface="Consolas" panose="020B0609020204030204" pitchFamily="49" charset="0"/>
+              </a:rPr>
+              <a:t>&gt;</a:t>
+            </a:r>
+            <a:r>
+              <a:rPr lang="zh-CN" altLang="en-US" b="0" dirty="0">
+                <a:solidFill>
+                  <a:srgbClr val="333333"/>
+                </a:solidFill>
+                <a:effectLst/>
+                <a:latin typeface="Consolas" panose="020B0609020204030204" pitchFamily="49" charset="0"/>
+              </a:rPr>
+              <a:t>学习</a:t>
+            </a:r>
+            <a:r>
+              <a:rPr lang="en-US" altLang="zh-CN" b="0" dirty="0">
+                <a:solidFill>
+                  <a:srgbClr val="93A1A1"/>
+                </a:solidFill>
+                <a:effectLst/>
+                <a:latin typeface="Consolas" panose="020B0609020204030204" pitchFamily="49" charset="0"/>
+              </a:rPr>
+              <a:t>&lt;/</a:t>
+            </a:r>
+            <a:r>
+              <a:rPr lang="en-US" altLang="zh-CN" b="0" dirty="0">
+                <a:solidFill>
+                  <a:srgbClr val="268BD2"/>
+                </a:solidFill>
+                <a:effectLst/>
+                <a:latin typeface="Consolas" panose="020B0609020204030204" pitchFamily="49" charset="0"/>
+              </a:rPr>
+              <a:t>p</a:t>
+            </a:r>
+            <a:r>
+              <a:rPr lang="en-US" altLang="zh-CN" b="0" dirty="0">
+                <a:solidFill>
+                  <a:srgbClr val="93A1A1"/>
+                </a:solidFill>
+                <a:effectLst/>
+                <a:latin typeface="Consolas" panose="020B0609020204030204" pitchFamily="49" charset="0"/>
+              </a:rPr>
+              <a:t>&gt;</a:t>
+            </a:r>
+            <a:endParaRPr lang="en-US" altLang="zh-CN" b="0" dirty="0">
+              <a:solidFill>
+                <a:srgbClr val="333333"/>
+              </a:solidFill>
+              <a:effectLst/>
+              <a:latin typeface="Consolas" panose="020B0609020204030204" pitchFamily="49" charset="0"/>
+            </a:endParaRPr>
+          </a:p>
+          <a:p>
+            <a:r>
+              <a:rPr lang="en-US" altLang="zh-CN" b="0" dirty="0">
+                <a:solidFill>
+                  <a:srgbClr val="333333"/>
+                </a:solidFill>
+                <a:effectLst/>
+                <a:latin typeface="Consolas" panose="020B0609020204030204" pitchFamily="49" charset="0"/>
+              </a:rPr>
+              <a:t>  </a:t>
+            </a:r>
+            <a:r>
+              <a:rPr lang="en-US" altLang="zh-CN" b="0" dirty="0">
+                <a:solidFill>
+                  <a:srgbClr val="93A1A1"/>
+                </a:solidFill>
+                <a:effectLst/>
+                <a:latin typeface="Consolas" panose="020B0609020204030204" pitchFamily="49" charset="0"/>
+              </a:rPr>
+              <a:t>&lt;/</a:t>
+            </a:r>
+            <a:r>
+              <a:rPr lang="en-US" altLang="zh-CN" b="0" dirty="0">
+                <a:solidFill>
+                  <a:srgbClr val="268BD2"/>
+                </a:solidFill>
+                <a:effectLst/>
+                <a:latin typeface="Consolas" panose="020B0609020204030204" pitchFamily="49" charset="0"/>
+              </a:rPr>
+              <a:t>div</a:t>
+            </a:r>
+            <a:r>
+              <a:rPr lang="en-US" altLang="zh-CN" b="0" dirty="0">
+                <a:solidFill>
+                  <a:srgbClr val="93A1A1"/>
+                </a:solidFill>
+                <a:effectLst/>
+                <a:latin typeface="Consolas" panose="020B0609020204030204" pitchFamily="49" charset="0"/>
+              </a:rPr>
+              <a:t>&gt;</a:t>
+            </a:r>
+            <a:endParaRPr lang="en-US" altLang="zh-CN" b="0" dirty="0">
+              <a:solidFill>
+                <a:srgbClr val="333333"/>
+              </a:solidFill>
+              <a:effectLst/>
+              <a:latin typeface="Consolas" panose="020B0609020204030204" pitchFamily="49" charset="0"/>
+            </a:endParaRPr>
+          </a:p>
+        </p:txBody>
+      </p:sp>
+      <p:sp>
+        <p:nvSpPr>
+          <p:cNvPr id="3" name="矩形 2">
+            <a:extLst>
+              <a:ext uri="{FF2B5EF4-FFF2-40B4-BE49-F238E27FC236}">
+                <a16:creationId xmlns:a16="http://schemas.microsoft.com/office/drawing/2014/main" id="{2825D9CD-4572-4FD3-9CCF-293370656FB3}"/>
+              </a:ext>
+            </a:extLst>
+          </p:cNvPr>
+          <p:cNvSpPr/>
+          <p:nvPr/>
+        </p:nvSpPr>
+        <p:spPr>
+          <a:xfrm>
+            <a:off x="4355690" y="839371"/>
+            <a:ext cx="1553497" cy="5620423"/>
+          </a:xfrm>
+          <a:prstGeom prst="rect">
+            <a:avLst/>
+          </a:prstGeom>
+        </p:spPr>
+        <p:style>
+          <a:lnRef idx="2">
+            <a:schemeClr val="accent6"/>
+          </a:lnRef>
+          <a:fillRef idx="1">
+            <a:schemeClr val="lt1"/>
+          </a:fillRef>
+          <a:effectRef idx="0">
+            <a:schemeClr val="accent6"/>
+          </a:effectRef>
+          <a:fontRef idx="minor">
+            <a:schemeClr val="dk1"/>
+          </a:fontRef>
+        </p:style>
+        <p:txBody>
+          <a:bodyPr rtlCol="0" anchor="ctr"/>
+          <a:lstStyle/>
+          <a:p>
+            <a:pPr algn="ctr"/>
+            <a:endParaRPr lang="zh-CN" altLang="en-US" dirty="0"/>
+          </a:p>
+        </p:txBody>
+      </p:sp>
+      <p:sp>
+        <p:nvSpPr>
+          <p:cNvPr id="7" name="文本框 6">
+            <a:extLst>
+              <a:ext uri="{FF2B5EF4-FFF2-40B4-BE49-F238E27FC236}">
+                <a16:creationId xmlns:a16="http://schemas.microsoft.com/office/drawing/2014/main" id="{932D0C44-58B0-4956-9B20-895262106932}"/>
+              </a:ext>
+            </a:extLst>
+          </p:cNvPr>
+          <p:cNvSpPr txBox="1"/>
+          <p:nvPr/>
+        </p:nvSpPr>
+        <p:spPr>
+          <a:xfrm>
+            <a:off x="4786723" y="6459794"/>
+            <a:ext cx="681597" cy="369332"/>
+          </a:xfrm>
+          <a:prstGeom prst="rect">
+            <a:avLst/>
+          </a:prstGeom>
+          <a:noFill/>
+        </p:spPr>
+        <p:txBody>
+          <a:bodyPr wrap="none" rtlCol="0">
+            <a:spAutoFit/>
+          </a:bodyPr>
+          <a:lstStyle/>
+          <a:p>
+            <a:r>
+              <a:rPr lang="en-US" altLang="zh-CN" dirty="0"/>
+              <a:t>stack</a:t>
+            </a:r>
+            <a:endParaRPr lang="zh-CN" altLang="en-US" dirty="0"/>
+          </a:p>
+        </p:txBody>
+      </p:sp>
+      <p:sp>
+        <p:nvSpPr>
+          <p:cNvPr id="11" name="文本框 10">
+            <a:extLst>
+              <a:ext uri="{FF2B5EF4-FFF2-40B4-BE49-F238E27FC236}">
+                <a16:creationId xmlns:a16="http://schemas.microsoft.com/office/drawing/2014/main" id="{06734D3B-F8C0-4C53-9E02-303802F20AD9}"/>
+              </a:ext>
+            </a:extLst>
+          </p:cNvPr>
+          <p:cNvSpPr txBox="1"/>
+          <p:nvPr/>
+        </p:nvSpPr>
+        <p:spPr>
+          <a:xfrm>
+            <a:off x="6591897" y="3429001"/>
+            <a:ext cx="2784737" cy="646331"/>
+          </a:xfrm>
+          <a:prstGeom prst="rect">
+            <a:avLst/>
+          </a:prstGeom>
+          <a:noFill/>
+        </p:spPr>
+        <p:txBody>
+          <a:bodyPr wrap="none" rtlCol="0">
+            <a:spAutoFit/>
+          </a:bodyPr>
+          <a:lstStyle/>
+          <a:p>
+            <a:r>
+              <a:rPr lang="en-US" altLang="zh-CN" dirty="0" err="1"/>
+              <a:t>currentParent</a:t>
+            </a:r>
+            <a:r>
+              <a:rPr lang="en-US" altLang="zh-CN" dirty="0"/>
+              <a:t> = </a:t>
+            </a:r>
+            <a:r>
+              <a:rPr lang="en-US" altLang="zh-CN" dirty="0" err="1"/>
+              <a:t>element1</a:t>
+            </a:r>
+            <a:r>
+              <a:rPr lang="en-US" altLang="zh-CN" dirty="0"/>
+              <a:t>;</a:t>
+            </a:r>
+          </a:p>
+          <a:p>
+            <a:r>
+              <a:rPr lang="en-US" altLang="zh-CN" dirty="0"/>
+              <a:t>root = </a:t>
+            </a:r>
+            <a:r>
+              <a:rPr lang="en-US" altLang="zh-CN" dirty="0" err="1"/>
+              <a:t>element1</a:t>
+            </a:r>
+            <a:r>
+              <a:rPr lang="en-US" altLang="zh-CN" dirty="0"/>
+              <a:t>;</a:t>
+            </a:r>
+          </a:p>
+        </p:txBody>
+      </p:sp>
+      <p:sp>
+        <p:nvSpPr>
+          <p:cNvPr id="2" name="文本框 1">
+            <a:extLst>
+              <a:ext uri="{FF2B5EF4-FFF2-40B4-BE49-F238E27FC236}">
+                <a16:creationId xmlns:a16="http://schemas.microsoft.com/office/drawing/2014/main" id="{CEDBF7B9-C8B5-4829-929E-81A6AEED4C81}"/>
+              </a:ext>
+            </a:extLst>
+          </p:cNvPr>
+          <p:cNvSpPr txBox="1"/>
+          <p:nvPr/>
+        </p:nvSpPr>
+        <p:spPr>
+          <a:xfrm>
+            <a:off x="4889315" y="5939973"/>
+            <a:ext cx="476412" cy="369332"/>
+          </a:xfrm>
+          <a:prstGeom prst="rect">
+            <a:avLst/>
+          </a:prstGeom>
+          <a:noFill/>
+          <a:ln>
+            <a:solidFill>
+              <a:schemeClr val="accent1"/>
+            </a:solidFill>
+          </a:ln>
+        </p:spPr>
+        <p:txBody>
+          <a:bodyPr wrap="none" rtlCol="0">
+            <a:spAutoFit/>
+          </a:bodyPr>
+          <a:lstStyle/>
+          <a:p>
+            <a:r>
+              <a:rPr lang="en-US" altLang="zh-CN" dirty="0"/>
+              <a:t>div</a:t>
+            </a:r>
+            <a:endParaRPr lang="zh-CN" altLang="en-US" dirty="0"/>
+          </a:p>
+        </p:txBody>
+      </p:sp>
+      <p:cxnSp>
+        <p:nvCxnSpPr>
+          <p:cNvPr id="6" name="直接连接符 5">
+            <a:extLst>
+              <a:ext uri="{FF2B5EF4-FFF2-40B4-BE49-F238E27FC236}">
+                <a16:creationId xmlns:a16="http://schemas.microsoft.com/office/drawing/2014/main" id="{1D77ABAE-EAD5-4438-9B7F-6D9C8DAD981D}"/>
+              </a:ext>
+            </a:extLst>
+          </p:cNvPr>
+          <p:cNvCxnSpPr/>
+          <p:nvPr/>
+        </p:nvCxnSpPr>
+        <p:spPr>
+          <a:xfrm>
+            <a:off x="4355690" y="5781369"/>
+            <a:ext cx="1553497" cy="0"/>
+          </a:xfrm>
+          <a:prstGeom prst="line">
+            <a:avLst/>
+          </a:prstGeom>
+        </p:spPr>
+        <p:style>
+          <a:lnRef idx="1">
+            <a:schemeClr val="dk1"/>
+          </a:lnRef>
+          <a:fillRef idx="0">
+            <a:schemeClr val="dk1"/>
+          </a:fillRef>
+          <a:effectRef idx="0">
+            <a:schemeClr val="dk1"/>
+          </a:effectRef>
+          <a:fontRef idx="minor">
+            <a:schemeClr val="tx1"/>
+          </a:fontRef>
+        </p:style>
+      </p:cxnSp>
+      <p:sp>
+        <p:nvSpPr>
+          <p:cNvPr id="8" name="文本框 7">
+            <a:extLst>
+              <a:ext uri="{FF2B5EF4-FFF2-40B4-BE49-F238E27FC236}">
+                <a16:creationId xmlns:a16="http://schemas.microsoft.com/office/drawing/2014/main" id="{D621D075-0EC7-47DD-93E8-279A3048776F}"/>
+              </a:ext>
+            </a:extLst>
+          </p:cNvPr>
+          <p:cNvSpPr txBox="1"/>
+          <p:nvPr/>
+        </p:nvSpPr>
+        <p:spPr>
+          <a:xfrm>
+            <a:off x="6157943" y="5939973"/>
+            <a:ext cx="1107996" cy="369332"/>
+          </a:xfrm>
+          <a:prstGeom prst="rect">
+            <a:avLst/>
+          </a:prstGeom>
+          <a:noFill/>
+        </p:spPr>
+        <p:txBody>
+          <a:bodyPr wrap="none" rtlCol="0">
+            <a:spAutoFit/>
+          </a:bodyPr>
+          <a:lstStyle/>
+          <a:p>
+            <a:r>
+              <a:rPr lang="en-US" altLang="zh-CN" dirty="0" err="1"/>
+              <a:t>element1</a:t>
+            </a:r>
+            <a:endParaRPr lang="zh-CN" altLang="en-US" dirty="0"/>
+          </a:p>
+        </p:txBody>
+      </p:sp>
+      <p:sp>
+        <p:nvSpPr>
+          <p:cNvPr id="15" name="文本框 14">
+            <a:extLst>
+              <a:ext uri="{FF2B5EF4-FFF2-40B4-BE49-F238E27FC236}">
+                <a16:creationId xmlns:a16="http://schemas.microsoft.com/office/drawing/2014/main" id="{05752C53-FC9D-4EBF-8B97-388B3CE6C494}"/>
+              </a:ext>
+            </a:extLst>
+          </p:cNvPr>
+          <p:cNvSpPr txBox="1"/>
+          <p:nvPr/>
+        </p:nvSpPr>
+        <p:spPr>
+          <a:xfrm>
+            <a:off x="6591897" y="4937126"/>
+            <a:ext cx="4014240" cy="646331"/>
+          </a:xfrm>
+          <a:prstGeom prst="rect">
+            <a:avLst/>
+          </a:prstGeom>
+          <a:noFill/>
+        </p:spPr>
+        <p:txBody>
+          <a:bodyPr wrap="none" rtlCol="0">
+            <a:spAutoFit/>
+          </a:bodyPr>
+          <a:lstStyle/>
+          <a:p>
+            <a:r>
+              <a:rPr lang="en-US" altLang="zh-CN" dirty="0" err="1"/>
+              <a:t>element2.parent</a:t>
+            </a:r>
+            <a:r>
+              <a:rPr lang="en-US" altLang="zh-CN" dirty="0"/>
+              <a:t> = </a:t>
+            </a:r>
+            <a:r>
+              <a:rPr lang="en-US" altLang="zh-CN" dirty="0" err="1"/>
+              <a:t>currentParent</a:t>
+            </a:r>
+            <a:r>
+              <a:rPr lang="en-US" altLang="zh-CN" dirty="0"/>
+              <a:t>;</a:t>
+            </a:r>
+          </a:p>
+          <a:p>
+            <a:r>
+              <a:rPr lang="en-US" altLang="zh-CN" dirty="0" err="1"/>
+              <a:t>currentParent.children.push</a:t>
+            </a:r>
+            <a:r>
+              <a:rPr lang="en-US" altLang="zh-CN" dirty="0"/>
+              <a:t>(</a:t>
+            </a:r>
+            <a:r>
+              <a:rPr lang="en-US" altLang="zh-CN" dirty="0" err="1"/>
+              <a:t>element2</a:t>
+            </a:r>
+            <a:r>
+              <a:rPr lang="en-US" altLang="zh-CN" dirty="0"/>
+              <a:t>);</a:t>
+            </a:r>
+            <a:endParaRPr lang="zh-CN" altLang="en-US" dirty="0"/>
+          </a:p>
+        </p:txBody>
+      </p:sp>
+    </p:spTree>
+    <p:extLst>
+      <p:ext uri="{BB962C8B-B14F-4D97-AF65-F5344CB8AC3E}">
+        <p14:creationId xmlns:p14="http://schemas.microsoft.com/office/powerpoint/2010/main" val="212424248"/>
+      </p:ext>
+    </p:extLst>
+  </p:cSld>
+  <p:clrMapOvr>
+    <a:masterClrMapping/>
+  </p:clrMapOvr>
+</p:sld>
+</file>
+
+<file path=ppt/slides/slide9.xml><?xml version="1.0" encoding="utf-8"?>
+<p:sld xmlns:a="http://schemas.openxmlformats.org/drawingml/2006/main" xmlns:r="http://schemas.openxmlformats.org/officeDocument/2006/relationships" xmlns:p="http://schemas.openxmlformats.org/presentationml/2006/main">
+  <p:cSld>
+    <p:spTree>
+      <p:nvGrpSpPr>
+        <p:cNvPr id="1" name=""/>
+        <p:cNvGrpSpPr/>
+        <p:nvPr/>
+      </p:nvGrpSpPr>
+      <p:grpSpPr>
+        <a:xfrm>
+          <a:off x="0" y="0"/>
+          <a:ext cx="0" cy="0"/>
+          <a:chOff x="0" y="0"/>
+          <a:chExt cx="0" cy="0"/>
+        </a:xfrm>
+      </p:grpSpPr>
+      <p:sp>
+        <p:nvSpPr>
+          <p:cNvPr id="4" name="文本框 3">
+            <a:extLst>
+              <a:ext uri="{FF2B5EF4-FFF2-40B4-BE49-F238E27FC236}">
+                <a16:creationId xmlns:a16="http://schemas.microsoft.com/office/drawing/2014/main" id="{B15BAD18-D13C-46A5-9C84-AC685D764DFD}"/>
+              </a:ext>
+            </a:extLst>
+          </p:cNvPr>
+          <p:cNvSpPr txBox="1"/>
+          <p:nvPr/>
+        </p:nvSpPr>
+        <p:spPr>
+          <a:xfrm>
+            <a:off x="213360" y="193040"/>
+            <a:ext cx="1947969" cy="646331"/>
+          </a:xfrm>
+          <a:prstGeom prst="rect">
+            <a:avLst/>
+          </a:prstGeom>
+          <a:noFill/>
+        </p:spPr>
+        <p:txBody>
+          <a:bodyPr wrap="none" rtlCol="0">
+            <a:spAutoFit/>
+          </a:bodyPr>
+          <a:lstStyle/>
+          <a:p>
+            <a:r>
+              <a:rPr lang="en-US" altLang="zh-CN" b="1" dirty="0"/>
+              <a:t>Parse html to </a:t>
+            </a:r>
+            <a:r>
+              <a:rPr lang="en-US" altLang="zh-CN" b="1" dirty="0" err="1"/>
+              <a:t>ast</a:t>
+            </a:r>
+            <a:endParaRPr lang="en-US" altLang="zh-CN" b="1" dirty="0"/>
+          </a:p>
+          <a:p>
+            <a:endParaRPr lang="zh-CN" altLang="en-US" dirty="0"/>
+          </a:p>
+        </p:txBody>
+      </p:sp>
+      <p:sp>
+        <p:nvSpPr>
+          <p:cNvPr id="30" name="文本框 29">
+            <a:extLst>
+              <a:ext uri="{FF2B5EF4-FFF2-40B4-BE49-F238E27FC236}">
+                <a16:creationId xmlns:a16="http://schemas.microsoft.com/office/drawing/2014/main" id="{1A2BEBED-A289-47B7-A7AC-0228CD2FC4DC}"/>
+              </a:ext>
+            </a:extLst>
+          </p:cNvPr>
+          <p:cNvSpPr txBox="1"/>
+          <p:nvPr/>
+        </p:nvSpPr>
+        <p:spPr>
+          <a:xfrm>
+            <a:off x="213360" y="626325"/>
+            <a:ext cx="6096000" cy="923330"/>
+          </a:xfrm>
+          <a:prstGeom prst="rect">
+            <a:avLst/>
+          </a:prstGeom>
+          <a:noFill/>
+        </p:spPr>
+        <p:txBody>
+          <a:bodyPr wrap="square">
+            <a:spAutoFit/>
+          </a:bodyPr>
+          <a:lstStyle/>
+          <a:p>
+            <a:endParaRPr lang="en-US" altLang="zh-CN" b="0" dirty="0">
+              <a:solidFill>
+                <a:srgbClr val="333333"/>
+              </a:solidFill>
+              <a:effectLst/>
+              <a:latin typeface="Consolas" panose="020B0609020204030204" pitchFamily="49" charset="0"/>
+            </a:endParaRPr>
+          </a:p>
+          <a:p>
+            <a:r>
+              <a:rPr lang="en-US" altLang="zh-CN" b="0" dirty="0">
+                <a:solidFill>
+                  <a:srgbClr val="333333"/>
+                </a:solidFill>
+                <a:effectLst/>
+                <a:latin typeface="Consolas" panose="020B0609020204030204" pitchFamily="49" charset="0"/>
+              </a:rPr>
+              <a:t>    </a:t>
+            </a:r>
+            <a:r>
+              <a:rPr lang="zh-CN" altLang="en-US" b="0" dirty="0">
+                <a:solidFill>
+                  <a:srgbClr val="333333"/>
+                </a:solidFill>
+                <a:effectLst/>
+                <a:latin typeface="Consolas" panose="020B0609020204030204" pitchFamily="49" charset="0"/>
+              </a:rPr>
+              <a:t>学习</a:t>
+            </a:r>
+            <a:r>
+              <a:rPr lang="en-US" altLang="zh-CN" b="0" dirty="0">
+                <a:solidFill>
+                  <a:srgbClr val="93A1A1"/>
+                </a:solidFill>
+                <a:effectLst/>
+                <a:latin typeface="Consolas" panose="020B0609020204030204" pitchFamily="49" charset="0"/>
+              </a:rPr>
+              <a:t>&lt;/</a:t>
+            </a:r>
+            <a:r>
+              <a:rPr lang="en-US" altLang="zh-CN" b="0" dirty="0">
+                <a:solidFill>
+                  <a:srgbClr val="268BD2"/>
+                </a:solidFill>
+                <a:effectLst/>
+                <a:latin typeface="Consolas" panose="020B0609020204030204" pitchFamily="49" charset="0"/>
+              </a:rPr>
+              <a:t>p</a:t>
+            </a:r>
+            <a:r>
+              <a:rPr lang="en-US" altLang="zh-CN" b="0" dirty="0">
+                <a:solidFill>
+                  <a:srgbClr val="93A1A1"/>
+                </a:solidFill>
+                <a:effectLst/>
+                <a:latin typeface="Consolas" panose="020B0609020204030204" pitchFamily="49" charset="0"/>
+              </a:rPr>
+              <a:t>&gt;</a:t>
+            </a:r>
+            <a:endParaRPr lang="en-US" altLang="zh-CN" b="0" dirty="0">
+              <a:solidFill>
+                <a:srgbClr val="333333"/>
+              </a:solidFill>
+              <a:effectLst/>
+              <a:latin typeface="Consolas" panose="020B0609020204030204" pitchFamily="49" charset="0"/>
+            </a:endParaRPr>
+          </a:p>
+          <a:p>
+            <a:r>
+              <a:rPr lang="en-US" altLang="zh-CN" b="0" dirty="0">
+                <a:solidFill>
+                  <a:srgbClr val="333333"/>
+                </a:solidFill>
+                <a:effectLst/>
+                <a:latin typeface="Consolas" panose="020B0609020204030204" pitchFamily="49" charset="0"/>
+              </a:rPr>
+              <a:t>  </a:t>
+            </a:r>
+            <a:r>
+              <a:rPr lang="en-US" altLang="zh-CN" b="0" dirty="0">
+                <a:solidFill>
+                  <a:srgbClr val="93A1A1"/>
+                </a:solidFill>
+                <a:effectLst/>
+                <a:latin typeface="Consolas" panose="020B0609020204030204" pitchFamily="49" charset="0"/>
+              </a:rPr>
+              <a:t>&lt;/</a:t>
+            </a:r>
+            <a:r>
+              <a:rPr lang="en-US" altLang="zh-CN" b="0" dirty="0">
+                <a:solidFill>
+                  <a:srgbClr val="268BD2"/>
+                </a:solidFill>
+                <a:effectLst/>
+                <a:latin typeface="Consolas" panose="020B0609020204030204" pitchFamily="49" charset="0"/>
+              </a:rPr>
+              <a:t>div</a:t>
+            </a:r>
+            <a:r>
+              <a:rPr lang="en-US" altLang="zh-CN" b="0" dirty="0">
+                <a:solidFill>
+                  <a:srgbClr val="93A1A1"/>
+                </a:solidFill>
+                <a:effectLst/>
+                <a:latin typeface="Consolas" panose="020B0609020204030204" pitchFamily="49" charset="0"/>
+              </a:rPr>
+              <a:t>&gt;</a:t>
+            </a:r>
+            <a:endParaRPr lang="en-US" altLang="zh-CN" b="0" dirty="0">
+              <a:solidFill>
+                <a:srgbClr val="333333"/>
+              </a:solidFill>
+              <a:effectLst/>
+              <a:latin typeface="Consolas" panose="020B0609020204030204" pitchFamily="49" charset="0"/>
+            </a:endParaRPr>
+          </a:p>
+        </p:txBody>
+      </p:sp>
+      <p:sp>
+        <p:nvSpPr>
+          <p:cNvPr id="3" name="矩形 2">
+            <a:extLst>
+              <a:ext uri="{FF2B5EF4-FFF2-40B4-BE49-F238E27FC236}">
+                <a16:creationId xmlns:a16="http://schemas.microsoft.com/office/drawing/2014/main" id="{2825D9CD-4572-4FD3-9CCF-293370656FB3}"/>
+              </a:ext>
+            </a:extLst>
+          </p:cNvPr>
+          <p:cNvSpPr/>
+          <p:nvPr/>
+        </p:nvSpPr>
+        <p:spPr>
+          <a:xfrm>
+            <a:off x="4355690" y="839371"/>
+            <a:ext cx="1553497" cy="5620423"/>
+          </a:xfrm>
+          <a:prstGeom prst="rect">
+            <a:avLst/>
+          </a:prstGeom>
+        </p:spPr>
+        <p:style>
+          <a:lnRef idx="2">
+            <a:schemeClr val="accent6"/>
+          </a:lnRef>
+          <a:fillRef idx="1">
+            <a:schemeClr val="lt1"/>
+          </a:fillRef>
+          <a:effectRef idx="0">
+            <a:schemeClr val="accent6"/>
+          </a:effectRef>
+          <a:fontRef idx="minor">
+            <a:schemeClr val="dk1"/>
+          </a:fontRef>
+        </p:style>
+        <p:txBody>
+          <a:bodyPr rtlCol="0" anchor="ctr"/>
+          <a:lstStyle/>
+          <a:p>
+            <a:pPr algn="ctr"/>
+            <a:endParaRPr lang="zh-CN" altLang="en-US" dirty="0"/>
+          </a:p>
+        </p:txBody>
+      </p:sp>
+      <p:sp>
+        <p:nvSpPr>
+          <p:cNvPr id="7" name="文本框 6">
+            <a:extLst>
+              <a:ext uri="{FF2B5EF4-FFF2-40B4-BE49-F238E27FC236}">
+                <a16:creationId xmlns:a16="http://schemas.microsoft.com/office/drawing/2014/main" id="{932D0C44-58B0-4956-9B20-895262106932}"/>
+              </a:ext>
+            </a:extLst>
+          </p:cNvPr>
+          <p:cNvSpPr txBox="1"/>
+          <p:nvPr/>
+        </p:nvSpPr>
+        <p:spPr>
+          <a:xfrm>
+            <a:off x="4786723" y="6459794"/>
+            <a:ext cx="681597" cy="369332"/>
+          </a:xfrm>
+          <a:prstGeom prst="rect">
+            <a:avLst/>
+          </a:prstGeom>
+          <a:noFill/>
+        </p:spPr>
+        <p:txBody>
+          <a:bodyPr wrap="none" rtlCol="0">
+            <a:spAutoFit/>
+          </a:bodyPr>
+          <a:lstStyle/>
+          <a:p>
+            <a:r>
+              <a:rPr lang="en-US" altLang="zh-CN" dirty="0"/>
+              <a:t>stack</a:t>
+            </a:r>
+            <a:endParaRPr lang="zh-CN" altLang="en-US" dirty="0"/>
+          </a:p>
+        </p:txBody>
+      </p:sp>
+      <p:sp>
+        <p:nvSpPr>
+          <p:cNvPr id="11" name="文本框 10">
+            <a:extLst>
+              <a:ext uri="{FF2B5EF4-FFF2-40B4-BE49-F238E27FC236}">
+                <a16:creationId xmlns:a16="http://schemas.microsoft.com/office/drawing/2014/main" id="{06734D3B-F8C0-4C53-9E02-303802F20AD9}"/>
+              </a:ext>
+            </a:extLst>
+          </p:cNvPr>
+          <p:cNvSpPr txBox="1"/>
+          <p:nvPr/>
+        </p:nvSpPr>
+        <p:spPr>
+          <a:xfrm>
+            <a:off x="6591897" y="3429001"/>
+            <a:ext cx="2784737" cy="646331"/>
+          </a:xfrm>
+          <a:prstGeom prst="rect">
+            <a:avLst/>
+          </a:prstGeom>
+          <a:noFill/>
+        </p:spPr>
+        <p:txBody>
+          <a:bodyPr wrap="none" rtlCol="0">
+            <a:spAutoFit/>
+          </a:bodyPr>
+          <a:lstStyle/>
+          <a:p>
+            <a:r>
+              <a:rPr lang="en-US" altLang="zh-CN" dirty="0" err="1"/>
+              <a:t>currentParent</a:t>
+            </a:r>
+            <a:r>
+              <a:rPr lang="en-US" altLang="zh-CN" dirty="0"/>
+              <a:t> = </a:t>
+            </a:r>
+            <a:r>
+              <a:rPr lang="en-US" altLang="zh-CN" dirty="0" err="1"/>
+              <a:t>element2</a:t>
+            </a:r>
+            <a:r>
+              <a:rPr lang="en-US" altLang="zh-CN" dirty="0"/>
+              <a:t>;</a:t>
+            </a:r>
+          </a:p>
+          <a:p>
+            <a:r>
+              <a:rPr lang="en-US" altLang="zh-CN" dirty="0"/>
+              <a:t>root = </a:t>
+            </a:r>
+            <a:r>
+              <a:rPr lang="en-US" altLang="zh-CN" dirty="0" err="1"/>
+              <a:t>element1</a:t>
+            </a:r>
+            <a:r>
+              <a:rPr lang="en-US" altLang="zh-CN" dirty="0"/>
+              <a:t>;</a:t>
+            </a:r>
+          </a:p>
+        </p:txBody>
+      </p:sp>
+      <p:sp>
+        <p:nvSpPr>
+          <p:cNvPr id="2" name="文本框 1">
+            <a:extLst>
+              <a:ext uri="{FF2B5EF4-FFF2-40B4-BE49-F238E27FC236}">
+                <a16:creationId xmlns:a16="http://schemas.microsoft.com/office/drawing/2014/main" id="{CEDBF7B9-C8B5-4829-929E-81A6AEED4C81}"/>
+              </a:ext>
+            </a:extLst>
+          </p:cNvPr>
+          <p:cNvSpPr txBox="1"/>
+          <p:nvPr/>
+        </p:nvSpPr>
+        <p:spPr>
+          <a:xfrm>
+            <a:off x="4889315" y="5939973"/>
+            <a:ext cx="476412" cy="369332"/>
+          </a:xfrm>
+          <a:prstGeom prst="rect">
+            <a:avLst/>
+          </a:prstGeom>
+          <a:noFill/>
+          <a:ln>
+            <a:solidFill>
+              <a:schemeClr val="accent1"/>
+            </a:solidFill>
+          </a:ln>
+        </p:spPr>
+        <p:txBody>
+          <a:bodyPr wrap="none" rtlCol="0">
+            <a:spAutoFit/>
+          </a:bodyPr>
+          <a:lstStyle/>
+          <a:p>
+            <a:r>
+              <a:rPr lang="en-US" altLang="zh-CN" dirty="0"/>
+              <a:t>div</a:t>
+            </a:r>
+            <a:endParaRPr lang="zh-CN" altLang="en-US" dirty="0"/>
+          </a:p>
+        </p:txBody>
+      </p:sp>
+      <p:cxnSp>
+        <p:nvCxnSpPr>
+          <p:cNvPr id="6" name="直接连接符 5">
+            <a:extLst>
+              <a:ext uri="{FF2B5EF4-FFF2-40B4-BE49-F238E27FC236}">
+                <a16:creationId xmlns:a16="http://schemas.microsoft.com/office/drawing/2014/main" id="{1D77ABAE-EAD5-4438-9B7F-6D9C8DAD981D}"/>
+              </a:ext>
+            </a:extLst>
+          </p:cNvPr>
+          <p:cNvCxnSpPr/>
+          <p:nvPr/>
+        </p:nvCxnSpPr>
+        <p:spPr>
+          <a:xfrm>
+            <a:off x="4355690" y="5781369"/>
+            <a:ext cx="1553497" cy="0"/>
+          </a:xfrm>
+          <a:prstGeom prst="line">
+            <a:avLst/>
+          </a:prstGeom>
+        </p:spPr>
+        <p:style>
+          <a:lnRef idx="1">
+            <a:schemeClr val="dk1"/>
+          </a:lnRef>
+          <a:fillRef idx="0">
+            <a:schemeClr val="dk1"/>
+          </a:fillRef>
+          <a:effectRef idx="0">
+            <a:schemeClr val="dk1"/>
+          </a:effectRef>
+          <a:fontRef idx="minor">
+            <a:schemeClr val="tx1"/>
+          </a:fontRef>
+        </p:style>
+      </p:cxnSp>
+      <p:sp>
+        <p:nvSpPr>
+          <p:cNvPr id="8" name="文本框 7">
+            <a:extLst>
+              <a:ext uri="{FF2B5EF4-FFF2-40B4-BE49-F238E27FC236}">
+                <a16:creationId xmlns:a16="http://schemas.microsoft.com/office/drawing/2014/main" id="{D621D075-0EC7-47DD-93E8-279A3048776F}"/>
+              </a:ext>
+            </a:extLst>
+          </p:cNvPr>
+          <p:cNvSpPr txBox="1"/>
+          <p:nvPr/>
+        </p:nvSpPr>
+        <p:spPr>
+          <a:xfrm>
+            <a:off x="6157943" y="5939973"/>
+            <a:ext cx="1107996" cy="369332"/>
+          </a:xfrm>
+          <a:prstGeom prst="rect">
+            <a:avLst/>
+          </a:prstGeom>
+          <a:noFill/>
+        </p:spPr>
+        <p:txBody>
+          <a:bodyPr wrap="none" rtlCol="0">
+            <a:spAutoFit/>
+          </a:bodyPr>
+          <a:lstStyle/>
+          <a:p>
+            <a:r>
+              <a:rPr lang="en-US" altLang="zh-CN" dirty="0" err="1"/>
+              <a:t>element1</a:t>
+            </a:r>
+            <a:endParaRPr lang="zh-CN" altLang="en-US" dirty="0"/>
+          </a:p>
+        </p:txBody>
+      </p:sp>
+      <p:sp>
+        <p:nvSpPr>
+          <p:cNvPr id="12" name="文本框 11">
+            <a:extLst>
+              <a:ext uri="{FF2B5EF4-FFF2-40B4-BE49-F238E27FC236}">
+                <a16:creationId xmlns:a16="http://schemas.microsoft.com/office/drawing/2014/main" id="{3EAAEE6D-E1E9-4F43-98FA-507B3702CC15}"/>
+              </a:ext>
+            </a:extLst>
+          </p:cNvPr>
+          <p:cNvSpPr txBox="1"/>
+          <p:nvPr/>
+        </p:nvSpPr>
+        <p:spPr>
+          <a:xfrm>
+            <a:off x="4889315" y="5232095"/>
+            <a:ext cx="317716" cy="369332"/>
+          </a:xfrm>
+          <a:prstGeom prst="rect">
+            <a:avLst/>
+          </a:prstGeom>
+          <a:noFill/>
+          <a:ln>
+            <a:solidFill>
+              <a:schemeClr val="accent1"/>
+            </a:solidFill>
+          </a:ln>
+        </p:spPr>
+        <p:txBody>
+          <a:bodyPr wrap="none" rtlCol="0">
+            <a:spAutoFit/>
+          </a:bodyPr>
+          <a:lstStyle/>
+          <a:p>
+            <a:r>
+              <a:rPr lang="en-US" altLang="zh-CN" dirty="0"/>
+              <a:t>p</a:t>
+            </a:r>
+            <a:endParaRPr lang="zh-CN" altLang="en-US" dirty="0"/>
+          </a:p>
+        </p:txBody>
+      </p:sp>
+      <p:sp>
+        <p:nvSpPr>
+          <p:cNvPr id="13" name="文本框 12">
+            <a:extLst>
+              <a:ext uri="{FF2B5EF4-FFF2-40B4-BE49-F238E27FC236}">
+                <a16:creationId xmlns:a16="http://schemas.microsoft.com/office/drawing/2014/main" id="{C8716B65-AC42-46E6-802F-49BA9538781A}"/>
+              </a:ext>
+            </a:extLst>
+          </p:cNvPr>
+          <p:cNvSpPr txBox="1"/>
+          <p:nvPr/>
+        </p:nvSpPr>
+        <p:spPr>
+          <a:xfrm>
+            <a:off x="6157943" y="5232095"/>
+            <a:ext cx="1107996" cy="369332"/>
+          </a:xfrm>
+          <a:prstGeom prst="rect">
+            <a:avLst/>
+          </a:prstGeom>
+          <a:noFill/>
+        </p:spPr>
+        <p:txBody>
+          <a:bodyPr wrap="none" rtlCol="0">
+            <a:spAutoFit/>
+          </a:bodyPr>
+          <a:lstStyle/>
+          <a:p>
+            <a:r>
+              <a:rPr lang="en-US" altLang="zh-CN" dirty="0" err="1"/>
+              <a:t>element2</a:t>
+            </a:r>
+            <a:endParaRPr lang="zh-CN" altLang="en-US" dirty="0"/>
+          </a:p>
+        </p:txBody>
+      </p:sp>
+    </p:spTree>
+    <p:extLst>
+      <p:ext uri="{BB962C8B-B14F-4D97-AF65-F5344CB8AC3E}">
+        <p14:creationId xmlns:p14="http://schemas.microsoft.com/office/powerpoint/2010/main" val="3222385828"/>
       </p:ext>
     </p:extLst>
   </p:cSld>
